--- a/Reports/WPT/Resonance_frequency_model.pptx
+++ b/Reports/WPT/Resonance_frequency_model.pptx
@@ -5,7 +5,7 @@
     <p:sldMasterId id="2147483648" r:id="rId1"/>
   </p:sldMasterIdLst>
   <p:notesMasterIdLst>
-    <p:notesMasterId r:id="rId8"/>
+    <p:notesMasterId r:id="rId13"/>
   </p:notesMasterIdLst>
   <p:sldIdLst>
     <p:sldId id="256" r:id="rId2"/>
@@ -14,6 +14,11 @@
     <p:sldId id="259" r:id="rId5"/>
     <p:sldId id="260" r:id="rId6"/>
     <p:sldId id="261" r:id="rId7"/>
+    <p:sldId id="262" r:id="rId8"/>
+    <p:sldId id="263" r:id="rId9"/>
+    <p:sldId id="264" r:id="rId10"/>
+    <p:sldId id="265" r:id="rId11"/>
+    <p:sldId id="266" r:id="rId12"/>
   </p:sldIdLst>
   <p:sldSz cx="12192000" cy="6858000"/>
   <p:notesSz cx="6858000" cy="9144000"/>
@@ -112,6 +117,11 @@
       </a:defRPr>
     </a:lvl9pPr>
   </p:defaultTextStyle>
+  <p:extLst>
+    <p:ext uri="{EFAFB233-063F-42B5-8137-9DF3F51BA10A}">
+      <p15:sldGuideLst xmlns:p15="http://schemas.microsoft.com/office/powerpoint/2012/main"/>
+    </p:ext>
+  </p:extLst>
 </p:presentation>
 </file>
 
@@ -197,7 +207,7 @@
           <a:p>
             <a:fld id="{EDEAC6C9-591E-41D9-A24F-7AD542749B83}" type="datetimeFigureOut">
               <a:rPr lang="en-US" smtClean="0"/>
-              <a:t>4/28/2020</a:t>
+              <a:t>4/29/2020</a:t>
             </a:fld>
             <a:endParaRPr lang="en-US"/>
           </a:p>
@@ -695,7 +705,7 @@
           <a:p>
             <a:fld id="{133B46E9-6A8C-4D4C-B73A-4244FE2D9C2E}" type="datetimeFigureOut">
               <a:rPr lang="en-US" smtClean="0"/>
-              <a:t>4/28/2020</a:t>
+              <a:t>4/29/2020</a:t>
             </a:fld>
             <a:endParaRPr lang="en-US"/>
           </a:p>
@@ -893,7 +903,7 @@
           <a:p>
             <a:fld id="{133B46E9-6A8C-4D4C-B73A-4244FE2D9C2E}" type="datetimeFigureOut">
               <a:rPr lang="en-US" smtClean="0"/>
-              <a:t>4/28/2020</a:t>
+              <a:t>4/29/2020</a:t>
             </a:fld>
             <a:endParaRPr lang="en-US"/>
           </a:p>
@@ -1101,7 +1111,7 @@
           <a:p>
             <a:fld id="{133B46E9-6A8C-4D4C-B73A-4244FE2D9C2E}" type="datetimeFigureOut">
               <a:rPr lang="en-US" smtClean="0"/>
-              <a:t>4/28/2020</a:t>
+              <a:t>4/29/2020</a:t>
             </a:fld>
             <a:endParaRPr lang="en-US"/>
           </a:p>
@@ -1299,7 +1309,7 @@
           <a:p>
             <a:fld id="{133B46E9-6A8C-4D4C-B73A-4244FE2D9C2E}" type="datetimeFigureOut">
               <a:rPr lang="en-US" smtClean="0"/>
-              <a:t>4/28/2020</a:t>
+              <a:t>4/29/2020</a:t>
             </a:fld>
             <a:endParaRPr lang="en-US"/>
           </a:p>
@@ -1574,7 +1584,7 @@
           <a:p>
             <a:fld id="{133B46E9-6A8C-4D4C-B73A-4244FE2D9C2E}" type="datetimeFigureOut">
               <a:rPr lang="en-US" smtClean="0"/>
-              <a:t>4/28/2020</a:t>
+              <a:t>4/29/2020</a:t>
             </a:fld>
             <a:endParaRPr lang="en-US"/>
           </a:p>
@@ -1839,7 +1849,7 @@
           <a:p>
             <a:fld id="{133B46E9-6A8C-4D4C-B73A-4244FE2D9C2E}" type="datetimeFigureOut">
               <a:rPr lang="en-US" smtClean="0"/>
-              <a:t>4/28/2020</a:t>
+              <a:t>4/29/2020</a:t>
             </a:fld>
             <a:endParaRPr lang="en-US"/>
           </a:p>
@@ -2251,7 +2261,7 @@
           <a:p>
             <a:fld id="{133B46E9-6A8C-4D4C-B73A-4244FE2D9C2E}" type="datetimeFigureOut">
               <a:rPr lang="en-US" smtClean="0"/>
-              <a:t>4/28/2020</a:t>
+              <a:t>4/29/2020</a:t>
             </a:fld>
             <a:endParaRPr lang="en-US"/>
           </a:p>
@@ -2392,7 +2402,7 @@
           <a:p>
             <a:fld id="{133B46E9-6A8C-4D4C-B73A-4244FE2D9C2E}" type="datetimeFigureOut">
               <a:rPr lang="en-US" smtClean="0"/>
-              <a:t>4/28/2020</a:t>
+              <a:t>4/29/2020</a:t>
             </a:fld>
             <a:endParaRPr lang="en-US"/>
           </a:p>
@@ -2505,7 +2515,7 @@
           <a:p>
             <a:fld id="{133B46E9-6A8C-4D4C-B73A-4244FE2D9C2E}" type="datetimeFigureOut">
               <a:rPr lang="en-US" smtClean="0"/>
-              <a:t>4/28/2020</a:t>
+              <a:t>4/29/2020</a:t>
             </a:fld>
             <a:endParaRPr lang="en-US"/>
           </a:p>
@@ -2816,7 +2826,7 @@
           <a:p>
             <a:fld id="{133B46E9-6A8C-4D4C-B73A-4244FE2D9C2E}" type="datetimeFigureOut">
               <a:rPr lang="en-US" smtClean="0"/>
-              <a:t>4/28/2020</a:t>
+              <a:t>4/29/2020</a:t>
             </a:fld>
             <a:endParaRPr lang="en-US"/>
           </a:p>
@@ -3104,7 +3114,7 @@
           <a:p>
             <a:fld id="{133B46E9-6A8C-4D4C-B73A-4244FE2D9C2E}" type="datetimeFigureOut">
               <a:rPr lang="en-US" smtClean="0"/>
-              <a:t>4/28/2020</a:t>
+              <a:t>4/29/2020</a:t>
             </a:fld>
             <a:endParaRPr lang="en-US"/>
           </a:p>
@@ -3345,7 +3355,7 @@
           <a:p>
             <a:fld id="{133B46E9-6A8C-4D4C-B73A-4244FE2D9C2E}" type="datetimeFigureOut">
               <a:rPr lang="en-US" smtClean="0"/>
-              <a:t>4/28/2020</a:t>
+              <a:t>4/29/2020</a:t>
             </a:fld>
             <a:endParaRPr lang="en-US"/>
           </a:p>
@@ -3877,8 +3887,8 @@
           </a:prstGeom>
         </p:spPr>
       </p:pic>
-      <mc:AlternateContent xmlns:mc="http://schemas.openxmlformats.org/markup-compatibility/2006">
-        <mc:Choice xmlns:a14="http://schemas.microsoft.com/office/drawing/2010/main" Requires="a14">
+      <mc:AlternateContent xmlns:mc="http://schemas.openxmlformats.org/markup-compatibility/2006" xmlns:a14="http://schemas.microsoft.com/office/drawing/2010/main">
+        <mc:Choice Requires="a14">
           <p:graphicFrame>
             <p:nvGraphicFramePr>
               <p:cNvPr id="13" name="Table 12">
@@ -3894,7 +3904,7 @@
               <p:nvPr>
                 <p:extLst>
                   <p:ext uri="{D42A27DB-BD31-4B8C-83A1-F6EECF244321}">
-                    <p14:modId xmlns:p14="http://schemas.microsoft.com/office/powerpoint/2010/main" val="436057312"/>
+                    <p14:modId xmlns:p14="http://schemas.microsoft.com/office/powerpoint/2010/main" val="3613563063"/>
                   </p:ext>
                 </p:extLst>
               </p:nvPr>
@@ -5289,45 +5299,44 @@
                         <a:lstStyle/>
                         <a:p>
                           <a:pPr algn="ctr"/>
+                          <a:r>
+                            <a:rPr lang="tr-TR" b="0" dirty="0"/>
+                            <a:t>-</a:t>
+                          </a:r>
                           <a14:m>
-                            <m:oMathPara xmlns:m="http://schemas.openxmlformats.org/officeDocument/2006/math">
-                              <m:oMathParaPr>
-                                <m:jc m:val="centerGroup"/>
-                              </m:oMathParaPr>
-                              <m:oMath xmlns:m="http://schemas.openxmlformats.org/officeDocument/2006/math">
-                                <m:sSub>
-                                  <m:sSubPr>
-                                    <m:ctrlPr>
-                                      <a:rPr lang="tr-TR" b="0" i="1" smtClean="0">
-                                        <a:latin typeface="Cambria Math" panose="02040503050406030204" pitchFamily="18" charset="0"/>
-                                      </a:rPr>
-                                    </m:ctrlPr>
-                                  </m:sSubPr>
-                                  <m:e>
-                                    <m:r>
-                                      <a:rPr lang="tr-TR" b="0" i="1" smtClean="0">
-                                        <a:latin typeface="Cambria Math" panose="02040503050406030204" pitchFamily="18" charset="0"/>
-                                      </a:rPr>
-                                      <m:t>𝑍</m:t>
-                                    </m:r>
-                                  </m:e>
-                                  <m:sub>
-                                    <m:r>
-                                      <a:rPr lang="tr-TR" b="0" i="1" smtClean="0">
-                                        <a:latin typeface="Cambria Math" panose="02040503050406030204" pitchFamily="18" charset="0"/>
-                                      </a:rPr>
-                                      <m:t>𝑠</m:t>
-                                    </m:r>
-                                    <m:r>
-                                      <a:rPr lang="tr-TR" b="0" i="1" smtClean="0">
-                                        <a:latin typeface="Cambria Math" panose="02040503050406030204" pitchFamily="18" charset="0"/>
-                                      </a:rPr>
-                                      <m:t>2</m:t>
-                                    </m:r>
-                                  </m:sub>
-                                </m:sSub>
-                              </m:oMath>
-                            </m:oMathPara>
+                            <m:oMath xmlns:m="http://schemas.openxmlformats.org/officeDocument/2006/math">
+                              <m:sSub>
+                                <m:sSubPr>
+                                  <m:ctrlPr>
+                                    <a:rPr lang="tr-TR" b="0" i="1" smtClean="0">
+                                      <a:latin typeface="Cambria Math" panose="02040503050406030204" pitchFamily="18" charset="0"/>
+                                    </a:rPr>
+                                  </m:ctrlPr>
+                                </m:sSubPr>
+                                <m:e>
+                                  <m:r>
+                                    <a:rPr lang="tr-TR" b="0" i="1" smtClean="0">
+                                      <a:latin typeface="Cambria Math" panose="02040503050406030204" pitchFamily="18" charset="0"/>
+                                    </a:rPr>
+                                    <m:t>𝑍</m:t>
+                                  </m:r>
+                                </m:e>
+                                <m:sub>
+                                  <m:r>
+                                    <a:rPr lang="tr-TR" b="0" i="1" smtClean="0">
+                                      <a:latin typeface="Cambria Math" panose="02040503050406030204" pitchFamily="18" charset="0"/>
+                                    </a:rPr>
+                                    <m:t>𝑠</m:t>
+                                  </m:r>
+                                  <m:r>
+                                    <a:rPr lang="tr-TR" b="0" i="1" smtClean="0">
+                                      <a:latin typeface="Cambria Math" panose="02040503050406030204" pitchFamily="18" charset="0"/>
+                                    </a:rPr>
+                                    <m:t>2</m:t>
+                                  </m:r>
+                                </m:sub>
+                              </m:sSub>
+                            </m:oMath>
                           </a14:m>
                           <a:endParaRPr lang="en-US" dirty="0"/>
                         </a:p>
@@ -5605,7 +5614,7 @@
             </a:graphic>
           </p:graphicFrame>
         </mc:Choice>
-        <mc:Fallback>
+        <mc:Fallback xmlns="">
           <p:graphicFrame>
             <p:nvGraphicFramePr>
               <p:cNvPr id="13" name="Table 12">
@@ -5621,7 +5630,7 @@
               <p:nvPr>
                 <p:extLst>
                   <p:ext uri="{D42A27DB-BD31-4B8C-83A1-F6EECF244321}">
-                    <p14:modId xmlns:p14="http://schemas.microsoft.com/office/powerpoint/2010/main" val="436057312"/>
+                    <p14:modId xmlns:p14="http://schemas.microsoft.com/office/powerpoint/2010/main" val="3613563063"/>
                   </p:ext>
                 </p:extLst>
               </p:nvPr>
@@ -6756,7 +6765,7 @@
             </p:nvSpPr>
             <p:spPr>
               <a:xfrm>
-                <a:off x="8611599" y="662472"/>
+                <a:off x="8611599" y="314189"/>
                 <a:ext cx="3228392" cy="6356868"/>
               </a:xfrm>
               <a:prstGeom prst="rect">
@@ -7510,7 +7519,7 @@
             </p:nvSpPr>
             <p:spPr>
               <a:xfrm>
-                <a:off x="8611599" y="662472"/>
+                <a:off x="8611599" y="314189"/>
                 <a:ext cx="3228392" cy="6356868"/>
               </a:xfrm>
               <a:prstGeom prst="rect">
@@ -7551,6 +7560,186 @@
 </p:sld>
 </file>
 
+<file path=ppt/slides/slide10.xml><?xml version="1.0" encoding="utf-8"?>
+<p:sld xmlns:a="http://schemas.openxmlformats.org/drawingml/2006/main" xmlns:r="http://schemas.openxmlformats.org/officeDocument/2006/relationships" xmlns:p="http://schemas.openxmlformats.org/presentationml/2006/main">
+  <p:cSld>
+    <p:spTree>
+      <p:nvGrpSpPr>
+        <p:cNvPr id="1" name=""/>
+        <p:cNvGrpSpPr/>
+        <p:nvPr/>
+      </p:nvGrpSpPr>
+      <p:grpSpPr>
+        <a:xfrm>
+          <a:off x="0" y="0"/>
+          <a:ext cx="0" cy="0"/>
+          <a:chOff x="0" y="0"/>
+          <a:chExt cx="0" cy="0"/>
+        </a:xfrm>
+      </p:grpSpPr>
+      <p:pic>
+        <p:nvPicPr>
+          <p:cNvPr id="2" name="Picture 1">
+            <a:extLst>
+              <a:ext uri="{FF2B5EF4-FFF2-40B4-BE49-F238E27FC236}">
+                <a16:creationId xmlns:a16="http://schemas.microsoft.com/office/drawing/2014/main" id="{4FBCB560-A193-4169-96F9-594E89D2073C}"/>
+              </a:ext>
+            </a:extLst>
+          </p:cNvPr>
+          <p:cNvPicPr>
+            <a:picLocks noChangeAspect="1"/>
+          </p:cNvPicPr>
+          <p:nvPr/>
+        </p:nvPicPr>
+        <p:blipFill>
+          <a:blip r:embed="rId2"/>
+          <a:stretch>
+            <a:fillRect/>
+          </a:stretch>
+        </p:blipFill>
+        <p:spPr>
+          <a:xfrm>
+            <a:off x="6044634" y="3587242"/>
+            <a:ext cx="5572110" cy="3042873"/>
+          </a:xfrm>
+          <a:prstGeom prst="rect">
+            <a:avLst/>
+          </a:prstGeom>
+        </p:spPr>
+      </p:pic>
+      <p:pic>
+        <p:nvPicPr>
+          <p:cNvPr id="3" name="Picture 2">
+            <a:extLst>
+              <a:ext uri="{FF2B5EF4-FFF2-40B4-BE49-F238E27FC236}">
+                <a16:creationId xmlns:a16="http://schemas.microsoft.com/office/drawing/2014/main" id="{DAD6A8C0-58DA-4DEE-BA2B-16900794CAE7}"/>
+              </a:ext>
+            </a:extLst>
+          </p:cNvPr>
+          <p:cNvPicPr>
+            <a:picLocks noChangeAspect="1"/>
+          </p:cNvPicPr>
+          <p:nvPr/>
+        </p:nvPicPr>
+        <p:blipFill>
+          <a:blip r:embed="rId3"/>
+          <a:stretch>
+            <a:fillRect/>
+          </a:stretch>
+        </p:blipFill>
+        <p:spPr>
+          <a:xfrm>
+            <a:off x="173866" y="3606085"/>
+            <a:ext cx="5620884" cy="3024031"/>
+          </a:xfrm>
+          <a:prstGeom prst="rect">
+            <a:avLst/>
+          </a:prstGeom>
+        </p:spPr>
+      </p:pic>
+      <p:pic>
+        <p:nvPicPr>
+          <p:cNvPr id="4" name="Picture 3">
+            <a:extLst>
+              <a:ext uri="{FF2B5EF4-FFF2-40B4-BE49-F238E27FC236}">
+                <a16:creationId xmlns:a16="http://schemas.microsoft.com/office/drawing/2014/main" id="{FE1C90DF-D78E-4A95-A1A8-C5838A0388A7}"/>
+              </a:ext>
+            </a:extLst>
+          </p:cNvPr>
+          <p:cNvPicPr>
+            <a:picLocks noChangeAspect="1"/>
+          </p:cNvPicPr>
+          <p:nvPr/>
+        </p:nvPicPr>
+        <p:blipFill>
+          <a:blip r:embed="rId4"/>
+          <a:stretch>
+            <a:fillRect/>
+          </a:stretch>
+        </p:blipFill>
+        <p:spPr>
+          <a:xfrm>
+            <a:off x="6044634" y="75021"/>
+            <a:ext cx="5634507" cy="3175219"/>
+          </a:xfrm>
+          <a:prstGeom prst="rect">
+            <a:avLst/>
+          </a:prstGeom>
+        </p:spPr>
+      </p:pic>
+      <p:pic>
+        <p:nvPicPr>
+          <p:cNvPr id="5" name="Picture 4">
+            <a:extLst>
+              <a:ext uri="{FF2B5EF4-FFF2-40B4-BE49-F238E27FC236}">
+                <a16:creationId xmlns:a16="http://schemas.microsoft.com/office/drawing/2014/main" id="{8DDFC10E-72B7-4647-AAD0-93D0A020B58B}"/>
+              </a:ext>
+            </a:extLst>
+          </p:cNvPr>
+          <p:cNvPicPr>
+            <a:picLocks noChangeAspect="1"/>
+          </p:cNvPicPr>
+          <p:nvPr/>
+        </p:nvPicPr>
+        <p:blipFill>
+          <a:blip r:embed="rId5"/>
+          <a:stretch>
+            <a:fillRect/>
+          </a:stretch>
+        </p:blipFill>
+        <p:spPr>
+          <a:xfrm>
+            <a:off x="160242" y="75021"/>
+            <a:ext cx="5634508" cy="3086496"/>
+          </a:xfrm>
+          <a:prstGeom prst="rect">
+            <a:avLst/>
+          </a:prstGeom>
+        </p:spPr>
+      </p:pic>
+    </p:spTree>
+    <p:extLst>
+      <p:ext uri="{BB962C8B-B14F-4D97-AF65-F5344CB8AC3E}">
+        <p14:creationId xmlns:p14="http://schemas.microsoft.com/office/powerpoint/2010/main" val="2336660634"/>
+      </p:ext>
+    </p:extLst>
+  </p:cSld>
+  <p:clrMapOvr>
+    <a:masterClrMapping/>
+  </p:clrMapOvr>
+</p:sld>
+</file>
+
+<file path=ppt/slides/slide11.xml><?xml version="1.0" encoding="utf-8"?>
+<p:sld xmlns:a="http://schemas.openxmlformats.org/drawingml/2006/main" xmlns:r="http://schemas.openxmlformats.org/officeDocument/2006/relationships" xmlns:p="http://schemas.openxmlformats.org/presentationml/2006/main">
+  <p:cSld>
+    <p:spTree>
+      <p:nvGrpSpPr>
+        <p:cNvPr id="1" name=""/>
+        <p:cNvGrpSpPr/>
+        <p:nvPr/>
+      </p:nvGrpSpPr>
+      <p:grpSpPr>
+        <a:xfrm>
+          <a:off x="0" y="0"/>
+          <a:ext cx="0" cy="0"/>
+          <a:chOff x="0" y="0"/>
+          <a:chExt cx="0" cy="0"/>
+        </a:xfrm>
+      </p:grpSpPr>
+    </p:spTree>
+    <p:extLst>
+      <p:ext uri="{BB962C8B-B14F-4D97-AF65-F5344CB8AC3E}">
+        <p14:creationId xmlns:p14="http://schemas.microsoft.com/office/powerpoint/2010/main" val="3920757116"/>
+      </p:ext>
+    </p:extLst>
+  </p:cSld>
+  <p:clrMapOvr>
+    <a:masterClrMapping/>
+  </p:clrMapOvr>
+</p:sld>
+</file>
+
 <file path=ppt/slides/slide2.xml><?xml version="1.0" encoding="utf-8"?>
 <p:sld xmlns:a="http://schemas.openxmlformats.org/drawingml/2006/main" xmlns:r="http://schemas.openxmlformats.org/officeDocument/2006/relationships" xmlns:p="http://schemas.openxmlformats.org/presentationml/2006/main">
   <p:cSld>
@@ -7568,8 +7757,8 @@
           <a:chExt cx="0" cy="0"/>
         </a:xfrm>
       </p:grpSpPr>
-      <mc:AlternateContent xmlns:mc="http://schemas.openxmlformats.org/markup-compatibility/2006">
-        <mc:Choice xmlns:a14="http://schemas.microsoft.com/office/drawing/2010/main" Requires="a14">
+      <mc:AlternateContent xmlns:mc="http://schemas.openxmlformats.org/markup-compatibility/2006" xmlns:a14="http://schemas.microsoft.com/office/drawing/2010/main">
+        <mc:Choice Requires="a14">
           <p:graphicFrame>
             <p:nvGraphicFramePr>
               <p:cNvPr id="4" name="Table 3">
@@ -9350,13 +9539,7 @@
                                       <a:rPr lang="tr-TR" b="0" i="1" smtClean="0">
                                         <a:latin typeface="Cambria Math" panose="02040503050406030204" pitchFamily="18" charset="0"/>
                                       </a:rPr>
-                                      <m:t>2</m:t>
-                                    </m:r>
-                                    <m:r>
-                                      <a:rPr lang="tr-TR" b="0" i="1" smtClean="0">
-                                        <a:latin typeface="Cambria Math" panose="02040503050406030204" pitchFamily="18" charset="0"/>
-                                      </a:rPr>
-                                      <m:t> </m:t>
+                                      <m:t>2 </m:t>
                                     </m:r>
                                   </m:sub>
                                 </m:sSub>
@@ -9870,7 +10053,7 @@
             </a:graphic>
           </p:graphicFrame>
         </mc:Choice>
-        <mc:Fallback>
+        <mc:Fallback xmlns="">
           <p:graphicFrame>
             <p:nvGraphicFramePr>
               <p:cNvPr id="4" name="Table 3">
@@ -10827,8 +11010,8 @@
           </a:p>
         </p:txBody>
       </p:sp>
-      <mc:AlternateContent xmlns:mc="http://schemas.openxmlformats.org/markup-compatibility/2006">
-        <mc:Choice xmlns:a14="http://schemas.microsoft.com/office/drawing/2010/main" Requires="a14">
+      <mc:AlternateContent xmlns:mc="http://schemas.openxmlformats.org/markup-compatibility/2006" xmlns:a14="http://schemas.microsoft.com/office/drawing/2010/main">
+        <mc:Choice Requires="a14">
           <p:sp>
             <p:nvSpPr>
               <p:cNvPr id="8" name="TextBox 7">
@@ -10857,6 +11040,7 @@
               </a:bodyPr>
               <a:lstStyle/>
               <a:p>
+                <a:pPr/>
                 <a14:m>
                   <m:oMathPara xmlns:m="http://schemas.openxmlformats.org/officeDocument/2006/math">
                     <m:oMathParaPr>
@@ -10878,7 +11062,7 @@
                       <m:sSup>
                         <m:sSupPr>
                           <m:ctrlPr>
-                            <a:rPr lang="tr-TR" b="1" smtClean="0">
+                            <a:rPr lang="tr-TR" b="1" i="1" smtClean="0">
                               <a:latin typeface="Cambria Math" panose="02040503050406030204" pitchFamily="18" charset="0"/>
                             </a:rPr>
                           </m:ctrlPr>
@@ -10920,7 +11104,7 @@
             </p:txBody>
           </p:sp>
         </mc:Choice>
-        <mc:Fallback>
+        <mc:Fallback xmlns="">
           <p:sp>
             <p:nvSpPr>
               <p:cNvPr id="8" name="TextBox 7">
@@ -11221,8 +11405,8 @@
           </a:p>
         </p:txBody>
       </p:sp>
-      <mc:AlternateContent xmlns:mc="http://schemas.openxmlformats.org/markup-compatibility/2006">
-        <mc:Choice xmlns:a14="http://schemas.microsoft.com/office/drawing/2010/main" Requires="a14">
+      <mc:AlternateContent xmlns:mc="http://schemas.openxmlformats.org/markup-compatibility/2006" xmlns:a14="http://schemas.microsoft.com/office/drawing/2010/main">
+        <mc:Choice Requires="a14">
           <p:graphicFrame>
             <p:nvGraphicFramePr>
               <p:cNvPr id="5" name="Table 4">
@@ -11839,13 +12023,7 @@
                                       <a:rPr lang="tr-TR" b="0" i="1" smtClean="0">
                                         <a:latin typeface="Cambria Math" panose="02040503050406030204" pitchFamily="18" charset="0"/>
                                       </a:rPr>
-                                      <m:t>2</m:t>
-                                    </m:r>
-                                    <m:r>
-                                      <a:rPr lang="tr-TR" b="0" i="1" smtClean="0">
-                                        <a:latin typeface="Cambria Math" panose="02040503050406030204" pitchFamily="18" charset="0"/>
-                                      </a:rPr>
-                                      <m:t>1</m:t>
+                                      <m:t>21</m:t>
                                     </m:r>
                                   </m:sub>
                                   <m:sup>
@@ -12347,13 +12525,7 @@
                                       <a:rPr lang="tr-TR" b="0" i="1" smtClean="0">
                                         <a:latin typeface="Cambria Math" panose="02040503050406030204" pitchFamily="18" charset="0"/>
                                       </a:rPr>
-                                      <m:t>3</m:t>
-                                    </m:r>
-                                    <m:r>
-                                      <a:rPr lang="tr-TR" b="0" i="1" smtClean="0">
-                                        <a:latin typeface="Cambria Math" panose="02040503050406030204" pitchFamily="18" charset="0"/>
-                                      </a:rPr>
-                                      <m:t>1</m:t>
+                                      <m:t>31</m:t>
                                     </m:r>
                                   </m:sub>
                                   <m:sup>
@@ -12785,7 +12957,7 @@
             </a:graphic>
           </p:graphicFrame>
         </mc:Choice>
-        <mc:Fallback>
+        <mc:Fallback xmlns="">
           <p:graphicFrame>
             <p:nvGraphicFramePr>
               <p:cNvPr id="5" name="Table 4">
@@ -13922,8 +14094,8 @@
           </p:graphicFrame>
         </mc:Fallback>
       </mc:AlternateContent>
-      <mc:AlternateContent xmlns:mc="http://schemas.openxmlformats.org/markup-compatibility/2006">
-        <mc:Choice xmlns:a14="http://schemas.microsoft.com/office/drawing/2010/main" Requires="a14">
+      <mc:AlternateContent xmlns:mc="http://schemas.openxmlformats.org/markup-compatibility/2006" xmlns:a14="http://schemas.microsoft.com/office/drawing/2010/main">
+        <mc:Choice Requires="a14">
           <p:sp>
             <p:nvSpPr>
               <p:cNvPr id="6" name="TextBox 5">
@@ -14147,7 +14319,7 @@
             </p:txBody>
           </p:sp>
         </mc:Choice>
-        <mc:Fallback>
+        <mc:Fallback xmlns="">
           <p:sp>
             <p:nvSpPr>
               <p:cNvPr id="6" name="TextBox 5">
@@ -14222,8 +14394,8 @@
           <a:chExt cx="0" cy="0"/>
         </a:xfrm>
       </p:grpSpPr>
-      <mc:AlternateContent xmlns:mc="http://schemas.openxmlformats.org/markup-compatibility/2006">
-        <mc:Choice xmlns:a14="http://schemas.microsoft.com/office/drawing/2010/main" Requires="a14">
+      <mc:AlternateContent xmlns:mc="http://schemas.openxmlformats.org/markup-compatibility/2006" xmlns:a14="http://schemas.microsoft.com/office/drawing/2010/main">
+        <mc:Choice Requires="a14">
           <p:sp>
             <p:nvSpPr>
               <p:cNvPr id="4" name="TextBox 3">
@@ -14334,7 +14506,7 @@
                 </a14:m>
                 <a:r>
                   <a:rPr lang="tr-TR" dirty="0"/>
-                  <a:t>(-</a:t>
+                  <a:t>(</a:t>
                 </a:r>
                 <a14:m>
                   <m:oMath xmlns:m="http://schemas.openxmlformats.org/officeDocument/2006/math">
@@ -14494,7 +14666,7 @@
                       <a:rPr lang="tr-TR" i="1">
                         <a:latin typeface="Cambria Math" panose="02040503050406030204" pitchFamily="18" charset="0"/>
                       </a:rPr>
-                      <m:t>-</m:t>
+                      <m:t>−</m:t>
                     </m:r>
                     <m:r>
                       <a:rPr lang="tr-TR" b="0" i="1" smtClean="0">
@@ -14703,7 +14875,7 @@
                       <a:rPr lang="tr-TR" i="1">
                         <a:latin typeface="Cambria Math" panose="02040503050406030204" pitchFamily="18" charset="0"/>
                       </a:rPr>
-                      <m:t>-</m:t>
+                      <m:t>−</m:t>
                     </m:r>
                     <m:r>
                       <a:rPr lang="tr-TR" b="0" i="1" smtClean="0">
@@ -14846,7 +15018,7 @@
                             <m:nor/>
                           </m:rPr>
                           <a:rPr lang="tr-TR" dirty="0" smtClean="0"/>
-                          <m:t>-</m:t>
+                          <m:t>−</m:t>
                         </m:r>
                         <m:r>
                           <a:rPr lang="tr-TR" b="0" i="1" smtClean="0">
@@ -14917,7 +15089,7 @@
             </p:txBody>
           </p:sp>
         </mc:Choice>
-        <mc:Fallback>
+        <mc:Fallback xmlns="">
           <p:sp>
             <p:nvSpPr>
               <p:cNvPr id="4" name="TextBox 3">
@@ -14962,8 +15134,8 @@
           </p:sp>
         </mc:Fallback>
       </mc:AlternateContent>
-      <mc:AlternateContent xmlns:mc="http://schemas.openxmlformats.org/markup-compatibility/2006">
-        <mc:Choice xmlns:a14="http://schemas.microsoft.com/office/drawing/2010/main" Requires="a14">
+      <mc:AlternateContent xmlns:mc="http://schemas.openxmlformats.org/markup-compatibility/2006" xmlns:a14="http://schemas.microsoft.com/office/drawing/2010/main">
+        <mc:Choice Requires="a14">
           <p:graphicFrame>
             <p:nvGraphicFramePr>
               <p:cNvPr id="5" name="Table 4">
@@ -14979,7 +15151,7 @@
               <p:nvPr>
                 <p:extLst>
                   <p:ext uri="{D42A27DB-BD31-4B8C-83A1-F6EECF244321}">
-                    <p14:modId xmlns:p14="http://schemas.microsoft.com/office/powerpoint/2010/main" val="2155396019"/>
+                    <p14:modId xmlns:p14="http://schemas.microsoft.com/office/powerpoint/2010/main" val="2031414134"/>
                   </p:ext>
                 </p:extLst>
               </p:nvPr>
@@ -16393,6 +16565,12 @@
                                       <a:rPr lang="tr-TR" b="0" i="1" smtClean="0">
                                         <a:latin typeface="Cambria Math" panose="02040503050406030204" pitchFamily="18" charset="0"/>
                                       </a:rPr>
+                                      <m:t>−</m:t>
+                                    </m:r>
+                                    <m:r>
+                                      <a:rPr lang="tr-TR" b="0" i="1" smtClean="0">
+                                        <a:latin typeface="Cambria Math" panose="02040503050406030204" pitchFamily="18" charset="0"/>
+                                      </a:rPr>
                                       <m:t>𝑍</m:t>
                                     </m:r>
                                   </m:e>
@@ -16690,7 +16868,7 @@
             </a:graphic>
           </p:graphicFrame>
         </mc:Choice>
-        <mc:Fallback>
+        <mc:Fallback xmlns="">
           <p:graphicFrame>
             <p:nvGraphicFramePr>
               <p:cNvPr id="5" name="Table 4">
@@ -16706,7 +16884,7 @@
               <p:nvPr>
                 <p:extLst>
                   <p:ext uri="{D42A27DB-BD31-4B8C-83A1-F6EECF244321}">
-                    <p14:modId xmlns:p14="http://schemas.microsoft.com/office/powerpoint/2010/main" val="2155396019"/>
+                    <p14:modId xmlns:p14="http://schemas.microsoft.com/office/powerpoint/2010/main" val="2031414134"/>
                   </p:ext>
                 </p:extLst>
               </p:nvPr>
@@ -17933,8 +18111,8 @@
             </p:nvSpPr>
             <p:spPr>
               <a:xfrm>
-                <a:off x="1265853" y="3356290"/>
-                <a:ext cx="7738188" cy="400302"/>
+                <a:off x="1600704" y="3429000"/>
+                <a:ext cx="7738188" cy="414665"/>
               </a:xfrm>
               <a:prstGeom prst="rect">
                 <a:avLst/>
@@ -17946,6 +18124,7 @@
               </a:bodyPr>
               <a:lstStyle/>
               <a:p>
+                <a:pPr/>
                 <a14:m>
                   <m:oMathPara xmlns:m="http://schemas.openxmlformats.org/officeDocument/2006/math">
                     <m:oMathParaPr>
@@ -17955,42 +18134,54 @@
                       <m:func>
                         <m:funcPr>
                           <m:ctrlPr>
-                            <a:rPr lang="tr-TR" b="0" i="1" smtClean="0">
+                            <a:rPr lang="tr-TR" b="1" i="1" smtClean="0">
+                              <a:solidFill>
+                                <a:schemeClr val="accent1"/>
+                              </a:solidFill>
                               <a:latin typeface="Cambria Math" panose="02040503050406030204" pitchFamily="18" charset="0"/>
                             </a:rPr>
                           </m:ctrlPr>
                         </m:funcPr>
                         <m:fName>
                           <m:r>
-                            <m:rPr>
-                              <m:sty m:val="p"/>
-                            </m:rPr>
-                            <a:rPr lang="tr-TR" b="0" i="0" smtClean="0">
+                            <a:rPr lang="tr-TR" b="1" i="0" smtClean="0">
+                              <a:solidFill>
+                                <a:schemeClr val="accent1"/>
+                              </a:solidFill>
                               <a:latin typeface="Cambria Math" panose="02040503050406030204" pitchFamily="18" charset="0"/>
                             </a:rPr>
-                            <m:t>det</m:t>
+                            <m:t>𝐝𝐞𝐭</m:t>
                           </m:r>
                         </m:fName>
                         <m:e>
                           <m:d>
                             <m:dPr>
                               <m:ctrlPr>
-                                <a:rPr lang="tr-TR" b="0" i="1" smtClean="0">
+                                <a:rPr lang="tr-TR" b="1" i="1" smtClean="0">
+                                  <a:solidFill>
+                                    <a:schemeClr val="accent1"/>
+                                  </a:solidFill>
                                   <a:latin typeface="Cambria Math" panose="02040503050406030204" pitchFamily="18" charset="0"/>
                                 </a:rPr>
                               </m:ctrlPr>
                             </m:dPr>
                             <m:e>
                               <m:r>
-                                <a:rPr lang="tr-TR" b="0" i="1" smtClean="0">
+                                <a:rPr lang="tr-TR" b="1" i="1" smtClean="0">
+                                  <a:solidFill>
+                                    <a:schemeClr val="accent1"/>
+                                  </a:solidFill>
                                   <a:latin typeface="Cambria Math" panose="02040503050406030204" pitchFamily="18" charset="0"/>
                                 </a:rPr>
-                                <m:t>𝑍</m:t>
+                                <m:t>𝒁</m:t>
                               </m:r>
                             </m:e>
                           </m:d>
                           <m:r>
-                            <a:rPr lang="tr-TR" b="0" i="1" smtClean="0">
+                            <a:rPr lang="tr-TR" b="1" i="1" smtClean="0">
+                              <a:solidFill>
+                                <a:schemeClr val="accent1"/>
+                              </a:solidFill>
                               <a:latin typeface="Cambria Math" panose="02040503050406030204" pitchFamily="18" charset="0"/>
                             </a:rPr>
                             <m:t>=</m:t>
@@ -17998,98 +18189,137 @@
                           <m:sSub>
                             <m:sSubPr>
                               <m:ctrlPr>
-                                <a:rPr lang="tr-TR" b="0" i="1" smtClean="0">
+                                <a:rPr lang="tr-TR" b="1" i="1" smtClean="0">
+                                  <a:solidFill>
+                                    <a:schemeClr val="accent1"/>
+                                  </a:solidFill>
                                   <a:latin typeface="Cambria Math" panose="02040503050406030204" pitchFamily="18" charset="0"/>
                                 </a:rPr>
                               </m:ctrlPr>
                             </m:sSubPr>
                             <m:e>
                               <m:r>
-                                <a:rPr lang="tr-TR" b="0" i="1" smtClean="0">
+                                <a:rPr lang="tr-TR" b="1" i="1" smtClean="0">
+                                  <a:solidFill>
+                                    <a:schemeClr val="accent1"/>
+                                  </a:solidFill>
                                   <a:latin typeface="Cambria Math" panose="02040503050406030204" pitchFamily="18" charset="0"/>
                                 </a:rPr>
-                                <m:t>𝑍</m:t>
+                                <m:t>𝒁</m:t>
                               </m:r>
                             </m:e>
                             <m:sub>
                               <m:r>
-                                <a:rPr lang="tr-TR" b="0" i="1" smtClean="0">
+                                <a:rPr lang="tr-TR" b="1" i="1" smtClean="0">
+                                  <a:solidFill>
+                                    <a:schemeClr val="accent1"/>
+                                  </a:solidFill>
                                   <a:latin typeface="Cambria Math" panose="02040503050406030204" pitchFamily="18" charset="0"/>
                                 </a:rPr>
-                                <m:t>𝑝</m:t>
+                                <m:t>𝒑</m:t>
                               </m:r>
                               <m:r>
-                                <a:rPr lang="tr-TR" b="0" i="1" smtClean="0">
+                                <a:rPr lang="tr-TR" b="1" i="1" smtClean="0">
+                                  <a:solidFill>
+                                    <a:schemeClr val="accent1"/>
+                                  </a:solidFill>
                                   <a:latin typeface="Cambria Math" panose="02040503050406030204" pitchFamily="18" charset="0"/>
                                 </a:rPr>
-                                <m:t>1</m:t>
+                                <m:t>𝟏</m:t>
                               </m:r>
                             </m:sub>
                           </m:sSub>
                           <m:sSub>
                             <m:sSubPr>
                               <m:ctrlPr>
-                                <a:rPr lang="tr-TR" b="0" i="1" smtClean="0">
+                                <a:rPr lang="tr-TR" b="1" i="1" smtClean="0">
+                                  <a:solidFill>
+                                    <a:schemeClr val="accent1"/>
+                                  </a:solidFill>
                                   <a:latin typeface="Cambria Math" panose="02040503050406030204" pitchFamily="18" charset="0"/>
                                 </a:rPr>
                               </m:ctrlPr>
                             </m:sSubPr>
                             <m:e>
                               <m:r>
-                                <a:rPr lang="tr-TR" b="0" i="1" smtClean="0">
+                                <a:rPr lang="tr-TR" b="1" i="1" smtClean="0">
+                                  <a:solidFill>
+                                    <a:schemeClr val="accent1"/>
+                                  </a:solidFill>
                                   <a:latin typeface="Cambria Math" panose="02040503050406030204" pitchFamily="18" charset="0"/>
                                 </a:rPr>
-                                <m:t>𝑍</m:t>
+                                <m:t>𝒁</m:t>
                               </m:r>
                             </m:e>
                             <m:sub>
                               <m:r>
-                                <a:rPr lang="tr-TR" b="0" i="1" smtClean="0">
+                                <a:rPr lang="tr-TR" b="1" i="1" smtClean="0">
+                                  <a:solidFill>
+                                    <a:schemeClr val="accent1"/>
+                                  </a:solidFill>
                                   <a:latin typeface="Cambria Math" panose="02040503050406030204" pitchFamily="18" charset="0"/>
                                 </a:rPr>
-                                <m:t>𝑠</m:t>
+                                <m:t>𝒔</m:t>
                               </m:r>
                               <m:r>
-                                <a:rPr lang="tr-TR" b="0" i="1" smtClean="0">
+                                <a:rPr lang="tr-TR" b="1" i="1" smtClean="0">
+                                  <a:solidFill>
+                                    <a:schemeClr val="accent1"/>
+                                  </a:solidFill>
                                   <a:latin typeface="Cambria Math" panose="02040503050406030204" pitchFamily="18" charset="0"/>
                                 </a:rPr>
-                                <m:t>1</m:t>
+                                <m:t>𝟏</m:t>
                               </m:r>
                             </m:sub>
                           </m:sSub>
                           <m:sSub>
                             <m:sSubPr>
                               <m:ctrlPr>
-                                <a:rPr lang="tr-TR" b="0" i="1" smtClean="0">
+                                <a:rPr lang="tr-TR" b="1" i="1" smtClean="0">
+                                  <a:solidFill>
+                                    <a:schemeClr val="accent1"/>
+                                  </a:solidFill>
                                   <a:latin typeface="Cambria Math" panose="02040503050406030204" pitchFamily="18" charset="0"/>
                                 </a:rPr>
                               </m:ctrlPr>
                             </m:sSubPr>
                             <m:e>
                               <m:r>
-                                <a:rPr lang="tr-TR" b="0" i="1" smtClean="0">
+                                <a:rPr lang="tr-TR" b="1" i="1" smtClean="0">
+                                  <a:solidFill>
+                                    <a:schemeClr val="accent1"/>
+                                  </a:solidFill>
                                   <a:latin typeface="Cambria Math" panose="02040503050406030204" pitchFamily="18" charset="0"/>
                                 </a:rPr>
-                                <m:t>𝑍</m:t>
+                                <m:t>𝒁</m:t>
                               </m:r>
                             </m:e>
                             <m:sub>
                               <m:r>
-                                <a:rPr lang="tr-TR" b="0" i="1" smtClean="0">
+                                <a:rPr lang="tr-TR" b="1" i="1" smtClean="0">
+                                  <a:solidFill>
+                                    <a:schemeClr val="accent1"/>
+                                  </a:solidFill>
                                   <a:latin typeface="Cambria Math" panose="02040503050406030204" pitchFamily="18" charset="0"/>
                                 </a:rPr>
-                                <m:t>𝑠</m:t>
+                                <m:t>𝒔</m:t>
                               </m:r>
                               <m:r>
-                                <a:rPr lang="tr-TR" b="0" i="1" smtClean="0">
+                                <a:rPr lang="tr-TR" b="1" i="1" smtClean="0">
+                                  <a:solidFill>
+                                    <a:schemeClr val="accent1"/>
+                                  </a:solidFill>
                                   <a:latin typeface="Cambria Math" panose="02040503050406030204" pitchFamily="18" charset="0"/>
                                 </a:rPr>
-                                <m:t>2</m:t>
+                                <m:t>𝟐</m:t>
                               </m:r>
                             </m:sub>
                           </m:sSub>
                           <m:r>
-                            <a:rPr lang="tr-TR" b="0" i="1" smtClean="0">
+                            <a:rPr lang="tr-TR" b="1" i="1" smtClean="0">
+                              <a:solidFill>
+                                <a:schemeClr val="accent1"/>
+                              </a:solidFill>
                               <a:latin typeface="Cambria Math" panose="02040503050406030204" pitchFamily="18" charset="0"/>
                             </a:rPr>
                             <m:t>+</m:t>
@@ -18097,86 +18327,130 @@
                           <m:sSup>
                             <m:sSupPr>
                               <m:ctrlPr>
-                                <a:rPr lang="tr-TR" b="0" i="1" smtClean="0">
+                                <a:rPr lang="tr-TR" b="1" i="1" smtClean="0">
+                                  <a:solidFill>
+                                    <a:schemeClr val="accent1"/>
+                                  </a:solidFill>
                                   <a:latin typeface="Cambria Math" panose="02040503050406030204" pitchFamily="18" charset="0"/>
                                 </a:rPr>
                               </m:ctrlPr>
                             </m:sSupPr>
                             <m:e>
                               <m:r>
-                                <a:rPr lang="tr-TR" b="0" i="1" smtClean="0">
+                                <a:rPr lang="tr-TR" b="1" i="1" smtClean="0">
+                                  <a:solidFill>
+                                    <a:schemeClr val="accent1"/>
+                                  </a:solidFill>
                                   <a:latin typeface="Cambria Math" panose="02040503050406030204" pitchFamily="18" charset="0"/>
                                 </a:rPr>
-                                <m:t>𝜔</m:t>
+                                <m:t>𝝎</m:t>
                               </m:r>
                             </m:e>
                             <m:sup>
                               <m:r>
-                                <a:rPr lang="tr-TR" b="0" i="1" smtClean="0">
+                                <a:rPr lang="tr-TR" b="1" i="1" smtClean="0">
+                                  <a:solidFill>
+                                    <a:schemeClr val="accent1"/>
+                                  </a:solidFill>
                                   <a:latin typeface="Cambria Math" panose="02040503050406030204" pitchFamily="18" charset="0"/>
                                 </a:rPr>
-                                <m:t>2</m:t>
+                                <m:t>𝟐</m:t>
                               </m:r>
                             </m:sup>
                           </m:sSup>
+                          <m:sSubSup>
+                            <m:sSubSupPr>
+                              <m:ctrlPr>
+                                <a:rPr lang="tr-TR" b="1" i="1" smtClean="0">
+                                  <a:solidFill>
+                                    <a:schemeClr val="accent1"/>
+                                  </a:solidFill>
+                                  <a:latin typeface="Cambria Math" panose="02040503050406030204" pitchFamily="18" charset="0"/>
+                                </a:rPr>
+                              </m:ctrlPr>
+                            </m:sSubSupPr>
+                            <m:e>
+                              <m:r>
+                                <a:rPr lang="tr-TR" b="1" i="1" smtClean="0">
+                                  <a:solidFill>
+                                    <a:schemeClr val="accent1"/>
+                                  </a:solidFill>
+                                  <a:latin typeface="Cambria Math" panose="02040503050406030204" pitchFamily="18" charset="0"/>
+                                </a:rPr>
+                                <m:t>𝑴</m:t>
+                              </m:r>
+                            </m:e>
+                            <m:sub>
+                              <m:r>
+                                <a:rPr lang="tr-TR" b="1" i="1" smtClean="0">
+                                  <a:solidFill>
+                                    <a:schemeClr val="accent1"/>
+                                  </a:solidFill>
+                                  <a:latin typeface="Cambria Math" panose="02040503050406030204" pitchFamily="18" charset="0"/>
+                                </a:rPr>
+                                <m:t>𝒔</m:t>
+                              </m:r>
+                            </m:sub>
+                            <m:sup>
+                              <m:r>
+                                <a:rPr lang="tr-TR" b="1" i="1" smtClean="0">
+                                  <a:solidFill>
+                                    <a:schemeClr val="accent1"/>
+                                  </a:solidFill>
+                                  <a:latin typeface="Cambria Math" panose="02040503050406030204" pitchFamily="18" charset="0"/>
+                                </a:rPr>
+                                <m:t>𝟐</m:t>
+                              </m:r>
+                            </m:sup>
+                          </m:sSubSup>
                           <m:sSub>
                             <m:sSubPr>
                               <m:ctrlPr>
-                                <a:rPr lang="tr-TR" b="0" i="1" smtClean="0">
+                                <a:rPr lang="tr-TR" b="1" i="1" smtClean="0">
+                                  <a:solidFill>
+                                    <a:schemeClr val="accent1"/>
+                                  </a:solidFill>
                                   <a:latin typeface="Cambria Math" panose="02040503050406030204" pitchFamily="18" charset="0"/>
                                 </a:rPr>
                               </m:ctrlPr>
                             </m:sSubPr>
                             <m:e>
                               <m:r>
-                                <a:rPr lang="tr-TR" b="0" i="1" smtClean="0">
+                                <a:rPr lang="tr-TR" b="1" i="1" smtClean="0">
+                                  <a:solidFill>
+                                    <a:schemeClr val="accent1"/>
+                                  </a:solidFill>
                                   <a:latin typeface="Cambria Math" panose="02040503050406030204" pitchFamily="18" charset="0"/>
                                 </a:rPr>
-                                <m:t>𝑀</m:t>
+                                <m:t>𝒁</m:t>
                               </m:r>
                             </m:e>
                             <m:sub>
                               <m:r>
-                                <a:rPr lang="tr-TR" b="0" i="1" smtClean="0">
+                                <a:rPr lang="tr-TR" b="1" i="1" smtClean="0">
+                                  <a:solidFill>
+                                    <a:schemeClr val="accent1"/>
+                                  </a:solidFill>
                                   <a:latin typeface="Cambria Math" panose="02040503050406030204" pitchFamily="18" charset="0"/>
                                 </a:rPr>
-                                <m:t>𝑠</m:t>
+                                <m:t>𝒑</m:t>
                               </m:r>
-                            </m:sub>
-                          </m:sSub>
-                          <m:sSub>
-                            <m:sSubPr>
-                              <m:ctrlPr>
-                                <a:rPr lang="tr-TR" b="0" i="1" smtClean="0">
+                              <m:r>
+                                <a:rPr lang="tr-TR" b="1" i="1" smtClean="0">
+                                  <a:solidFill>
+                                    <a:schemeClr val="accent1"/>
+                                  </a:solidFill>
                                   <a:latin typeface="Cambria Math" panose="02040503050406030204" pitchFamily="18" charset="0"/>
                                 </a:rPr>
-                              </m:ctrlPr>
-                            </m:sSubPr>
-                            <m:e>
-                              <m:r>
-                                <a:rPr lang="tr-TR" b="0" i="1" smtClean="0">
-                                  <a:latin typeface="Cambria Math" panose="02040503050406030204" pitchFamily="18" charset="0"/>
-                                </a:rPr>
-                                <m:t>𝑍</m:t>
-                              </m:r>
-                            </m:e>
-                            <m:sub>
-                              <m:r>
-                                <a:rPr lang="tr-TR" b="0" i="1" smtClean="0">
-                                  <a:latin typeface="Cambria Math" panose="02040503050406030204" pitchFamily="18" charset="0"/>
-                                </a:rPr>
-                                <m:t>𝑝</m:t>
-                              </m:r>
-                              <m:r>
-                                <a:rPr lang="tr-TR" b="0" i="1" smtClean="0">
-                                  <a:latin typeface="Cambria Math" panose="02040503050406030204" pitchFamily="18" charset="0"/>
-                                </a:rPr>
-                                <m:t>1</m:t>
+                                <m:t>𝟏</m:t>
                               </m:r>
                             </m:sub>
                           </m:sSub>
                           <m:r>
-                            <a:rPr lang="tr-TR" b="0" i="1" smtClean="0">
+                            <a:rPr lang="tr-TR" b="1" i="1" smtClean="0">
+                              <a:solidFill>
+                                <a:schemeClr val="accent1"/>
+                              </a:solidFill>
                               <a:latin typeface="Cambria Math" panose="02040503050406030204" pitchFamily="18" charset="0"/>
                             </a:rPr>
                             <m:t>+</m:t>
@@ -18184,94 +18458,130 @@
                           <m:sSup>
                             <m:sSupPr>
                               <m:ctrlPr>
-                                <a:rPr lang="tr-TR" b="0" i="1" smtClean="0">
+                                <a:rPr lang="tr-TR" b="1" i="1" smtClean="0">
+                                  <a:solidFill>
+                                    <a:schemeClr val="accent1"/>
+                                  </a:solidFill>
                                   <a:latin typeface="Cambria Math" panose="02040503050406030204" pitchFamily="18" charset="0"/>
                                 </a:rPr>
                               </m:ctrlPr>
                             </m:sSupPr>
                             <m:e>
                               <m:r>
-                                <a:rPr lang="tr-TR" b="0" i="1" smtClean="0">
+                                <a:rPr lang="tr-TR" b="1" i="1" smtClean="0">
+                                  <a:solidFill>
+                                    <a:schemeClr val="accent1"/>
+                                  </a:solidFill>
                                   <a:latin typeface="Cambria Math" panose="02040503050406030204" pitchFamily="18" charset="0"/>
                                 </a:rPr>
-                                <m:t>𝜔</m:t>
+                                <m:t>𝝎</m:t>
                               </m:r>
                             </m:e>
                             <m:sup>
                               <m:r>
-                                <a:rPr lang="tr-TR" b="0" i="1" smtClean="0">
+                                <a:rPr lang="tr-TR" b="1" i="1" smtClean="0">
+                                  <a:solidFill>
+                                    <a:schemeClr val="accent1"/>
+                                  </a:solidFill>
                                   <a:latin typeface="Cambria Math" panose="02040503050406030204" pitchFamily="18" charset="0"/>
                                 </a:rPr>
-                                <m:t>2</m:t>
+                                <m:t>𝟐</m:t>
                               </m:r>
                             </m:sup>
                           </m:sSup>
                           <m:sSubSup>
                             <m:sSubSupPr>
                               <m:ctrlPr>
-                                <a:rPr lang="tr-TR" b="0" i="1" smtClean="0">
+                                <a:rPr lang="tr-TR" b="1" i="1" smtClean="0">
+                                  <a:solidFill>
+                                    <a:schemeClr val="accent1"/>
+                                  </a:solidFill>
                                   <a:latin typeface="Cambria Math" panose="02040503050406030204" pitchFamily="18" charset="0"/>
                                 </a:rPr>
                               </m:ctrlPr>
                             </m:sSubSupPr>
                             <m:e>
                               <m:r>
-                                <a:rPr lang="tr-TR" b="0" i="1" smtClean="0">
+                                <a:rPr lang="tr-TR" b="1" i="1" smtClean="0">
+                                  <a:solidFill>
+                                    <a:schemeClr val="accent1"/>
+                                  </a:solidFill>
                                   <a:latin typeface="Cambria Math" panose="02040503050406030204" pitchFamily="18" charset="0"/>
                                 </a:rPr>
-                                <m:t>𝑀</m:t>
+                                <m:t>𝑴</m:t>
                               </m:r>
                             </m:e>
                             <m:sub>
                               <m:r>
-                                <a:rPr lang="tr-TR" b="0" i="1" smtClean="0">
+                                <a:rPr lang="tr-TR" b="1" i="1" smtClean="0">
+                                  <a:solidFill>
+                                    <a:schemeClr val="accent1"/>
+                                  </a:solidFill>
                                   <a:latin typeface="Cambria Math" panose="02040503050406030204" pitchFamily="18" charset="0"/>
                                 </a:rPr>
-                                <m:t>1</m:t>
+                                <m:t>𝟏</m:t>
                               </m:r>
                             </m:sub>
                             <m:sup>
                               <m:r>
-                                <a:rPr lang="tr-TR" b="0" i="1" smtClean="0">
+                                <a:rPr lang="tr-TR" b="1" i="1" smtClean="0">
+                                  <a:solidFill>
+                                    <a:schemeClr val="accent1"/>
+                                  </a:solidFill>
                                   <a:latin typeface="Cambria Math" panose="02040503050406030204" pitchFamily="18" charset="0"/>
                                 </a:rPr>
-                                <m:t>2</m:t>
+                                <m:t>𝟐</m:t>
                               </m:r>
                             </m:sup>
                           </m:sSubSup>
                           <m:sSub>
                             <m:sSubPr>
                               <m:ctrlPr>
-                                <a:rPr lang="tr-TR" b="0" i="1" smtClean="0">
+                                <a:rPr lang="tr-TR" b="1" i="1" smtClean="0">
+                                  <a:solidFill>
+                                    <a:schemeClr val="accent1"/>
+                                  </a:solidFill>
                                   <a:latin typeface="Cambria Math" panose="02040503050406030204" pitchFamily="18" charset="0"/>
                                 </a:rPr>
                               </m:ctrlPr>
                             </m:sSubPr>
                             <m:e>
                               <m:r>
-                                <a:rPr lang="tr-TR" b="0" i="1" smtClean="0">
+                                <a:rPr lang="tr-TR" b="1" i="1" smtClean="0">
+                                  <a:solidFill>
+                                    <a:schemeClr val="accent1"/>
+                                  </a:solidFill>
                                   <a:latin typeface="Cambria Math" panose="02040503050406030204" pitchFamily="18" charset="0"/>
                                 </a:rPr>
-                                <m:t>𝑍</m:t>
+                                <m:t>𝒁</m:t>
                               </m:r>
                             </m:e>
                             <m:sub>
                               <m:r>
-                                <a:rPr lang="tr-TR" b="0" i="1" smtClean="0">
+                                <a:rPr lang="tr-TR" b="1" i="1" smtClean="0">
+                                  <a:solidFill>
+                                    <a:schemeClr val="accent1"/>
+                                  </a:solidFill>
                                   <a:latin typeface="Cambria Math" panose="02040503050406030204" pitchFamily="18" charset="0"/>
                                 </a:rPr>
-                                <m:t>𝑠</m:t>
+                                <m:t>𝒔</m:t>
                               </m:r>
                               <m:r>
-                                <a:rPr lang="tr-TR" b="0" i="1" smtClean="0">
+                                <a:rPr lang="tr-TR" b="1" i="1" smtClean="0">
+                                  <a:solidFill>
+                                    <a:schemeClr val="accent1"/>
+                                  </a:solidFill>
                                   <a:latin typeface="Cambria Math" panose="02040503050406030204" pitchFamily="18" charset="0"/>
                                 </a:rPr>
-                                <m:t>2</m:t>
+                                <m:t>𝟐</m:t>
                               </m:r>
                             </m:sub>
                           </m:sSub>
                           <m:r>
-                            <a:rPr lang="tr-TR" b="0" i="1" smtClean="0">
+                            <a:rPr lang="tr-TR" b="1" i="1" smtClean="0">
+                              <a:solidFill>
+                                <a:schemeClr val="accent1"/>
+                              </a:solidFill>
                               <a:latin typeface="Cambria Math" panose="02040503050406030204" pitchFamily="18" charset="0"/>
                             </a:rPr>
                             <m:t>+</m:t>
@@ -18279,89 +18589,285 @@
                           <m:sSup>
                             <m:sSupPr>
                               <m:ctrlPr>
-                                <a:rPr lang="tr-TR" b="0" i="1" smtClean="0">
+                                <a:rPr lang="tr-TR" b="1" i="1" smtClean="0">
+                                  <a:solidFill>
+                                    <a:schemeClr val="accent1"/>
+                                  </a:solidFill>
                                   <a:latin typeface="Cambria Math" panose="02040503050406030204" pitchFamily="18" charset="0"/>
                                 </a:rPr>
                               </m:ctrlPr>
                             </m:sSupPr>
                             <m:e>
                               <m:r>
-                                <a:rPr lang="tr-TR" b="0" i="1" smtClean="0">
+                                <a:rPr lang="tr-TR" b="1" i="1" smtClean="0">
+                                  <a:solidFill>
+                                    <a:schemeClr val="accent1"/>
+                                  </a:solidFill>
                                   <a:latin typeface="Cambria Math" panose="02040503050406030204" pitchFamily="18" charset="0"/>
                                 </a:rPr>
-                                <m:t>𝜔</m:t>
+                                <m:t>𝝎</m:t>
                               </m:r>
                             </m:e>
                             <m:sup>
                               <m:r>
-                                <a:rPr lang="tr-TR" b="0" i="1" smtClean="0">
+                                <a:rPr lang="tr-TR" b="1" i="1" smtClean="0">
+                                  <a:solidFill>
+                                    <a:schemeClr val="accent1"/>
+                                  </a:solidFill>
                                   <a:latin typeface="Cambria Math" panose="02040503050406030204" pitchFamily="18" charset="0"/>
                                 </a:rPr>
-                                <m:t>2</m:t>
+                                <m:t>𝟐</m:t>
                               </m:r>
                             </m:sup>
                           </m:sSup>
                           <m:sSubSup>
                             <m:sSubSupPr>
                               <m:ctrlPr>
-                                <a:rPr lang="tr-TR" b="0" i="1" smtClean="0">
+                                <a:rPr lang="tr-TR" b="1" i="1" smtClean="0">
+                                  <a:solidFill>
+                                    <a:schemeClr val="accent1"/>
+                                  </a:solidFill>
                                   <a:latin typeface="Cambria Math" panose="02040503050406030204" pitchFamily="18" charset="0"/>
                                 </a:rPr>
                               </m:ctrlPr>
                             </m:sSubSupPr>
                             <m:e>
                               <m:r>
-                                <a:rPr lang="tr-TR" b="0" i="1" smtClean="0">
+                                <a:rPr lang="tr-TR" b="1" i="1" smtClean="0">
+                                  <a:solidFill>
+                                    <a:schemeClr val="accent1"/>
+                                  </a:solidFill>
                                   <a:latin typeface="Cambria Math" panose="02040503050406030204" pitchFamily="18" charset="0"/>
                                 </a:rPr>
-                                <m:t>𝑀</m:t>
+                                <m:t>𝑴</m:t>
                               </m:r>
                             </m:e>
                             <m:sub>
                               <m:r>
-                                <a:rPr lang="tr-TR" b="0" i="1" smtClean="0">
+                                <a:rPr lang="tr-TR" b="1" i="1" smtClean="0">
+                                  <a:solidFill>
+                                    <a:schemeClr val="accent1"/>
+                                  </a:solidFill>
                                   <a:latin typeface="Cambria Math" panose="02040503050406030204" pitchFamily="18" charset="0"/>
                                 </a:rPr>
-                                <m:t>2</m:t>
+                                <m:t>𝟐</m:t>
                               </m:r>
                             </m:sub>
                             <m:sup>
                               <m:r>
-                                <a:rPr lang="tr-TR" b="0" i="1" smtClean="0">
+                                <a:rPr lang="tr-TR" b="1" i="1" smtClean="0">
+                                  <a:solidFill>
+                                    <a:schemeClr val="accent1"/>
+                                  </a:solidFill>
                                   <a:latin typeface="Cambria Math" panose="02040503050406030204" pitchFamily="18" charset="0"/>
                                 </a:rPr>
-                                <m:t>2</m:t>
+                                <m:t>𝟐</m:t>
                               </m:r>
                             </m:sup>
                           </m:sSubSup>
                           <m:sSub>
                             <m:sSubPr>
                               <m:ctrlPr>
-                                <a:rPr lang="tr-TR" b="0" i="1" smtClean="0">
+                                <a:rPr lang="tr-TR" b="1" i="1" smtClean="0">
+                                  <a:solidFill>
+                                    <a:schemeClr val="accent1"/>
+                                  </a:solidFill>
                                   <a:latin typeface="Cambria Math" panose="02040503050406030204" pitchFamily="18" charset="0"/>
                                 </a:rPr>
                               </m:ctrlPr>
                             </m:sSubPr>
                             <m:e>
                               <m:r>
-                                <a:rPr lang="tr-TR" b="0" i="1" smtClean="0">
+                                <a:rPr lang="tr-TR" b="1" i="1" smtClean="0">
+                                  <a:solidFill>
+                                    <a:schemeClr val="accent1"/>
+                                  </a:solidFill>
                                   <a:latin typeface="Cambria Math" panose="02040503050406030204" pitchFamily="18" charset="0"/>
                                 </a:rPr>
-                                <m:t>𝑍</m:t>
+                                <m:t>𝒁</m:t>
                               </m:r>
                             </m:e>
                             <m:sub>
                               <m:r>
-                                <a:rPr lang="tr-TR" b="0" i="1" smtClean="0">
+                                <a:rPr lang="tr-TR" b="1" i="1" smtClean="0">
+                                  <a:solidFill>
+                                    <a:schemeClr val="accent1"/>
+                                  </a:solidFill>
                                   <a:latin typeface="Cambria Math" panose="02040503050406030204" pitchFamily="18" charset="0"/>
                                 </a:rPr>
-                                <m:t>𝑠</m:t>
+                                <m:t>𝒔</m:t>
                               </m:r>
                               <m:r>
-                                <a:rPr lang="tr-TR" b="0" i="1" smtClean="0">
+                                <a:rPr lang="tr-TR" b="1" i="1" smtClean="0">
+                                  <a:solidFill>
+                                    <a:schemeClr val="accent1"/>
+                                  </a:solidFill>
                                   <a:latin typeface="Cambria Math" panose="02040503050406030204" pitchFamily="18" charset="0"/>
                                 </a:rPr>
-                                <m:t>1</m:t>
+                                <m:t>𝟏</m:t>
+                              </m:r>
+                            </m:sub>
+                          </m:sSub>
+                          <m:r>
+                            <a:rPr lang="tr-TR" b="1" i="1" smtClean="0">
+                              <a:solidFill>
+                                <a:schemeClr val="accent1"/>
+                              </a:solidFill>
+                              <a:latin typeface="Cambria Math" panose="02040503050406030204" pitchFamily="18" charset="0"/>
+                            </a:rPr>
+                            <m:t>+</m:t>
+                          </m:r>
+                          <m:r>
+                            <a:rPr lang="tr-TR" b="1" i="1" smtClean="0">
+                              <a:solidFill>
+                                <a:schemeClr val="accent1"/>
+                              </a:solidFill>
+                              <a:latin typeface="Cambria Math" panose="02040503050406030204" pitchFamily="18" charset="0"/>
+                            </a:rPr>
+                            <m:t>𝟐</m:t>
+                          </m:r>
+                          <m:r>
+                            <a:rPr lang="tr-TR" b="1" i="1" smtClean="0">
+                              <a:solidFill>
+                                <a:schemeClr val="accent1"/>
+                              </a:solidFill>
+                              <a:latin typeface="Cambria Math" panose="02040503050406030204" pitchFamily="18" charset="0"/>
+                            </a:rPr>
+                            <m:t>𝒋</m:t>
+                          </m:r>
+                          <m:sSup>
+                            <m:sSupPr>
+                              <m:ctrlPr>
+                                <a:rPr lang="tr-TR" b="1" i="1" smtClean="0">
+                                  <a:solidFill>
+                                    <a:schemeClr val="accent1"/>
+                                  </a:solidFill>
+                                  <a:latin typeface="Cambria Math" panose="02040503050406030204" pitchFamily="18" charset="0"/>
+                                </a:rPr>
+                              </m:ctrlPr>
+                            </m:sSupPr>
+                            <m:e>
+                              <m:r>
+                                <a:rPr lang="tr-TR" b="1" i="1" smtClean="0">
+                                  <a:solidFill>
+                                    <a:schemeClr val="accent1"/>
+                                  </a:solidFill>
+                                  <a:latin typeface="Cambria Math" panose="02040503050406030204" pitchFamily="18" charset="0"/>
+                                </a:rPr>
+                                <m:t>𝝎</m:t>
+                              </m:r>
+                            </m:e>
+                            <m:sup>
+                              <m:r>
+                                <a:rPr lang="tr-TR" b="1" i="1" smtClean="0">
+                                  <a:solidFill>
+                                    <a:schemeClr val="accent1"/>
+                                  </a:solidFill>
+                                  <a:latin typeface="Cambria Math" panose="02040503050406030204" pitchFamily="18" charset="0"/>
+                                </a:rPr>
+                                <m:t>𝟑</m:t>
+                              </m:r>
+                            </m:sup>
+                          </m:sSup>
+                          <m:sSub>
+                            <m:sSubPr>
+                              <m:ctrlPr>
+                                <a:rPr lang="tr-TR" b="1" i="1" smtClean="0">
+                                  <a:solidFill>
+                                    <a:schemeClr val="accent1"/>
+                                  </a:solidFill>
+                                  <a:latin typeface="Cambria Math" panose="02040503050406030204" pitchFamily="18" charset="0"/>
+                                </a:rPr>
+                              </m:ctrlPr>
+                            </m:sSubPr>
+                            <m:e>
+                              <m:r>
+                                <a:rPr lang="tr-TR" b="1" i="1" smtClean="0">
+                                  <a:solidFill>
+                                    <a:schemeClr val="accent1"/>
+                                  </a:solidFill>
+                                  <a:latin typeface="Cambria Math" panose="02040503050406030204" pitchFamily="18" charset="0"/>
+                                </a:rPr>
+                                <m:t>𝑴</m:t>
+                              </m:r>
+                            </m:e>
+                            <m:sub>
+                              <m:r>
+                                <a:rPr lang="tr-TR" b="1" i="1" smtClean="0">
+                                  <a:solidFill>
+                                    <a:schemeClr val="accent1"/>
+                                  </a:solidFill>
+                                  <a:latin typeface="Cambria Math" panose="02040503050406030204" pitchFamily="18" charset="0"/>
+                                </a:rPr>
+                                <m:t>𝟏</m:t>
+                              </m:r>
+                            </m:sub>
+                          </m:sSub>
+                          <m:sSub>
+                            <m:sSubPr>
+                              <m:ctrlPr>
+                                <a:rPr lang="tr-TR" b="1" i="1" smtClean="0">
+                                  <a:solidFill>
+                                    <a:schemeClr val="accent1"/>
+                                  </a:solidFill>
+                                  <a:latin typeface="Cambria Math" panose="02040503050406030204" pitchFamily="18" charset="0"/>
+                                </a:rPr>
+                              </m:ctrlPr>
+                            </m:sSubPr>
+                            <m:e>
+                              <m:r>
+                                <a:rPr lang="tr-TR" b="1" i="1" smtClean="0">
+                                  <a:solidFill>
+                                    <a:schemeClr val="accent1"/>
+                                  </a:solidFill>
+                                  <a:latin typeface="Cambria Math" panose="02040503050406030204" pitchFamily="18" charset="0"/>
+                                </a:rPr>
+                                <m:t>𝑴</m:t>
+                              </m:r>
+                            </m:e>
+                            <m:sub>
+                              <m:r>
+                                <a:rPr lang="tr-TR" b="1" i="1" smtClean="0">
+                                  <a:solidFill>
+                                    <a:schemeClr val="accent1"/>
+                                  </a:solidFill>
+                                  <a:latin typeface="Cambria Math" panose="02040503050406030204" pitchFamily="18" charset="0"/>
+                                </a:rPr>
+                                <m:t>𝟐</m:t>
+                              </m:r>
+                            </m:sub>
+                          </m:sSub>
+                          <m:sSub>
+                            <m:sSubPr>
+                              <m:ctrlPr>
+                                <a:rPr lang="tr-TR" b="1" i="1" smtClean="0">
+                                  <a:solidFill>
+                                    <a:schemeClr val="accent1"/>
+                                  </a:solidFill>
+                                  <a:latin typeface="Cambria Math" panose="02040503050406030204" pitchFamily="18" charset="0"/>
+                                </a:rPr>
+                              </m:ctrlPr>
+                            </m:sSubPr>
+                            <m:e>
+                              <m:r>
+                                <a:rPr lang="tr-TR" b="1" i="1" smtClean="0">
+                                  <a:solidFill>
+                                    <a:schemeClr val="accent1"/>
+                                  </a:solidFill>
+                                  <a:latin typeface="Cambria Math" panose="02040503050406030204" pitchFamily="18" charset="0"/>
+                                </a:rPr>
+                                <m:t>𝑴</m:t>
+                              </m:r>
+                            </m:e>
+                            <m:sub>
+                              <m:r>
+                                <a:rPr lang="tr-TR" b="1" i="1" smtClean="0">
+                                  <a:solidFill>
+                                    <a:schemeClr val="accent1"/>
+                                  </a:solidFill>
+                                  <a:latin typeface="Cambria Math" panose="02040503050406030204" pitchFamily="18" charset="0"/>
+                                </a:rPr>
+                                <m:t>𝒔</m:t>
                               </m:r>
                             </m:sub>
                           </m:sSub>
@@ -18370,7 +18876,7 @@
                     </m:oMath>
                   </m:oMathPara>
                 </a14:m>
-                <a:endParaRPr lang="en-US" dirty="0"/>
+                <a:endParaRPr lang="en-US" b="1" dirty="0"/>
               </a:p>
             </p:txBody>
           </p:sp>
@@ -18392,8 +18898,8 @@
             </p:nvSpPr>
             <p:spPr>
               <a:xfrm>
-                <a:off x="1265853" y="3356290"/>
-                <a:ext cx="7738188" cy="400302"/>
+                <a:off x="1600704" y="3429000"/>
+                <a:ext cx="7738188" cy="414665"/>
               </a:xfrm>
               <a:prstGeom prst="rect">
                 <a:avLst/>
@@ -18401,7 +18907,7 @@
               <a:blipFill>
                 <a:blip r:embed="rId5"/>
                 <a:stretch>
-                  <a:fillRect b="-6154"/>
+                  <a:fillRect b="-7353"/>
                 </a:stretch>
               </a:blipFill>
             </p:spPr>
@@ -18420,8 +18926,8 @@
           </p:sp>
         </mc:Fallback>
       </mc:AlternateContent>
-      <mc:AlternateContent xmlns:mc="http://schemas.openxmlformats.org/markup-compatibility/2006">
-        <mc:Choice xmlns:a14="http://schemas.microsoft.com/office/drawing/2010/main" Requires="a14">
+      <mc:AlternateContent xmlns:mc="http://schemas.openxmlformats.org/markup-compatibility/2006" xmlns:a14="http://schemas.microsoft.com/office/drawing/2010/main">
+        <mc:Choice Requires="a14">
           <p:sp>
             <p:nvSpPr>
               <p:cNvPr id="8" name="Rectangle 7">
@@ -18730,7 +19236,7 @@
             </p:txBody>
           </p:sp>
         </mc:Choice>
-        <mc:Fallback>
+        <mc:Fallback xmlns="">
           <p:sp>
             <p:nvSpPr>
               <p:cNvPr id="8" name="Rectangle 7">
@@ -18791,8 +19297,8 @@
             </p:nvSpPr>
             <p:spPr>
               <a:xfrm>
-                <a:off x="3044599" y="5303209"/>
-                <a:ext cx="4180695" cy="396262"/>
+                <a:off x="2323382" y="5341328"/>
+                <a:ext cx="6098208" cy="406778"/>
               </a:xfrm>
               <a:prstGeom prst="rect">
                 <a:avLst/>
@@ -18804,6 +19310,7 @@
               </a:bodyPr>
               <a:lstStyle/>
               <a:p>
+                <a:pPr/>
                 <a14:m>
                   <m:oMathPara xmlns:m="http://schemas.openxmlformats.org/officeDocument/2006/math">
                     <m:oMathParaPr>
@@ -18813,42 +19320,54 @@
                       <m:func>
                         <m:funcPr>
                           <m:ctrlPr>
-                            <a:rPr lang="tr-TR" b="0" i="1" smtClean="0">
+                            <a:rPr lang="tr-TR" b="1" i="1" smtClean="0">
+                              <a:solidFill>
+                                <a:schemeClr val="accent2"/>
+                              </a:solidFill>
                               <a:latin typeface="Cambria Math" panose="02040503050406030204" pitchFamily="18" charset="0"/>
                             </a:rPr>
                           </m:ctrlPr>
                         </m:funcPr>
                         <m:fName>
                           <m:r>
-                            <m:rPr>
-                              <m:sty m:val="p"/>
-                            </m:rPr>
-                            <a:rPr lang="tr-TR" b="0" i="0" smtClean="0">
+                            <a:rPr lang="tr-TR" b="1" i="0" smtClean="0">
+                              <a:solidFill>
+                                <a:schemeClr val="accent2"/>
+                              </a:solidFill>
                               <a:latin typeface="Cambria Math" panose="02040503050406030204" pitchFamily="18" charset="0"/>
                             </a:rPr>
-                            <m:t>det</m:t>
+                            <m:t>𝐝𝐞𝐭</m:t>
                           </m:r>
                         </m:fName>
                         <m:e>
                           <m:d>
                             <m:dPr>
                               <m:ctrlPr>
-                                <a:rPr lang="tr-TR" b="0" i="1" smtClean="0">
+                                <a:rPr lang="tr-TR" b="1" i="1" smtClean="0">
+                                  <a:solidFill>
+                                    <a:schemeClr val="accent2"/>
+                                  </a:solidFill>
                                   <a:latin typeface="Cambria Math" panose="02040503050406030204" pitchFamily="18" charset="0"/>
                                 </a:rPr>
                               </m:ctrlPr>
                             </m:dPr>
                             <m:e>
                               <m:r>
-                                <a:rPr lang="tr-TR" b="0" i="1" smtClean="0">
+                                <a:rPr lang="tr-TR" b="1" i="1" smtClean="0">
+                                  <a:solidFill>
+                                    <a:schemeClr val="accent2"/>
+                                  </a:solidFill>
                                   <a:latin typeface="Cambria Math" panose="02040503050406030204" pitchFamily="18" charset="0"/>
                                 </a:rPr>
-                                <m:t>𝑍</m:t>
+                                <m:t>𝒁</m:t>
                               </m:r>
                             </m:e>
                           </m:d>
                           <m:r>
-                            <a:rPr lang="tr-TR" b="0" i="1" smtClean="0">
+                            <a:rPr lang="tr-TR" b="1" i="1" smtClean="0">
+                              <a:solidFill>
+                                <a:schemeClr val="accent2"/>
+                              </a:solidFill>
                               <a:latin typeface="Cambria Math" panose="02040503050406030204" pitchFamily="18" charset="0"/>
                             </a:rPr>
                             <m:t>=</m:t>
@@ -18856,69 +19375,96 @@
                           <m:sSub>
                             <m:sSubPr>
                               <m:ctrlPr>
-                                <a:rPr lang="tr-TR" b="0" i="1" smtClean="0">
+                                <a:rPr lang="tr-TR" b="1" i="1" smtClean="0">
+                                  <a:solidFill>
+                                    <a:schemeClr val="accent2"/>
+                                  </a:solidFill>
                                   <a:latin typeface="Cambria Math" panose="02040503050406030204" pitchFamily="18" charset="0"/>
                                 </a:rPr>
                               </m:ctrlPr>
                             </m:sSubPr>
                             <m:e>
                               <m:r>
-                                <a:rPr lang="tr-TR" b="0" i="1" smtClean="0">
+                                <a:rPr lang="tr-TR" b="1" i="1" smtClean="0">
+                                  <a:solidFill>
+                                    <a:schemeClr val="accent2"/>
+                                  </a:solidFill>
                                   <a:latin typeface="Cambria Math" panose="02040503050406030204" pitchFamily="18" charset="0"/>
                                 </a:rPr>
-                                <m:t>𝑍</m:t>
+                                <m:t>𝒁</m:t>
                               </m:r>
                             </m:e>
                             <m:sub>
                               <m:r>
-                                <a:rPr lang="tr-TR" b="0" i="1" smtClean="0">
+                                <a:rPr lang="tr-TR" b="1" i="1" smtClean="0">
+                                  <a:solidFill>
+                                    <a:schemeClr val="accent2"/>
+                                  </a:solidFill>
                                   <a:latin typeface="Cambria Math" panose="02040503050406030204" pitchFamily="18" charset="0"/>
                                 </a:rPr>
-                                <m:t>𝑝</m:t>
+                                <m:t>𝒑</m:t>
                               </m:r>
                               <m:r>
-                                <a:rPr lang="tr-TR" b="0" i="1" smtClean="0">
+                                <a:rPr lang="tr-TR" b="1" i="1" smtClean="0">
+                                  <a:solidFill>
+                                    <a:schemeClr val="accent2"/>
+                                  </a:solidFill>
                                   <a:latin typeface="Cambria Math" panose="02040503050406030204" pitchFamily="18" charset="0"/>
                                 </a:rPr>
-                                <m:t>1</m:t>
+                                <m:t>𝟏</m:t>
                               </m:r>
                             </m:sub>
                           </m:sSub>
                           <m:sSubSup>
                             <m:sSubSupPr>
                               <m:ctrlPr>
-                                <a:rPr lang="tr-TR" b="0" i="1" smtClean="0">
+                                <a:rPr lang="tr-TR" b="1" i="1" smtClean="0">
+                                  <a:solidFill>
+                                    <a:schemeClr val="accent2"/>
+                                  </a:solidFill>
                                   <a:latin typeface="Cambria Math" panose="02040503050406030204" pitchFamily="18" charset="0"/>
                                 </a:rPr>
                               </m:ctrlPr>
                             </m:sSubSupPr>
                             <m:e>
                               <m:r>
-                                <a:rPr lang="tr-TR" b="0" i="1" smtClean="0">
+                                <a:rPr lang="tr-TR" b="1" i="1" smtClean="0">
+                                  <a:solidFill>
+                                    <a:schemeClr val="accent2"/>
+                                  </a:solidFill>
                                   <a:latin typeface="Cambria Math" panose="02040503050406030204" pitchFamily="18" charset="0"/>
                                 </a:rPr>
-                                <m:t>𝑍</m:t>
+                                <m:t>𝒁</m:t>
                               </m:r>
                             </m:e>
                             <m:sub>
                               <m:r>
-                                <a:rPr lang="tr-TR" b="0" i="1" smtClean="0">
+                                <a:rPr lang="tr-TR" b="1" i="1" smtClean="0">
+                                  <a:solidFill>
+                                    <a:schemeClr val="accent2"/>
+                                  </a:solidFill>
                                   <a:latin typeface="Cambria Math" panose="02040503050406030204" pitchFamily="18" charset="0"/>
                                 </a:rPr>
-                                <m:t>𝑠</m:t>
+                                <m:t>𝒔</m:t>
                               </m:r>
                             </m:sub>
                             <m:sup>
                               <m:r>
-                                <a:rPr lang="tr-TR" b="0" i="1" smtClean="0">
+                                <a:rPr lang="tr-TR" b="1" i="1" smtClean="0">
+                                  <a:solidFill>
+                                    <a:schemeClr val="accent2"/>
+                                  </a:solidFill>
                                   <a:latin typeface="Cambria Math" panose="02040503050406030204" pitchFamily="18" charset="0"/>
                                 </a:rPr>
-                                <m:t>2</m:t>
+                                <m:t>𝟐</m:t>
                               </m:r>
                             </m:sup>
                           </m:sSubSup>
                           <m:r>
-                            <a:rPr lang="tr-TR" b="0" i="1" smtClean="0">
+                            <a:rPr lang="tr-TR" b="1" i="1" smtClean="0">
+                              <a:solidFill>
+                                <a:schemeClr val="accent2"/>
+                              </a:solidFill>
                               <a:latin typeface="Cambria Math" panose="02040503050406030204" pitchFamily="18" charset="0"/>
                             </a:rPr>
                             <m:t>+</m:t>
@@ -18926,86 +19472,130 @@
                           <m:sSup>
                             <m:sSupPr>
                               <m:ctrlPr>
-                                <a:rPr lang="tr-TR" b="0" i="1" smtClean="0">
+                                <a:rPr lang="tr-TR" b="1" i="1" smtClean="0">
+                                  <a:solidFill>
+                                    <a:schemeClr val="accent2"/>
+                                  </a:solidFill>
                                   <a:latin typeface="Cambria Math" panose="02040503050406030204" pitchFamily="18" charset="0"/>
                                 </a:rPr>
                               </m:ctrlPr>
                             </m:sSupPr>
                             <m:e>
                               <m:r>
-                                <a:rPr lang="tr-TR" b="0" i="1" smtClean="0">
+                                <a:rPr lang="tr-TR" b="1" i="1" smtClean="0">
+                                  <a:solidFill>
+                                    <a:schemeClr val="accent2"/>
+                                  </a:solidFill>
                                   <a:latin typeface="Cambria Math" panose="02040503050406030204" pitchFamily="18" charset="0"/>
                                 </a:rPr>
-                                <m:t>𝜔</m:t>
+                                <m:t>𝝎</m:t>
                               </m:r>
                             </m:e>
                             <m:sup>
                               <m:r>
-                                <a:rPr lang="tr-TR" b="0" i="1" smtClean="0">
+                                <a:rPr lang="tr-TR" b="1" i="1" smtClean="0">
+                                  <a:solidFill>
+                                    <a:schemeClr val="accent2"/>
+                                  </a:solidFill>
                                   <a:latin typeface="Cambria Math" panose="02040503050406030204" pitchFamily="18" charset="0"/>
                                 </a:rPr>
-                                <m:t>2</m:t>
+                                <m:t>𝟐</m:t>
                               </m:r>
                             </m:sup>
                           </m:sSup>
+                          <m:sSubSup>
+                            <m:sSubSupPr>
+                              <m:ctrlPr>
+                                <a:rPr lang="tr-TR" b="1" i="1" smtClean="0">
+                                  <a:solidFill>
+                                    <a:schemeClr val="accent2"/>
+                                  </a:solidFill>
+                                  <a:latin typeface="Cambria Math" panose="02040503050406030204" pitchFamily="18" charset="0"/>
+                                </a:rPr>
+                              </m:ctrlPr>
+                            </m:sSubSupPr>
+                            <m:e>
+                              <m:r>
+                                <a:rPr lang="tr-TR" b="1" i="1" smtClean="0">
+                                  <a:solidFill>
+                                    <a:schemeClr val="accent2"/>
+                                  </a:solidFill>
+                                  <a:latin typeface="Cambria Math" panose="02040503050406030204" pitchFamily="18" charset="0"/>
+                                </a:rPr>
+                                <m:t>𝑴</m:t>
+                              </m:r>
+                            </m:e>
+                            <m:sub>
+                              <m:r>
+                                <a:rPr lang="tr-TR" b="1" i="1" smtClean="0">
+                                  <a:solidFill>
+                                    <a:schemeClr val="accent2"/>
+                                  </a:solidFill>
+                                  <a:latin typeface="Cambria Math" panose="02040503050406030204" pitchFamily="18" charset="0"/>
+                                </a:rPr>
+                                <m:t>𝒔</m:t>
+                              </m:r>
+                            </m:sub>
+                            <m:sup>
+                              <m:r>
+                                <a:rPr lang="tr-TR" b="1" i="1" smtClean="0">
+                                  <a:solidFill>
+                                    <a:schemeClr val="accent2"/>
+                                  </a:solidFill>
+                                  <a:latin typeface="Cambria Math" panose="02040503050406030204" pitchFamily="18" charset="0"/>
+                                </a:rPr>
+                                <m:t>𝟐</m:t>
+                              </m:r>
+                            </m:sup>
+                          </m:sSubSup>
                           <m:sSub>
                             <m:sSubPr>
                               <m:ctrlPr>
-                                <a:rPr lang="tr-TR" b="0" i="1" smtClean="0">
+                                <a:rPr lang="tr-TR" b="1" i="1" smtClean="0">
+                                  <a:solidFill>
+                                    <a:schemeClr val="accent2"/>
+                                  </a:solidFill>
                                   <a:latin typeface="Cambria Math" panose="02040503050406030204" pitchFamily="18" charset="0"/>
                                 </a:rPr>
                               </m:ctrlPr>
                             </m:sSubPr>
                             <m:e>
                               <m:r>
-                                <a:rPr lang="tr-TR" b="0" i="1" smtClean="0">
+                                <a:rPr lang="tr-TR" b="1" i="1" smtClean="0">
+                                  <a:solidFill>
+                                    <a:schemeClr val="accent2"/>
+                                  </a:solidFill>
                                   <a:latin typeface="Cambria Math" panose="02040503050406030204" pitchFamily="18" charset="0"/>
                                 </a:rPr>
-                                <m:t>𝑀</m:t>
+                                <m:t>𝒁</m:t>
                               </m:r>
                             </m:e>
                             <m:sub>
                               <m:r>
-                                <a:rPr lang="tr-TR" b="0" i="1" smtClean="0">
+                                <a:rPr lang="tr-TR" b="1" i="1" smtClean="0">
+                                  <a:solidFill>
+                                    <a:schemeClr val="accent2"/>
+                                  </a:solidFill>
                                   <a:latin typeface="Cambria Math" panose="02040503050406030204" pitchFamily="18" charset="0"/>
                                 </a:rPr>
-                                <m:t>𝑠</m:t>
+                                <m:t>𝒑</m:t>
                               </m:r>
-                            </m:sub>
-                          </m:sSub>
-                          <m:sSub>
-                            <m:sSubPr>
-                              <m:ctrlPr>
-                                <a:rPr lang="tr-TR" b="0" i="1" smtClean="0">
+                              <m:r>
+                                <a:rPr lang="tr-TR" b="1" i="1" smtClean="0">
+                                  <a:solidFill>
+                                    <a:schemeClr val="accent2"/>
+                                  </a:solidFill>
                                   <a:latin typeface="Cambria Math" panose="02040503050406030204" pitchFamily="18" charset="0"/>
                                 </a:rPr>
-                              </m:ctrlPr>
-                            </m:sSubPr>
-                            <m:e>
-                              <m:r>
-                                <a:rPr lang="tr-TR" b="0" i="1" smtClean="0">
-                                  <a:latin typeface="Cambria Math" panose="02040503050406030204" pitchFamily="18" charset="0"/>
-                                </a:rPr>
-                                <m:t>𝑍</m:t>
-                              </m:r>
-                            </m:e>
-                            <m:sub>
-                              <m:r>
-                                <a:rPr lang="tr-TR" b="0" i="1" smtClean="0">
-                                  <a:latin typeface="Cambria Math" panose="02040503050406030204" pitchFamily="18" charset="0"/>
-                                </a:rPr>
-                                <m:t>𝑝</m:t>
-                              </m:r>
-                              <m:r>
-                                <a:rPr lang="tr-TR" b="0" i="1" smtClean="0">
-                                  <a:latin typeface="Cambria Math" panose="02040503050406030204" pitchFamily="18" charset="0"/>
-                                </a:rPr>
-                                <m:t>1</m:t>
+                                <m:t>𝟏</m:t>
                               </m:r>
                             </m:sub>
                           </m:sSub>
                           <m:r>
-                            <a:rPr lang="tr-TR" b="0" i="1" smtClean="0">
+                            <a:rPr lang="tr-TR" b="1" i="1" smtClean="0">
+                              <a:solidFill>
+                                <a:schemeClr val="accent2"/>
+                              </a:solidFill>
                               <a:latin typeface="Cambria Math" panose="02040503050406030204" pitchFamily="18" charset="0"/>
                             </a:rPr>
                             <m:t>+</m:t>
@@ -19013,90 +19603,274 @@
                           <m:sSup>
                             <m:sSupPr>
                               <m:ctrlPr>
-                                <a:rPr lang="tr-TR" b="0" i="1" smtClean="0">
+                                <a:rPr lang="tr-TR" b="1" i="1" smtClean="0">
+                                  <a:solidFill>
+                                    <a:schemeClr val="accent2"/>
+                                  </a:solidFill>
                                   <a:latin typeface="Cambria Math" panose="02040503050406030204" pitchFamily="18" charset="0"/>
                                 </a:rPr>
                               </m:ctrlPr>
                             </m:sSupPr>
                             <m:e>
                               <m:r>
-                                <a:rPr lang="tr-TR" b="0" i="1" smtClean="0">
+                                <a:rPr lang="tr-TR" b="1" i="1" smtClean="0">
+                                  <a:solidFill>
+                                    <a:schemeClr val="accent2"/>
+                                  </a:solidFill>
                                   <a:latin typeface="Cambria Math" panose="02040503050406030204" pitchFamily="18" charset="0"/>
                                 </a:rPr>
-                                <m:t>2</m:t>
+                                <m:t>𝟐</m:t>
                               </m:r>
                               <m:r>
-                                <a:rPr lang="tr-TR" b="0" i="1" smtClean="0">
+                                <a:rPr lang="tr-TR" b="1" i="1" smtClean="0">
+                                  <a:solidFill>
+                                    <a:schemeClr val="accent2"/>
+                                  </a:solidFill>
                                   <a:latin typeface="Cambria Math" panose="02040503050406030204" pitchFamily="18" charset="0"/>
                                 </a:rPr>
-                                <m:t>𝜔</m:t>
+                                <m:t>𝝎</m:t>
                               </m:r>
                             </m:e>
                             <m:sup>
                               <m:r>
-                                <a:rPr lang="tr-TR" b="0" i="1" smtClean="0">
+                                <a:rPr lang="tr-TR" b="1" i="1" smtClean="0">
+                                  <a:solidFill>
+                                    <a:schemeClr val="accent2"/>
+                                  </a:solidFill>
                                   <a:latin typeface="Cambria Math" panose="02040503050406030204" pitchFamily="18" charset="0"/>
                                 </a:rPr>
-                                <m:t>2</m:t>
+                                <m:t>𝟐</m:t>
                               </m:r>
                             </m:sup>
                           </m:sSup>
                           <m:sSup>
                             <m:sSupPr>
                               <m:ctrlPr>
-                                <a:rPr lang="tr-TR" b="0" i="1" smtClean="0">
+                                <a:rPr lang="tr-TR" b="1" i="1" smtClean="0">
+                                  <a:solidFill>
+                                    <a:schemeClr val="accent2"/>
+                                  </a:solidFill>
                                   <a:latin typeface="Cambria Math" panose="02040503050406030204" pitchFamily="18" charset="0"/>
                                 </a:rPr>
                               </m:ctrlPr>
                             </m:sSupPr>
                             <m:e>
                               <m:r>
-                                <a:rPr lang="tr-TR" b="0" i="1" smtClean="0">
+                                <a:rPr lang="tr-TR" b="1" i="1" smtClean="0">
+                                  <a:solidFill>
+                                    <a:schemeClr val="accent2"/>
+                                  </a:solidFill>
                                   <a:latin typeface="Cambria Math" panose="02040503050406030204" pitchFamily="18" charset="0"/>
                                 </a:rPr>
-                                <m:t>𝑀</m:t>
+                                <m:t>𝑴</m:t>
                               </m:r>
                             </m:e>
                             <m:sup>
                               <m:r>
-                                <a:rPr lang="tr-TR" b="0" i="1" smtClean="0">
+                                <a:rPr lang="tr-TR" b="1" i="1" smtClean="0">
+                                  <a:solidFill>
+                                    <a:schemeClr val="accent2"/>
+                                  </a:solidFill>
                                   <a:latin typeface="Cambria Math" panose="02040503050406030204" pitchFamily="18" charset="0"/>
                                 </a:rPr>
-                                <m:t>2</m:t>
+                                <m:t>𝟐</m:t>
                               </m:r>
                             </m:sup>
                           </m:sSup>
                           <m:sSub>
                             <m:sSubPr>
                               <m:ctrlPr>
-                                <a:rPr lang="tr-TR" b="0" i="1" smtClean="0">
+                                <a:rPr lang="tr-TR" b="1" i="1" smtClean="0">
+                                  <a:solidFill>
+                                    <a:schemeClr val="accent2"/>
+                                  </a:solidFill>
                                   <a:latin typeface="Cambria Math" panose="02040503050406030204" pitchFamily="18" charset="0"/>
                                 </a:rPr>
                               </m:ctrlPr>
                             </m:sSubPr>
                             <m:e>
                               <m:r>
-                                <a:rPr lang="tr-TR" b="0" i="1" smtClean="0">
+                                <a:rPr lang="tr-TR" b="1" i="1" smtClean="0">
+                                  <a:solidFill>
+                                    <a:schemeClr val="accent2"/>
+                                  </a:solidFill>
                                   <a:latin typeface="Cambria Math" panose="02040503050406030204" pitchFamily="18" charset="0"/>
                                 </a:rPr>
-                                <m:t>𝑍</m:t>
+                                <m:t>𝒁</m:t>
                               </m:r>
                             </m:e>
                             <m:sub>
                               <m:r>
-                                <a:rPr lang="tr-TR" b="0" i="1" smtClean="0">
+                                <a:rPr lang="tr-TR" b="1" i="1" smtClean="0">
+                                  <a:solidFill>
+                                    <a:schemeClr val="accent2"/>
+                                  </a:solidFill>
                                   <a:latin typeface="Cambria Math" panose="02040503050406030204" pitchFamily="18" charset="0"/>
                                 </a:rPr>
-                                <m:t>𝑠</m:t>
+                                <m:t>𝒔</m:t>
                               </m:r>
                             </m:sub>
                           </m:sSub>
                         </m:e>
                       </m:func>
+                      <m:r>
+                        <a:rPr lang="tr-TR" b="1" i="0" smtClean="0">
+                          <a:solidFill>
+                            <a:schemeClr val="accent2"/>
+                          </a:solidFill>
+                          <a:latin typeface="Cambria Math" panose="02040503050406030204" pitchFamily="18" charset="0"/>
+                        </a:rPr>
+                        <m:t>+</m:t>
+                      </m:r>
+                      <m:r>
+                        <a:rPr lang="tr-TR" b="1" i="0" smtClean="0">
+                          <a:solidFill>
+                            <a:schemeClr val="accent2"/>
+                          </a:solidFill>
+                          <a:latin typeface="Cambria Math" panose="02040503050406030204" pitchFamily="18" charset="0"/>
+                        </a:rPr>
+                        <m:t>𝟐𝐣</m:t>
+                      </m:r>
+                      <m:sSup>
+                        <m:sSupPr>
+                          <m:ctrlPr>
+                            <a:rPr lang="tr-TR" b="1" i="1" smtClean="0">
+                              <a:solidFill>
+                                <a:schemeClr val="accent2"/>
+                              </a:solidFill>
+                              <a:latin typeface="Cambria Math" panose="02040503050406030204" pitchFamily="18" charset="0"/>
+                            </a:rPr>
+                          </m:ctrlPr>
+                        </m:sSupPr>
+                        <m:e>
+                          <m:r>
+                            <a:rPr lang="tr-TR" b="1" i="1" smtClean="0">
+                              <a:solidFill>
+                                <a:schemeClr val="accent2"/>
+                              </a:solidFill>
+                              <a:latin typeface="Cambria Math" panose="02040503050406030204" pitchFamily="18" charset="0"/>
+                            </a:rPr>
+                            <m:t>𝝎</m:t>
+                          </m:r>
+                        </m:e>
+                        <m:sup>
+                          <m:r>
+                            <a:rPr lang="tr-TR" b="1" i="1" smtClean="0">
+                              <a:solidFill>
+                                <a:schemeClr val="accent2"/>
+                              </a:solidFill>
+                              <a:latin typeface="Cambria Math" panose="02040503050406030204" pitchFamily="18" charset="0"/>
+                            </a:rPr>
+                            <m:t>𝟑</m:t>
+                          </m:r>
+                        </m:sup>
+                      </m:sSup>
+                      <m:sSub>
+                        <m:sSubPr>
+                          <m:ctrlPr>
+                            <a:rPr lang="tr-TR" b="1" i="1" smtClean="0">
+                              <a:solidFill>
+                                <a:schemeClr val="accent2"/>
+                              </a:solidFill>
+                              <a:latin typeface="Cambria Math" panose="02040503050406030204" pitchFamily="18" charset="0"/>
+                            </a:rPr>
+                          </m:ctrlPr>
+                        </m:sSubPr>
+                        <m:e>
+                          <m:r>
+                            <a:rPr lang="tr-TR" b="1" i="1" smtClean="0">
+                              <a:solidFill>
+                                <a:schemeClr val="accent2"/>
+                              </a:solidFill>
+                              <a:latin typeface="Cambria Math" panose="02040503050406030204" pitchFamily="18" charset="0"/>
+                            </a:rPr>
+                            <m:t>𝑴</m:t>
+                          </m:r>
+                        </m:e>
+                        <m:sub>
+                          <m:r>
+                            <a:rPr lang="tr-TR" b="1" i="1" smtClean="0">
+                              <a:solidFill>
+                                <a:schemeClr val="accent2"/>
+                              </a:solidFill>
+                              <a:latin typeface="Cambria Math" panose="02040503050406030204" pitchFamily="18" charset="0"/>
+                            </a:rPr>
+                            <m:t>𝟏</m:t>
+                          </m:r>
+                        </m:sub>
+                      </m:sSub>
+                      <m:sSub>
+                        <m:sSubPr>
+                          <m:ctrlPr>
+                            <a:rPr lang="tr-TR" b="1" i="1" smtClean="0">
+                              <a:solidFill>
+                                <a:schemeClr val="accent2"/>
+                              </a:solidFill>
+                              <a:latin typeface="Cambria Math" panose="02040503050406030204" pitchFamily="18" charset="0"/>
+                            </a:rPr>
+                          </m:ctrlPr>
+                        </m:sSubPr>
+                        <m:e>
+                          <m:r>
+                            <a:rPr lang="tr-TR" b="1" i="1" smtClean="0">
+                              <a:solidFill>
+                                <a:schemeClr val="accent2"/>
+                              </a:solidFill>
+                              <a:latin typeface="Cambria Math" panose="02040503050406030204" pitchFamily="18" charset="0"/>
+                            </a:rPr>
+                            <m:t>𝑴</m:t>
+                          </m:r>
+                        </m:e>
+                        <m:sub>
+                          <m:r>
+                            <a:rPr lang="tr-TR" b="1" i="1" smtClean="0">
+                              <a:solidFill>
+                                <a:schemeClr val="accent2"/>
+                              </a:solidFill>
+                              <a:latin typeface="Cambria Math" panose="02040503050406030204" pitchFamily="18" charset="0"/>
+                            </a:rPr>
+                            <m:t>𝟐</m:t>
+                          </m:r>
+                        </m:sub>
+                      </m:sSub>
+                      <m:sSub>
+                        <m:sSubPr>
+                          <m:ctrlPr>
+                            <a:rPr lang="tr-TR" b="1" i="1" smtClean="0">
+                              <a:solidFill>
+                                <a:schemeClr val="accent2"/>
+                              </a:solidFill>
+                              <a:latin typeface="Cambria Math" panose="02040503050406030204" pitchFamily="18" charset="0"/>
+                            </a:rPr>
+                          </m:ctrlPr>
+                        </m:sSubPr>
+                        <m:e>
+                          <m:r>
+                            <a:rPr lang="tr-TR" b="1" i="1" smtClean="0">
+                              <a:solidFill>
+                                <a:schemeClr val="accent2"/>
+                              </a:solidFill>
+                              <a:latin typeface="Cambria Math" panose="02040503050406030204" pitchFamily="18" charset="0"/>
+                            </a:rPr>
+                            <m:t>𝑴</m:t>
+                          </m:r>
+                        </m:e>
+                        <m:sub>
+                          <m:r>
+                            <a:rPr lang="tr-TR" b="1" i="1" smtClean="0">
+                              <a:solidFill>
+                                <a:schemeClr val="accent2"/>
+                              </a:solidFill>
+                              <a:latin typeface="Cambria Math" panose="02040503050406030204" pitchFamily="18" charset="0"/>
+                            </a:rPr>
+                            <m:t>𝒔</m:t>
+                          </m:r>
+                        </m:sub>
+                      </m:sSub>
                     </m:oMath>
                   </m:oMathPara>
                 </a14:m>
-                <a:endParaRPr lang="en-US" dirty="0"/>
+                <a:endParaRPr lang="en-US" b="1" dirty="0"/>
               </a:p>
             </p:txBody>
           </p:sp>
@@ -19118,8 +19892,8 @@
             </p:nvSpPr>
             <p:spPr>
               <a:xfrm>
-                <a:off x="3044599" y="5303209"/>
-                <a:ext cx="4180695" cy="396262"/>
+                <a:off x="2323382" y="5341328"/>
+                <a:ext cx="6098208" cy="406778"/>
               </a:xfrm>
               <a:prstGeom prst="rect">
                 <a:avLst/>
@@ -19127,7 +19901,7 @@
               <a:blipFill>
                 <a:blip r:embed="rId7"/>
                 <a:stretch>
-                  <a:fillRect b="-6154"/>
+                  <a:fillRect b="-8955"/>
                 </a:stretch>
               </a:blipFill>
             </p:spPr>
@@ -19193,13 +19967,13 @@
               <p:nvPr>
                 <p:extLst>
                   <p:ext uri="{D42A27DB-BD31-4B8C-83A1-F6EECF244321}">
-                    <p14:modId xmlns:p14="http://schemas.microsoft.com/office/powerpoint/2010/main" val="2439085110"/>
+                    <p14:modId xmlns:p14="http://schemas.microsoft.com/office/powerpoint/2010/main" val="3698509980"/>
                   </p:ext>
                 </p:extLst>
               </p:nvPr>
             </p:nvGraphicFramePr>
             <p:xfrm>
-              <a:off x="632926" y="575323"/>
+              <a:off x="1167399" y="508343"/>
               <a:ext cx="3590953" cy="1112208"/>
             </p:xfrm>
             <a:graphic>
@@ -19927,13 +20701,13 @@
               <p:nvPr>
                 <p:extLst>
                   <p:ext uri="{D42A27DB-BD31-4B8C-83A1-F6EECF244321}">
-                    <p14:modId xmlns:p14="http://schemas.microsoft.com/office/powerpoint/2010/main" val="2439085110"/>
+                    <p14:modId xmlns:p14="http://schemas.microsoft.com/office/powerpoint/2010/main" val="3698509980"/>
                   </p:ext>
                 </p:extLst>
               </p:nvPr>
             </p:nvGraphicFramePr>
             <p:xfrm>
-              <a:off x="632926" y="575323"/>
+              <a:off x="1167399" y="508343"/>
               <a:ext cx="3590953" cy="1112208"/>
             </p:xfrm>
             <a:graphic>
@@ -20523,8 +21297,8 @@
             </p:nvSpPr>
             <p:spPr>
               <a:xfrm>
-                <a:off x="850878" y="2355979"/>
-                <a:ext cx="4448910" cy="303929"/>
+                <a:off x="1352177" y="2274289"/>
+                <a:ext cx="2253502" cy="283219"/>
               </a:xfrm>
               <a:prstGeom prst="rect">
                 <a:avLst/>
@@ -20537,6 +21311,7 @@
               </a:bodyPr>
               <a:lstStyle/>
               <a:p>
+                <a:pPr/>
                 <a14:m>
                   <m:oMathPara xmlns:m="http://schemas.openxmlformats.org/officeDocument/2006/math">
                     <m:oMathParaPr>
@@ -20546,30 +21321,42 @@
                       <m:sSub>
                         <m:sSubPr>
                           <m:ctrlPr>
-                            <a:rPr lang="tr-TR" b="0" i="1" smtClean="0">
+                            <a:rPr lang="tr-TR" b="1" i="1" smtClean="0">
+                              <a:solidFill>
+                                <a:schemeClr val="accent1"/>
+                              </a:solidFill>
                               <a:latin typeface="Cambria Math" panose="02040503050406030204" pitchFamily="18" charset="0"/>
                             </a:rPr>
                           </m:ctrlPr>
                         </m:sSubPr>
                         <m:e>
                           <m:r>
-                            <a:rPr lang="tr-TR" b="0" i="1" smtClean="0">
+                            <a:rPr lang="tr-TR" b="1" i="1" smtClean="0">
+                              <a:solidFill>
+                                <a:schemeClr val="accent1"/>
+                              </a:solidFill>
                               <a:latin typeface="Cambria Math" panose="02040503050406030204" pitchFamily="18" charset="0"/>
                             </a:rPr>
-                            <m:t>𝑚</m:t>
+                            <m:t>𝒎</m:t>
                           </m:r>
                         </m:e>
                         <m:sub>
                           <m:r>
-                            <a:rPr lang="tr-TR" b="0" i="1" smtClean="0">
+                            <a:rPr lang="tr-TR" b="1" i="1" smtClean="0">
+                              <a:solidFill>
+                                <a:schemeClr val="accent1"/>
+                              </a:solidFill>
                               <a:latin typeface="Cambria Math" panose="02040503050406030204" pitchFamily="18" charset="0"/>
                             </a:rPr>
-                            <m:t>1</m:t>
+                            <m:t>𝟏</m:t>
                           </m:r>
                         </m:sub>
                       </m:sSub>
                       <m:r>
-                        <a:rPr lang="tr-TR" b="0" i="1" smtClean="0">
+                        <a:rPr lang="tr-TR" b="1" i="1" smtClean="0">
+                          <a:solidFill>
+                            <a:schemeClr val="accent1"/>
+                          </a:solidFill>
                           <a:latin typeface="Cambria Math" panose="02040503050406030204" pitchFamily="18" charset="0"/>
                         </a:rPr>
                         <m:t>=</m:t>
@@ -20577,243 +21364,94 @@
                       <m:sSub>
                         <m:sSubPr>
                           <m:ctrlPr>
-                            <a:rPr lang="tr-TR" b="0" i="1" smtClean="0">
+                            <a:rPr lang="tr-TR" b="1" i="1">
+                              <a:solidFill>
+                                <a:schemeClr val="accent1"/>
+                              </a:solidFill>
                               <a:latin typeface="Cambria Math" panose="02040503050406030204" pitchFamily="18" charset="0"/>
                             </a:rPr>
                           </m:ctrlPr>
                         </m:sSubPr>
                         <m:e>
                           <m:r>
-                            <a:rPr lang="tr-TR" b="0" i="1" smtClean="0">
+                            <a:rPr lang="tr-TR" b="1" i="1">
+                              <a:solidFill>
+                                <a:schemeClr val="accent1"/>
+                              </a:solidFill>
                               <a:latin typeface="Cambria Math" panose="02040503050406030204" pitchFamily="18" charset="0"/>
                             </a:rPr>
-                            <m:t>𝑍</m:t>
+                            <m:t>𝒁</m:t>
                           </m:r>
                         </m:e>
                         <m:sub>
                           <m:r>
-                            <a:rPr lang="tr-TR" b="0" i="1" smtClean="0">
+                            <a:rPr lang="tr-TR" b="1" i="1">
+                              <a:solidFill>
+                                <a:schemeClr val="accent1"/>
+                              </a:solidFill>
                               <a:latin typeface="Cambria Math" panose="02040503050406030204" pitchFamily="18" charset="0"/>
                             </a:rPr>
-                            <m:t>𝑝</m:t>
+                            <m:t>𝒔</m:t>
                           </m:r>
                           <m:r>
-                            <a:rPr lang="tr-TR" b="0" i="1" smtClean="0">
+                            <a:rPr lang="tr-TR" b="1" i="1">
+                              <a:solidFill>
+                                <a:schemeClr val="accent1"/>
+                              </a:solidFill>
                               <a:latin typeface="Cambria Math" panose="02040503050406030204" pitchFamily="18" charset="0"/>
                             </a:rPr>
-                            <m:t>1</m:t>
+                            <m:t>𝟏</m:t>
                           </m:r>
                         </m:sub>
                       </m:sSub>
-                      <m:d>
-                        <m:dPr>
-                          <m:ctrlPr>
-                            <a:rPr lang="tr-TR" b="0" i="1" smtClean="0">
-                              <a:latin typeface="Cambria Math" panose="02040503050406030204" pitchFamily="18" charset="0"/>
-                            </a:rPr>
-                          </m:ctrlPr>
-                        </m:dPr>
-                        <m:e>
-                          <m:sSub>
-                            <m:sSubPr>
-                              <m:ctrlPr>
-                                <a:rPr lang="tr-TR" b="0" i="1" smtClean="0">
-                                  <a:latin typeface="Cambria Math" panose="02040503050406030204" pitchFamily="18" charset="0"/>
-                                </a:rPr>
-                              </m:ctrlPr>
-                            </m:sSubPr>
-                            <m:e>
-                              <m:r>
-                                <a:rPr lang="tr-TR" b="0" i="1" smtClean="0">
-                                  <a:latin typeface="Cambria Math" panose="02040503050406030204" pitchFamily="18" charset="0"/>
-                                </a:rPr>
-                                <m:t>𝑍</m:t>
-                              </m:r>
-                            </m:e>
-                            <m:sub>
-                              <m:r>
-                                <a:rPr lang="tr-TR" b="0" i="1" smtClean="0">
-                                  <a:latin typeface="Cambria Math" panose="02040503050406030204" pitchFamily="18" charset="0"/>
-                                </a:rPr>
-                                <m:t>𝑠</m:t>
-                              </m:r>
-                              <m:r>
-                                <a:rPr lang="tr-TR" b="0" i="1" smtClean="0">
-                                  <a:latin typeface="Cambria Math" panose="02040503050406030204" pitchFamily="18" charset="0"/>
-                                </a:rPr>
-                                <m:t>1</m:t>
-                              </m:r>
-                            </m:sub>
-                          </m:sSub>
-                          <m:sSub>
-                            <m:sSubPr>
-                              <m:ctrlPr>
-                                <a:rPr lang="tr-TR" b="0" i="1" smtClean="0">
-                                  <a:latin typeface="Cambria Math" panose="02040503050406030204" pitchFamily="18" charset="0"/>
-                                </a:rPr>
-                              </m:ctrlPr>
-                            </m:sSubPr>
-                            <m:e>
-                              <m:r>
-                                <a:rPr lang="tr-TR" b="0" i="1" smtClean="0">
-                                  <a:latin typeface="Cambria Math" panose="02040503050406030204" pitchFamily="18" charset="0"/>
-                                </a:rPr>
-                                <m:t>𝑍</m:t>
-                              </m:r>
-                            </m:e>
-                            <m:sub>
-                              <m:r>
-                                <a:rPr lang="tr-TR" b="0" i="1" smtClean="0">
-                                  <a:latin typeface="Cambria Math" panose="02040503050406030204" pitchFamily="18" charset="0"/>
-                                </a:rPr>
-                                <m:t>𝑠</m:t>
-                              </m:r>
-                              <m:r>
-                                <a:rPr lang="tr-TR" b="0" i="1" smtClean="0">
-                                  <a:latin typeface="Cambria Math" panose="02040503050406030204" pitchFamily="18" charset="0"/>
-                                </a:rPr>
-                                <m:t>2</m:t>
-                              </m:r>
-                            </m:sub>
-                          </m:sSub>
-                          <m:r>
-                            <a:rPr lang="tr-TR" b="0" i="1" smtClean="0">
-                              <a:latin typeface="Cambria Math" panose="02040503050406030204" pitchFamily="18" charset="0"/>
-                            </a:rPr>
-                            <m:t>+</m:t>
-                          </m:r>
-                          <m:sSup>
-                            <m:sSupPr>
-                              <m:ctrlPr>
-                                <a:rPr lang="tr-TR" b="0" i="1" smtClean="0">
-                                  <a:latin typeface="Cambria Math" panose="02040503050406030204" pitchFamily="18" charset="0"/>
-                                </a:rPr>
-                              </m:ctrlPr>
-                            </m:sSupPr>
-                            <m:e>
-                              <m:r>
-                                <a:rPr lang="tr-TR" b="0" i="1" smtClean="0">
-                                  <a:latin typeface="Cambria Math" panose="02040503050406030204" pitchFamily="18" charset="0"/>
-                                </a:rPr>
-                                <m:t>𝜔</m:t>
-                              </m:r>
-                            </m:e>
-                            <m:sup>
-                              <m:r>
-                                <a:rPr lang="tr-TR" b="0" i="1" smtClean="0">
-                                  <a:latin typeface="Cambria Math" panose="02040503050406030204" pitchFamily="18" charset="0"/>
-                                </a:rPr>
-                                <m:t>2</m:t>
-                              </m:r>
-                            </m:sup>
-                          </m:sSup>
-                          <m:sSubSup>
-                            <m:sSubSupPr>
-                              <m:ctrlPr>
-                                <a:rPr lang="tr-TR" b="0" i="1" smtClean="0">
-                                  <a:latin typeface="Cambria Math" panose="02040503050406030204" pitchFamily="18" charset="0"/>
-                                </a:rPr>
-                              </m:ctrlPr>
-                            </m:sSubSupPr>
-                            <m:e>
-                              <m:r>
-                                <a:rPr lang="tr-TR" b="0" i="1" smtClean="0">
-                                  <a:latin typeface="Cambria Math" panose="02040503050406030204" pitchFamily="18" charset="0"/>
-                                </a:rPr>
-                                <m:t>𝑀</m:t>
-                              </m:r>
-                            </m:e>
-                            <m:sub>
-                              <m:r>
-                                <a:rPr lang="tr-TR" b="0" i="1" smtClean="0">
-                                  <a:latin typeface="Cambria Math" panose="02040503050406030204" pitchFamily="18" charset="0"/>
-                                </a:rPr>
-                                <m:t>𝑠</m:t>
-                              </m:r>
-                            </m:sub>
-                            <m:sup>
-                              <m:r>
-                                <a:rPr lang="tr-TR" b="0" i="1" smtClean="0">
-                                  <a:latin typeface="Cambria Math" panose="02040503050406030204" pitchFamily="18" charset="0"/>
-                                </a:rPr>
-                                <m:t>2</m:t>
-                              </m:r>
-                            </m:sup>
-                          </m:sSubSup>
-                        </m:e>
-                      </m:d>
-                      <m:r>
-                        <a:rPr lang="tr-TR" b="0" i="1" smtClean="0">
-                          <a:latin typeface="Cambria Math" panose="02040503050406030204" pitchFamily="18" charset="0"/>
-                        </a:rPr>
-                        <m:t>=</m:t>
-                      </m:r>
                       <m:sSub>
                         <m:sSubPr>
                           <m:ctrlPr>
-                            <a:rPr lang="tr-TR" b="0" i="1" smtClean="0">
+                            <a:rPr lang="tr-TR" b="1" i="1">
+                              <a:solidFill>
+                                <a:schemeClr val="accent1"/>
+                              </a:solidFill>
                               <a:latin typeface="Cambria Math" panose="02040503050406030204" pitchFamily="18" charset="0"/>
                             </a:rPr>
                           </m:ctrlPr>
                         </m:sSubPr>
                         <m:e>
                           <m:r>
-                            <a:rPr lang="tr-TR" b="0" i="1" smtClean="0">
+                            <a:rPr lang="tr-TR" b="1" i="1">
+                              <a:solidFill>
+                                <a:schemeClr val="accent1"/>
+                              </a:solidFill>
                               <a:latin typeface="Cambria Math" panose="02040503050406030204" pitchFamily="18" charset="0"/>
                             </a:rPr>
-                            <m:t>𝑍</m:t>
+                            <m:t>𝒁</m:t>
                           </m:r>
                         </m:e>
                         <m:sub>
                           <m:r>
-                            <a:rPr lang="tr-TR" b="0" i="1" smtClean="0">
+                            <a:rPr lang="tr-TR" b="1" i="1">
+                              <a:solidFill>
+                                <a:schemeClr val="accent1"/>
+                              </a:solidFill>
                               <a:latin typeface="Cambria Math" panose="02040503050406030204" pitchFamily="18" charset="0"/>
                             </a:rPr>
-                            <m:t>𝑝</m:t>
+                            <m:t>𝒔</m:t>
                           </m:r>
                           <m:r>
-                            <a:rPr lang="tr-TR" b="0" i="1" smtClean="0">
+                            <a:rPr lang="tr-TR" b="1" i="1">
+                              <a:solidFill>
+                                <a:schemeClr val="accent1"/>
+                              </a:solidFill>
                               <a:latin typeface="Cambria Math" panose="02040503050406030204" pitchFamily="18" charset="0"/>
                             </a:rPr>
-                            <m:t>1</m:t>
+                            <m:t>𝟐</m:t>
                           </m:r>
                         </m:sub>
                       </m:sSub>
-                      <m:sSubSup>
-                        <m:sSubSupPr>
-                          <m:ctrlPr>
-                            <a:rPr lang="tr-TR" b="0" i="1" smtClean="0">
-                              <a:latin typeface="Cambria Math" panose="02040503050406030204" pitchFamily="18" charset="0"/>
-                            </a:rPr>
-                          </m:ctrlPr>
-                        </m:sSubSupPr>
-                        <m:e>
-                          <m:r>
-                            <a:rPr lang="tr-TR" b="0" i="1" smtClean="0">
-                              <a:latin typeface="Cambria Math" panose="02040503050406030204" pitchFamily="18" charset="0"/>
-                            </a:rPr>
-                            <m:t>𝑍</m:t>
-                          </m:r>
-                        </m:e>
-                        <m:sub>
-                          <m:r>
-                            <a:rPr lang="tr-TR" b="0" i="1" smtClean="0">
-                              <a:latin typeface="Cambria Math" panose="02040503050406030204" pitchFamily="18" charset="0"/>
-                            </a:rPr>
-                            <m:t>𝑠</m:t>
-                          </m:r>
-                        </m:sub>
-                        <m:sup>
-                          <m:r>
-                            <a:rPr lang="tr-TR" b="0" i="1" smtClean="0">
-                              <a:latin typeface="Cambria Math" panose="02040503050406030204" pitchFamily="18" charset="0"/>
-                            </a:rPr>
-                            <m:t>2</m:t>
-                          </m:r>
-                        </m:sup>
-                      </m:sSubSup>
                       <m:r>
-                        <a:rPr lang="tr-TR" b="0" i="1" smtClean="0">
+                        <a:rPr lang="tr-TR" b="1" i="1">
+                          <a:solidFill>
+                            <a:schemeClr val="accent1"/>
+                          </a:solidFill>
                           <a:latin typeface="Cambria Math" panose="02040503050406030204" pitchFamily="18" charset="0"/>
                         </a:rPr>
                         <m:t>+</m:t>
@@ -20821,65 +21459,86 @@
                       <m:sSup>
                         <m:sSupPr>
                           <m:ctrlPr>
-                            <a:rPr lang="tr-TR" b="0" i="1" smtClean="0">
+                            <a:rPr lang="tr-TR" b="1" i="1">
+                              <a:solidFill>
+                                <a:schemeClr val="accent1"/>
+                              </a:solidFill>
                               <a:latin typeface="Cambria Math" panose="02040503050406030204" pitchFamily="18" charset="0"/>
                             </a:rPr>
                           </m:ctrlPr>
                         </m:sSupPr>
                         <m:e>
                           <m:r>
-                            <a:rPr lang="tr-TR" b="0" i="1" smtClean="0">
+                            <a:rPr lang="tr-TR" b="1" i="1">
+                              <a:solidFill>
+                                <a:schemeClr val="accent1"/>
+                              </a:solidFill>
                               <a:latin typeface="Cambria Math" panose="02040503050406030204" pitchFamily="18" charset="0"/>
                             </a:rPr>
-                            <m:t>𝜔</m:t>
+                            <m:t>𝝎</m:t>
                           </m:r>
                         </m:e>
                         <m:sup>
                           <m:r>
-                            <a:rPr lang="tr-TR" b="0" i="1" smtClean="0">
+                            <a:rPr lang="tr-TR" b="1" i="1">
+                              <a:solidFill>
+                                <a:schemeClr val="accent1"/>
+                              </a:solidFill>
                               <a:latin typeface="Cambria Math" panose="02040503050406030204" pitchFamily="18" charset="0"/>
                             </a:rPr>
-                            <m:t>2</m:t>
+                            <m:t>𝟐</m:t>
                           </m:r>
                         </m:sup>
                       </m:sSup>
                       <m:sSubSup>
                         <m:sSubSupPr>
                           <m:ctrlPr>
-                            <a:rPr lang="tr-TR" b="0" i="1" smtClean="0">
+                            <a:rPr lang="tr-TR" b="1" i="1">
+                              <a:solidFill>
+                                <a:schemeClr val="accent1"/>
+                              </a:solidFill>
                               <a:latin typeface="Cambria Math" panose="02040503050406030204" pitchFamily="18" charset="0"/>
                             </a:rPr>
                           </m:ctrlPr>
                         </m:sSubSupPr>
                         <m:e>
                           <m:r>
-                            <a:rPr lang="tr-TR" b="0" i="1" smtClean="0">
+                            <a:rPr lang="tr-TR" b="1" i="1">
+                              <a:solidFill>
+                                <a:schemeClr val="accent1"/>
+                              </a:solidFill>
                               <a:latin typeface="Cambria Math" panose="02040503050406030204" pitchFamily="18" charset="0"/>
                             </a:rPr>
-                            <m:t>𝑀</m:t>
+                            <m:t>𝑴</m:t>
                           </m:r>
                         </m:e>
                         <m:sub>
                           <m:r>
-                            <a:rPr lang="tr-TR" b="0" i="1" smtClean="0">
+                            <a:rPr lang="tr-TR" b="1" i="1">
+                              <a:solidFill>
+                                <a:schemeClr val="accent1"/>
+                              </a:solidFill>
                               <a:latin typeface="Cambria Math" panose="02040503050406030204" pitchFamily="18" charset="0"/>
                             </a:rPr>
-                            <m:t>𝑠</m:t>
+                            <m:t>𝒔</m:t>
                           </m:r>
                         </m:sub>
                         <m:sup>
                           <m:r>
-                            <a:rPr lang="tr-TR" b="0" i="1" smtClean="0">
+                            <a:rPr lang="tr-TR" b="1" i="1">
+                              <a:solidFill>
+                                <a:schemeClr val="accent1"/>
+                              </a:solidFill>
                               <a:latin typeface="Cambria Math" panose="02040503050406030204" pitchFamily="18" charset="0"/>
                             </a:rPr>
-                            <m:t>2</m:t>
+                            <m:t>𝟐</m:t>
                           </m:r>
                         </m:sup>
                       </m:sSubSup>
                     </m:oMath>
                   </m:oMathPara>
                 </a14:m>
-                <a:endParaRPr lang="en-US" dirty="0"/>
+                <a:endParaRPr lang="en-US" b="1" dirty="0"/>
               </a:p>
             </p:txBody>
           </p:sp>
@@ -20901,8 +21560,8 @@
             </p:nvSpPr>
             <p:spPr>
               <a:xfrm>
-                <a:off x="850878" y="2355979"/>
-                <a:ext cx="4448910" cy="303929"/>
+                <a:off x="1352177" y="2274289"/>
+                <a:ext cx="2253502" cy="283219"/>
               </a:xfrm>
               <a:prstGeom prst="rect">
                 <a:avLst/>
@@ -20910,7 +21569,7 @@
               <a:blipFill>
                 <a:blip r:embed="rId3"/>
                 <a:stretch>
-                  <a:fillRect l="-274" r="-137" b="-24000"/>
+                  <a:fillRect l="-1084" t="-4255" r="-1084" b="-14894"/>
                 </a:stretch>
               </a:blipFill>
             </p:spPr>
@@ -20945,8 +21604,8 @@
             </p:nvSpPr>
             <p:spPr>
               <a:xfrm>
-                <a:off x="739693" y="2806179"/>
-                <a:ext cx="6475106" cy="276999"/>
+                <a:off x="1352177" y="2744511"/>
+                <a:ext cx="2812308" cy="276999"/>
               </a:xfrm>
               <a:prstGeom prst="rect">
                 <a:avLst/>
@@ -20959,6 +21618,7 @@
               </a:bodyPr>
               <a:lstStyle/>
               <a:p>
+                <a:pPr/>
                 <a14:m>
                   <m:oMathPara xmlns:m="http://schemas.openxmlformats.org/officeDocument/2006/math">
                     <m:oMathParaPr>
@@ -20994,16 +21654,22 @@
                         <a:rPr lang="tr-TR" b="0" i="1" smtClean="0">
                           <a:latin typeface="Cambria Math" panose="02040503050406030204" pitchFamily="18" charset="0"/>
                         </a:rPr>
-                        <m:t>=−</m:t>
+                        <m:t>=</m:t>
                       </m:r>
                       <m:r>
-                        <a:rPr lang="tr-TR" b="0" i="1" smtClean="0">
+                        <a:rPr lang="tr-TR" i="1">
+                          <a:latin typeface="Cambria Math" panose="02040503050406030204" pitchFamily="18" charset="0"/>
+                        </a:rPr>
+                        <m:t>−</m:t>
+                      </m:r>
+                      <m:r>
+                        <a:rPr lang="tr-TR" i="1">
                           <a:latin typeface="Cambria Math" panose="02040503050406030204" pitchFamily="18" charset="0"/>
                         </a:rPr>
                         <m:t>𝑗</m:t>
                       </m:r>
                       <m:r>
-                        <a:rPr lang="tr-TR" b="0" i="1" smtClean="0">
+                        <a:rPr lang="tr-TR" i="1">
                           <a:latin typeface="Cambria Math" panose="02040503050406030204" pitchFamily="18" charset="0"/>
                         </a:rPr>
                         <m:t>𝜔</m:t>
@@ -21011,14 +21677,14 @@
                       <m:sSub>
                         <m:sSubPr>
                           <m:ctrlPr>
-                            <a:rPr lang="tr-TR" b="0" i="1" smtClean="0">
+                            <a:rPr lang="tr-TR" i="1">
                               <a:latin typeface="Cambria Math" panose="02040503050406030204" pitchFamily="18" charset="0"/>
                             </a:rPr>
                           </m:ctrlPr>
                         </m:sSubPr>
                         <m:e>
                           <m:r>
-                            <a:rPr lang="tr-TR" b="0" i="1" smtClean="0">
+                            <a:rPr lang="tr-TR" i="1">
                               <a:latin typeface="Cambria Math" panose="02040503050406030204" pitchFamily="18" charset="0"/>
                             </a:rPr>
                             <m:t>𝑀</m:t>
@@ -21026,196 +21692,61 @@
                         </m:e>
                         <m:sub>
                           <m:r>
-                            <a:rPr lang="tr-TR" b="0" i="1" smtClean="0">
+                            <a:rPr lang="tr-TR" i="1">
                               <a:latin typeface="Cambria Math" panose="02040503050406030204" pitchFamily="18" charset="0"/>
                             </a:rPr>
                             <m:t>1</m:t>
                           </m:r>
                         </m:sub>
                       </m:sSub>
-                      <m:d>
-                        <m:dPr>
+                      <m:sSub>
+                        <m:sSubPr>
                           <m:ctrlPr>
-                            <a:rPr lang="tr-TR" b="0" i="1" smtClean="0">
+                            <a:rPr lang="tr-TR" i="1">
                               <a:latin typeface="Cambria Math" panose="02040503050406030204" pitchFamily="18" charset="0"/>
                             </a:rPr>
                           </m:ctrlPr>
-                        </m:dPr>
+                        </m:sSubPr>
                         <m:e>
                           <m:r>
-                            <a:rPr lang="tr-TR" b="0" i="1" smtClean="0">
+                            <a:rPr lang="tr-TR" i="1">
                               <a:latin typeface="Cambria Math" panose="02040503050406030204" pitchFamily="18" charset="0"/>
                             </a:rPr>
-                            <m:t>−</m:t>
+                            <m:t>𝑍</m:t>
+                          </m:r>
+                        </m:e>
+                        <m:sub>
+                          <m:r>
+                            <a:rPr lang="tr-TR" i="1">
+                              <a:latin typeface="Cambria Math" panose="02040503050406030204" pitchFamily="18" charset="0"/>
+                            </a:rPr>
+                            <m:t>𝑠</m:t>
                           </m:r>
                           <m:r>
-                            <a:rPr lang="tr-TR" b="0" i="1" smtClean="0">
+                            <a:rPr lang="tr-TR" i="1">
                               <a:latin typeface="Cambria Math" panose="02040503050406030204" pitchFamily="18" charset="0"/>
                             </a:rPr>
-                            <m:t>𝑗</m:t>
+                            <m:t>2</m:t>
                           </m:r>
-                          <m:r>
-                            <a:rPr lang="tr-TR" b="0" i="1" smtClean="0">
-                              <a:latin typeface="Cambria Math" panose="02040503050406030204" pitchFamily="18" charset="0"/>
-                            </a:rPr>
-                            <m:t>𝜔</m:t>
-                          </m:r>
-                          <m:sSub>
-                            <m:sSubPr>
-                              <m:ctrlPr>
-                                <a:rPr lang="tr-TR" b="0" i="1" smtClean="0">
-                                  <a:latin typeface="Cambria Math" panose="02040503050406030204" pitchFamily="18" charset="0"/>
-                                </a:rPr>
-                              </m:ctrlPr>
-                            </m:sSubPr>
-                            <m:e>
-                              <m:r>
-                                <a:rPr lang="tr-TR" b="0" i="1" smtClean="0">
-                                  <a:latin typeface="Cambria Math" panose="02040503050406030204" pitchFamily="18" charset="0"/>
-                                </a:rPr>
-                                <m:t>𝑀</m:t>
-                              </m:r>
-                            </m:e>
-                            <m:sub>
-                              <m:r>
-                                <a:rPr lang="tr-TR" b="0" i="1" smtClean="0">
-                                  <a:latin typeface="Cambria Math" panose="02040503050406030204" pitchFamily="18" charset="0"/>
-                                </a:rPr>
-                                <m:t>1</m:t>
-                              </m:r>
-                            </m:sub>
-                          </m:sSub>
-                          <m:sSub>
-                            <m:sSubPr>
-                              <m:ctrlPr>
-                                <a:rPr lang="tr-TR" b="0" i="1" smtClean="0">
-                                  <a:latin typeface="Cambria Math" panose="02040503050406030204" pitchFamily="18" charset="0"/>
-                                </a:rPr>
-                              </m:ctrlPr>
-                            </m:sSubPr>
-                            <m:e>
-                              <m:r>
-                                <a:rPr lang="tr-TR" b="0" i="1" smtClean="0">
-                                  <a:latin typeface="Cambria Math" panose="02040503050406030204" pitchFamily="18" charset="0"/>
-                                </a:rPr>
-                                <m:t>𝑍</m:t>
-                              </m:r>
-                            </m:e>
-                            <m:sub>
-                              <m:r>
-                                <a:rPr lang="tr-TR" b="0" i="1" smtClean="0">
-                                  <a:latin typeface="Cambria Math" panose="02040503050406030204" pitchFamily="18" charset="0"/>
-                                </a:rPr>
-                                <m:t>𝑠</m:t>
-                              </m:r>
-                              <m:r>
-                                <a:rPr lang="tr-TR" b="0" i="1" smtClean="0">
-                                  <a:latin typeface="Cambria Math" panose="02040503050406030204" pitchFamily="18" charset="0"/>
-                                </a:rPr>
-                                <m:t>2</m:t>
-                              </m:r>
-                            </m:sub>
-                          </m:sSub>
-                          <m:r>
-                            <a:rPr lang="tr-TR" b="0" i="1" smtClean="0">
-                              <a:latin typeface="Cambria Math" panose="02040503050406030204" pitchFamily="18" charset="0"/>
-                            </a:rPr>
-                            <m:t>+</m:t>
-                          </m:r>
-                          <m:sSup>
-                            <m:sSupPr>
-                              <m:ctrlPr>
-                                <a:rPr lang="tr-TR" b="0" i="1" smtClean="0">
-                                  <a:latin typeface="Cambria Math" panose="02040503050406030204" pitchFamily="18" charset="0"/>
-                                </a:rPr>
-                              </m:ctrlPr>
-                            </m:sSupPr>
-                            <m:e>
-                              <m:r>
-                                <a:rPr lang="tr-TR" b="0" i="1" smtClean="0">
-                                  <a:latin typeface="Cambria Math" panose="02040503050406030204" pitchFamily="18" charset="0"/>
-                                </a:rPr>
-                                <m:t>𝜔</m:t>
-                              </m:r>
-                            </m:e>
-                            <m:sup>
-                              <m:r>
-                                <a:rPr lang="tr-TR" b="0" i="1" smtClean="0">
-                                  <a:latin typeface="Cambria Math" panose="02040503050406030204" pitchFamily="18" charset="0"/>
-                                </a:rPr>
-                                <m:t>2</m:t>
-                              </m:r>
-                            </m:sup>
-                          </m:sSup>
-                          <m:sSub>
-                            <m:sSubPr>
-                              <m:ctrlPr>
-                                <a:rPr lang="tr-TR" b="0" i="1" smtClean="0">
-                                  <a:latin typeface="Cambria Math" panose="02040503050406030204" pitchFamily="18" charset="0"/>
-                                </a:rPr>
-                              </m:ctrlPr>
-                            </m:sSubPr>
-                            <m:e>
-                              <m:r>
-                                <a:rPr lang="tr-TR" b="0" i="1" smtClean="0">
-                                  <a:latin typeface="Cambria Math" panose="02040503050406030204" pitchFamily="18" charset="0"/>
-                                </a:rPr>
-                                <m:t>𝑀</m:t>
-                              </m:r>
-                            </m:e>
-                            <m:sub>
-                              <m:r>
-                                <a:rPr lang="tr-TR" b="0" i="1" smtClean="0">
-                                  <a:latin typeface="Cambria Math" panose="02040503050406030204" pitchFamily="18" charset="0"/>
-                                </a:rPr>
-                                <m:t>2</m:t>
-                              </m:r>
-                            </m:sub>
-                          </m:sSub>
-                          <m:sSub>
-                            <m:sSubPr>
-                              <m:ctrlPr>
-                                <a:rPr lang="tr-TR" b="0" i="1" smtClean="0">
-                                  <a:latin typeface="Cambria Math" panose="02040503050406030204" pitchFamily="18" charset="0"/>
-                                </a:rPr>
-                              </m:ctrlPr>
-                            </m:sSubPr>
-                            <m:e>
-                              <m:r>
-                                <a:rPr lang="tr-TR" b="0" i="1" smtClean="0">
-                                  <a:latin typeface="Cambria Math" panose="02040503050406030204" pitchFamily="18" charset="0"/>
-                                </a:rPr>
-                                <m:t>𝑀</m:t>
-                              </m:r>
-                            </m:e>
-                            <m:sub>
-                              <m:r>
-                                <a:rPr lang="tr-TR" b="0" i="1" smtClean="0">
-                                  <a:latin typeface="Cambria Math" panose="02040503050406030204" pitchFamily="18" charset="0"/>
-                                </a:rPr>
-                                <m:t>𝑠</m:t>
-                              </m:r>
-                            </m:sub>
-                          </m:sSub>
-                        </m:e>
-                      </m:d>
+                        </m:sub>
+                      </m:sSub>
                       <m:r>
-                        <a:rPr lang="tr-TR" b="0" i="1" smtClean="0">
+                        <a:rPr lang="tr-TR" i="1">
                           <a:latin typeface="Cambria Math" panose="02040503050406030204" pitchFamily="18" charset="0"/>
                         </a:rPr>
-                        <m:t>=</m:t>
+                        <m:t>+</m:t>
                       </m:r>
                       <m:sSup>
                         <m:sSupPr>
                           <m:ctrlPr>
-                            <a:rPr lang="tr-TR" b="0" i="1" smtClean="0">
+                            <a:rPr lang="tr-TR" i="1">
                               <a:latin typeface="Cambria Math" panose="02040503050406030204" pitchFamily="18" charset="0"/>
                             </a:rPr>
                           </m:ctrlPr>
                         </m:sSupPr>
                         <m:e>
                           <m:r>
-                            <a:rPr lang="tr-TR" b="0" i="1" smtClean="0">
+                            <a:rPr lang="tr-TR" i="1">
                               <a:latin typeface="Cambria Math" panose="02040503050406030204" pitchFamily="18" charset="0"/>
                             </a:rPr>
                             <m:t>𝜔</m:t>
@@ -21223,32 +21754,7 @@
                         </m:e>
                         <m:sup>
                           <m:r>
-                            <a:rPr lang="tr-TR" b="0" i="1" smtClean="0">
-                              <a:latin typeface="Cambria Math" panose="02040503050406030204" pitchFamily="18" charset="0"/>
-                            </a:rPr>
-                            <m:t>2</m:t>
-                          </m:r>
-                        </m:sup>
-                      </m:sSup>
-                      <m:sSup>
-                        <m:sSupPr>
-                          <m:ctrlPr>
-                            <a:rPr lang="tr-TR" b="0" i="1" smtClean="0">
-                              <a:latin typeface="Cambria Math" panose="02040503050406030204" pitchFamily="18" charset="0"/>
-                            </a:rPr>
-                          </m:ctrlPr>
-                        </m:sSupPr>
-                        <m:e>
-                          <m:r>
-                            <a:rPr lang="tr-TR" b="0" i="1" smtClean="0">
-                              <a:latin typeface="Cambria Math" panose="02040503050406030204" pitchFamily="18" charset="0"/>
-                            </a:rPr>
-                            <m:t>𝑀</m:t>
-                          </m:r>
-                        </m:e>
-                        <m:sup>
-                          <m:r>
-                            <a:rPr lang="tr-TR" b="0" i="1" smtClean="0">
+                            <a:rPr lang="tr-TR" i="1">
                               <a:latin typeface="Cambria Math" panose="02040503050406030204" pitchFamily="18" charset="0"/>
                             </a:rPr>
                             <m:t>2</m:t>
@@ -21258,76 +21764,14 @@
                       <m:sSub>
                         <m:sSubPr>
                           <m:ctrlPr>
-                            <a:rPr lang="tr-TR" b="0" i="1" smtClean="0">
+                            <a:rPr lang="tr-TR" i="1">
                               <a:latin typeface="Cambria Math" panose="02040503050406030204" pitchFamily="18" charset="0"/>
                             </a:rPr>
                           </m:ctrlPr>
                         </m:sSubPr>
                         <m:e>
                           <m:r>
-                            <a:rPr lang="tr-TR" b="0" i="1" smtClean="0">
-                              <a:latin typeface="Cambria Math" panose="02040503050406030204" pitchFamily="18" charset="0"/>
-                            </a:rPr>
-                            <m:t>𝑍</m:t>
-                          </m:r>
-                        </m:e>
-                        <m:sub>
-                          <m:r>
-                            <a:rPr lang="tr-TR" b="0" i="1" smtClean="0">
-                              <a:latin typeface="Cambria Math" panose="02040503050406030204" pitchFamily="18" charset="0"/>
-                            </a:rPr>
-                            <m:t>𝑠</m:t>
-                          </m:r>
-                        </m:sub>
-                      </m:sSub>
-                      <m:r>
-                        <a:rPr lang="tr-TR" b="0" i="1" smtClean="0">
-                          <a:latin typeface="Cambria Math" panose="02040503050406030204" pitchFamily="18" charset="0"/>
-                        </a:rPr>
-                        <m:t>−</m:t>
-                      </m:r>
-                      <m:r>
-                        <a:rPr lang="tr-TR" b="0" i="1" smtClean="0">
-                          <a:latin typeface="Cambria Math" panose="02040503050406030204" pitchFamily="18" charset="0"/>
-                        </a:rPr>
-                        <m:t>𝑗</m:t>
-                      </m:r>
-                      <m:sSup>
-                        <m:sSupPr>
-                          <m:ctrlPr>
-                            <a:rPr lang="tr-TR" b="0" i="1" smtClean="0">
-                              <a:latin typeface="Cambria Math" panose="02040503050406030204" pitchFamily="18" charset="0"/>
-                            </a:rPr>
-                          </m:ctrlPr>
-                        </m:sSupPr>
-                        <m:e>
-                          <m:r>
-                            <a:rPr lang="tr-TR" b="0" i="1" smtClean="0">
-                              <a:latin typeface="Cambria Math" panose="02040503050406030204" pitchFamily="18" charset="0"/>
-                            </a:rPr>
-                            <m:t>𝜔</m:t>
-                          </m:r>
-                        </m:e>
-                        <m:sup>
-                          <m:r>
-                            <a:rPr lang="tr-TR" b="0" i="1" smtClean="0">
-                              <a:latin typeface="Cambria Math" panose="02040503050406030204" pitchFamily="18" charset="0"/>
-                            </a:rPr>
-                            <m:t>3</m:t>
-                          </m:r>
-                        </m:sup>
-                      </m:sSup>
-                      <m:sSub>
-                        <m:sSubPr>
-                          <m:ctrlPr>
-                            <a:rPr lang="tr-TR" b="0" i="1" smtClean="0">
-                              <a:latin typeface="Cambria Math" panose="02040503050406030204" pitchFamily="18" charset="0"/>
-                            </a:rPr>
-                          </m:ctrlPr>
-                        </m:sSubPr>
-                        <m:e>
-                          <m:r>
-                            <a:rPr lang="tr-TR" b="0" i="1" smtClean="0">
+                            <a:rPr lang="tr-TR" i="1">
                               <a:latin typeface="Cambria Math" panose="02040503050406030204" pitchFamily="18" charset="0"/>
                             </a:rPr>
                             <m:t>𝑀</m:t>
@@ -21335,32 +21779,7 @@
                         </m:e>
                         <m:sub>
                           <m:r>
-                            <a:rPr lang="tr-TR" b="0" i="1" smtClean="0">
-                              <a:latin typeface="Cambria Math" panose="02040503050406030204" pitchFamily="18" charset="0"/>
-                            </a:rPr>
-                            <m:t>1</m:t>
-                          </m:r>
-                        </m:sub>
-                      </m:sSub>
-                      <m:sSub>
-                        <m:sSubPr>
-                          <m:ctrlPr>
-                            <a:rPr lang="tr-TR" b="0" i="1" smtClean="0">
-                              <a:latin typeface="Cambria Math" panose="02040503050406030204" pitchFamily="18" charset="0"/>
-                            </a:rPr>
-                          </m:ctrlPr>
-                        </m:sSubPr>
-                        <m:e>
-                          <m:r>
-                            <a:rPr lang="tr-TR" b="0" i="1" smtClean="0">
-                              <a:latin typeface="Cambria Math" panose="02040503050406030204" pitchFamily="18" charset="0"/>
-                            </a:rPr>
-                            <m:t>𝑀</m:t>
-                          </m:r>
-                        </m:e>
-                        <m:sub>
-                          <m:r>
-                            <a:rPr lang="tr-TR" b="0" i="1" smtClean="0">
+                            <a:rPr lang="tr-TR" i="1">
                               <a:latin typeface="Cambria Math" panose="02040503050406030204" pitchFamily="18" charset="0"/>
                             </a:rPr>
                             <m:t>2</m:t>
@@ -21370,14 +21789,14 @@
                       <m:sSub>
                         <m:sSubPr>
                           <m:ctrlPr>
-                            <a:rPr lang="tr-TR" b="0" i="1" smtClean="0">
+                            <a:rPr lang="tr-TR" i="1">
                               <a:latin typeface="Cambria Math" panose="02040503050406030204" pitchFamily="18" charset="0"/>
                             </a:rPr>
                           </m:ctrlPr>
                         </m:sSubPr>
                         <m:e>
                           <m:r>
-                            <a:rPr lang="tr-TR" b="0" i="1" smtClean="0">
+                            <a:rPr lang="tr-TR" i="1">
                               <a:latin typeface="Cambria Math" panose="02040503050406030204" pitchFamily="18" charset="0"/>
                             </a:rPr>
                             <m:t>𝑀</m:t>
@@ -21385,7 +21804,7 @@
                         </m:e>
                         <m:sub>
                           <m:r>
-                            <a:rPr lang="tr-TR" b="0" i="1" smtClean="0">
+                            <a:rPr lang="tr-TR" i="1">
                               <a:latin typeface="Cambria Math" panose="02040503050406030204" pitchFamily="18" charset="0"/>
                             </a:rPr>
                             <m:t>𝑠</m:t>
@@ -21417,8 +21836,8 @@
             </p:nvSpPr>
             <p:spPr>
               <a:xfrm>
-                <a:off x="739693" y="2806179"/>
-                <a:ext cx="6475106" cy="276999"/>
+                <a:off x="1352177" y="2744511"/>
+                <a:ext cx="2812308" cy="276999"/>
               </a:xfrm>
               <a:prstGeom prst="rect">
                 <a:avLst/>
@@ -21426,7 +21845,7 @@
               <a:blipFill>
                 <a:blip r:embed="rId4"/>
                 <a:stretch>
-                  <a:fillRect t="-4348" b="-32609"/>
+                  <a:fillRect l="-868" t="-4348" b="-32609"/>
                 </a:stretch>
               </a:blipFill>
             </p:spPr>
@@ -21445,8 +21864,8 @@
           </p:sp>
         </mc:Fallback>
       </mc:AlternateContent>
-      <mc:AlternateContent xmlns:mc="http://schemas.openxmlformats.org/markup-compatibility/2006">
-        <mc:Choice xmlns:a14="http://schemas.microsoft.com/office/drawing/2010/main" Requires="a14">
+      <mc:AlternateContent xmlns:mc="http://schemas.openxmlformats.org/markup-compatibility/2006" xmlns:a14="http://schemas.microsoft.com/office/drawing/2010/main">
+        <mc:Choice Requires="a14">
           <p:graphicFrame>
             <p:nvGraphicFramePr>
               <p:cNvPr id="9" name="Table 8">
@@ -22179,7 +22598,7 @@
             </a:graphic>
           </p:graphicFrame>
         </mc:Choice>
-        <mc:Fallback>
+        <mc:Fallback xmlns="">
           <p:graphicFrame>
             <p:nvGraphicFramePr>
               <p:cNvPr id="9" name="Table 8">
@@ -22786,8 +23205,8 @@
             </p:nvSpPr>
             <p:spPr>
               <a:xfrm>
-                <a:off x="850878" y="3258132"/>
-                <a:ext cx="6274346" cy="276999"/>
+                <a:off x="1352177" y="3176442"/>
+                <a:ext cx="2812308" cy="276999"/>
               </a:xfrm>
               <a:prstGeom prst="rect">
                 <a:avLst/>
@@ -22800,6 +23219,7 @@
               </a:bodyPr>
               <a:lstStyle/>
               <a:p>
+                <a:pPr/>
                 <a14:m>
                   <m:oMathPara xmlns:m="http://schemas.openxmlformats.org/officeDocument/2006/math">
                     <m:oMathParaPr>
@@ -22835,228 +23255,25 @@
                         <a:rPr lang="tr-TR" b="0" i="1" smtClean="0">
                           <a:latin typeface="Cambria Math" panose="02040503050406030204" pitchFamily="18" charset="0"/>
                         </a:rPr>
-                        <m:t>=−</m:t>
+                        <m:t>=</m:t>
                       </m:r>
                       <m:r>
-                        <a:rPr lang="tr-TR" b="0" i="1" smtClean="0">
+                        <a:rPr lang="tr-TR" i="1">
                           <a:latin typeface="Cambria Math" panose="02040503050406030204" pitchFamily="18" charset="0"/>
                         </a:rPr>
-                        <m:t>𝑗</m:t>
-                      </m:r>
-                      <m:r>
-                        <a:rPr lang="tr-TR" b="0" i="1" smtClean="0">
-                          <a:latin typeface="Cambria Math" panose="02040503050406030204" pitchFamily="18" charset="0"/>
-                        </a:rPr>
-                        <m:t>𝜔</m:t>
-                      </m:r>
-                      <m:sSub>
-                        <m:sSubPr>
-                          <m:ctrlPr>
-                            <a:rPr lang="tr-TR" b="0" i="1" smtClean="0">
-                              <a:latin typeface="Cambria Math" panose="02040503050406030204" pitchFamily="18" charset="0"/>
-                            </a:rPr>
-                          </m:ctrlPr>
-                        </m:sSubPr>
-                        <m:e>
-                          <m:r>
-                            <a:rPr lang="tr-TR" b="0" i="1" smtClean="0">
-                              <a:latin typeface="Cambria Math" panose="02040503050406030204" pitchFamily="18" charset="0"/>
-                            </a:rPr>
-                            <m:t>𝑀</m:t>
-                          </m:r>
-                        </m:e>
-                        <m:sub>
-                          <m:r>
-                            <a:rPr lang="tr-TR" b="0" i="1" smtClean="0">
-                              <a:latin typeface="Cambria Math" panose="02040503050406030204" pitchFamily="18" charset="0"/>
-                            </a:rPr>
-                            <m:t>2</m:t>
-                          </m:r>
-                        </m:sub>
-                      </m:sSub>
-                      <m:d>
-                        <m:dPr>
-                          <m:ctrlPr>
-                            <a:rPr lang="tr-TR" b="0" i="1" smtClean="0">
-                              <a:latin typeface="Cambria Math" panose="02040503050406030204" pitchFamily="18" charset="0"/>
-                            </a:rPr>
-                          </m:ctrlPr>
-                        </m:dPr>
-                        <m:e>
-                          <m:r>
-                            <a:rPr lang="tr-TR" b="0" i="1" smtClean="0">
-                              <a:latin typeface="Cambria Math" panose="02040503050406030204" pitchFamily="18" charset="0"/>
-                            </a:rPr>
-                            <m:t>−</m:t>
-                          </m:r>
-                          <m:r>
-                            <a:rPr lang="tr-TR" b="0" i="1" smtClean="0">
-                              <a:latin typeface="Cambria Math" panose="02040503050406030204" pitchFamily="18" charset="0"/>
-                            </a:rPr>
-                            <m:t>𝑗</m:t>
-                          </m:r>
-                          <m:r>
-                            <a:rPr lang="tr-TR" b="0" i="1" smtClean="0">
-                              <a:latin typeface="Cambria Math" panose="02040503050406030204" pitchFamily="18" charset="0"/>
-                            </a:rPr>
-                            <m:t>𝜔</m:t>
-                          </m:r>
-                          <m:sSub>
-                            <m:sSubPr>
-                              <m:ctrlPr>
-                                <a:rPr lang="tr-TR" b="0" i="1" smtClean="0">
-                                  <a:latin typeface="Cambria Math" panose="02040503050406030204" pitchFamily="18" charset="0"/>
-                                </a:rPr>
-                              </m:ctrlPr>
-                            </m:sSubPr>
-                            <m:e>
-                              <m:r>
-                                <a:rPr lang="tr-TR" b="0" i="1" smtClean="0">
-                                  <a:latin typeface="Cambria Math" panose="02040503050406030204" pitchFamily="18" charset="0"/>
-                                </a:rPr>
-                                <m:t>𝑀</m:t>
-                              </m:r>
-                            </m:e>
-                            <m:sub>
-                              <m:r>
-                                <a:rPr lang="tr-TR" b="0" i="1" smtClean="0">
-                                  <a:latin typeface="Cambria Math" panose="02040503050406030204" pitchFamily="18" charset="0"/>
-                                </a:rPr>
-                                <m:t>2</m:t>
-                              </m:r>
-                            </m:sub>
-                          </m:sSub>
-                          <m:sSub>
-                            <m:sSubPr>
-                              <m:ctrlPr>
-                                <a:rPr lang="tr-TR" b="0" i="1" smtClean="0">
-                                  <a:latin typeface="Cambria Math" panose="02040503050406030204" pitchFamily="18" charset="0"/>
-                                </a:rPr>
-                              </m:ctrlPr>
-                            </m:sSubPr>
-                            <m:e>
-                              <m:r>
-                                <a:rPr lang="tr-TR" b="0" i="1" smtClean="0">
-                                  <a:latin typeface="Cambria Math" panose="02040503050406030204" pitchFamily="18" charset="0"/>
-                                </a:rPr>
-                                <m:t>𝑍</m:t>
-                              </m:r>
-                            </m:e>
-                            <m:sub>
-                              <m:r>
-                                <a:rPr lang="tr-TR" b="0" i="1" smtClean="0">
-                                  <a:latin typeface="Cambria Math" panose="02040503050406030204" pitchFamily="18" charset="0"/>
-                                </a:rPr>
-                                <m:t>𝑠</m:t>
-                              </m:r>
-                              <m:r>
-                                <a:rPr lang="tr-TR" b="0" i="1" smtClean="0">
-                                  <a:latin typeface="Cambria Math" panose="02040503050406030204" pitchFamily="18" charset="0"/>
-                                </a:rPr>
-                                <m:t>1</m:t>
-                              </m:r>
-                            </m:sub>
-                          </m:sSub>
-                          <m:r>
-                            <a:rPr lang="tr-TR" b="0" i="1" smtClean="0">
-                              <a:latin typeface="Cambria Math" panose="02040503050406030204" pitchFamily="18" charset="0"/>
-                            </a:rPr>
-                            <m:t>+</m:t>
-                          </m:r>
-                          <m:sSup>
-                            <m:sSupPr>
-                              <m:ctrlPr>
-                                <a:rPr lang="tr-TR" b="0" i="1" smtClean="0">
-                                  <a:latin typeface="Cambria Math" panose="02040503050406030204" pitchFamily="18" charset="0"/>
-                                </a:rPr>
-                              </m:ctrlPr>
-                            </m:sSupPr>
-                            <m:e>
-                              <m:r>
-                                <a:rPr lang="tr-TR" b="0" i="1" smtClean="0">
-                                  <a:latin typeface="Cambria Math" panose="02040503050406030204" pitchFamily="18" charset="0"/>
-                                </a:rPr>
-                                <m:t>𝜔</m:t>
-                              </m:r>
-                            </m:e>
-                            <m:sup>
-                              <m:r>
-                                <a:rPr lang="tr-TR" b="0" i="1" smtClean="0">
-                                  <a:latin typeface="Cambria Math" panose="02040503050406030204" pitchFamily="18" charset="0"/>
-                                </a:rPr>
-                                <m:t>2</m:t>
-                              </m:r>
-                            </m:sup>
-                          </m:sSup>
-                          <m:sSub>
-                            <m:sSubPr>
-                              <m:ctrlPr>
-                                <a:rPr lang="tr-TR" b="0" i="1" smtClean="0">
-                                  <a:latin typeface="Cambria Math" panose="02040503050406030204" pitchFamily="18" charset="0"/>
-                                </a:rPr>
-                              </m:ctrlPr>
-                            </m:sSubPr>
-                            <m:e>
-                              <m:r>
-                                <a:rPr lang="tr-TR" b="0" i="1" smtClean="0">
-                                  <a:latin typeface="Cambria Math" panose="02040503050406030204" pitchFamily="18" charset="0"/>
-                                </a:rPr>
-                                <m:t>𝑀</m:t>
-                              </m:r>
-                            </m:e>
-                            <m:sub>
-                              <m:r>
-                                <a:rPr lang="tr-TR" b="0" i="1" smtClean="0">
-                                  <a:latin typeface="Cambria Math" panose="02040503050406030204" pitchFamily="18" charset="0"/>
-                                </a:rPr>
-                                <m:t>1</m:t>
-                              </m:r>
-                            </m:sub>
-                          </m:sSub>
-                          <m:sSub>
-                            <m:sSubPr>
-                              <m:ctrlPr>
-                                <a:rPr lang="tr-TR" b="0" i="1" smtClean="0">
-                                  <a:latin typeface="Cambria Math" panose="02040503050406030204" pitchFamily="18" charset="0"/>
-                                </a:rPr>
-                              </m:ctrlPr>
-                            </m:sSubPr>
-                            <m:e>
-                              <m:r>
-                                <a:rPr lang="tr-TR" b="0" i="1" smtClean="0">
-                                  <a:latin typeface="Cambria Math" panose="02040503050406030204" pitchFamily="18" charset="0"/>
-                                </a:rPr>
-                                <m:t>𝑀</m:t>
-                              </m:r>
-                            </m:e>
-                            <m:sub>
-                              <m:r>
-                                <a:rPr lang="tr-TR" b="0" i="1" smtClean="0">
-                                  <a:latin typeface="Cambria Math" panose="02040503050406030204" pitchFamily="18" charset="0"/>
-                                </a:rPr>
-                                <m:t>𝑠</m:t>
-                              </m:r>
-                            </m:sub>
-                          </m:sSub>
-                        </m:e>
-                      </m:d>
-                      <m:r>
-                        <a:rPr lang="tr-TR" b="0" i="1" smtClean="0">
-                          <a:latin typeface="Cambria Math" panose="02040503050406030204" pitchFamily="18" charset="0"/>
-                        </a:rPr>
-                        <m:t>=</m:t>
+                        <m:t>−</m:t>
                       </m:r>
                       <m:sSup>
                         <m:sSupPr>
                           <m:ctrlPr>
-                            <a:rPr lang="tr-TR" b="0" i="1" smtClean="0">
+                            <a:rPr lang="tr-TR" i="1">
                               <a:latin typeface="Cambria Math" panose="02040503050406030204" pitchFamily="18" charset="0"/>
                             </a:rPr>
                           </m:ctrlPr>
                         </m:sSupPr>
                         <m:e>
                           <m:r>
-                            <a:rPr lang="tr-TR" b="0" i="1" smtClean="0">
+                            <a:rPr lang="tr-TR" i="1">
                               <a:latin typeface="Cambria Math" panose="02040503050406030204" pitchFamily="18" charset="0"/>
                             </a:rPr>
                             <m:t>𝜔</m:t>
@@ -23064,32 +23281,7 @@
                         </m:e>
                         <m:sup>
                           <m:r>
-                            <a:rPr lang="tr-TR" b="0" i="1" smtClean="0">
-                              <a:latin typeface="Cambria Math" panose="02040503050406030204" pitchFamily="18" charset="0"/>
-                            </a:rPr>
-                            <m:t>2</m:t>
-                          </m:r>
-                        </m:sup>
-                      </m:sSup>
-                      <m:sSup>
-                        <m:sSupPr>
-                          <m:ctrlPr>
-                            <a:rPr lang="tr-TR" b="0" i="1" smtClean="0">
-                              <a:latin typeface="Cambria Math" panose="02040503050406030204" pitchFamily="18" charset="0"/>
-                            </a:rPr>
-                          </m:ctrlPr>
-                        </m:sSupPr>
-                        <m:e>
-                          <m:r>
-                            <a:rPr lang="tr-TR" b="0" i="1" smtClean="0">
-                              <a:latin typeface="Cambria Math" panose="02040503050406030204" pitchFamily="18" charset="0"/>
-                            </a:rPr>
-                            <m:t>𝑀</m:t>
-                          </m:r>
-                        </m:e>
-                        <m:sup>
-                          <m:r>
-                            <a:rPr lang="tr-TR" b="0" i="1" smtClean="0">
+                            <a:rPr lang="tr-TR" i="1">
                               <a:latin typeface="Cambria Math" panose="02040503050406030204" pitchFamily="18" charset="0"/>
                             </a:rPr>
                             <m:t>2</m:t>
@@ -23099,76 +23291,14 @@
                       <m:sSub>
                         <m:sSubPr>
                           <m:ctrlPr>
-                            <a:rPr lang="tr-TR" b="0" i="1" smtClean="0">
+                            <a:rPr lang="tr-TR" i="1">
                               <a:latin typeface="Cambria Math" panose="02040503050406030204" pitchFamily="18" charset="0"/>
                             </a:rPr>
                           </m:ctrlPr>
                         </m:sSubPr>
                         <m:e>
                           <m:r>
-                            <a:rPr lang="tr-TR" b="0" i="1" smtClean="0">
-                              <a:latin typeface="Cambria Math" panose="02040503050406030204" pitchFamily="18" charset="0"/>
-                            </a:rPr>
-                            <m:t>𝑍</m:t>
-                          </m:r>
-                        </m:e>
-                        <m:sub>
-                          <m:r>
-                            <a:rPr lang="tr-TR" b="0" i="1" smtClean="0">
-                              <a:latin typeface="Cambria Math" panose="02040503050406030204" pitchFamily="18" charset="0"/>
-                            </a:rPr>
-                            <m:t>𝑠</m:t>
-                          </m:r>
-                        </m:sub>
-                      </m:sSub>
-                      <m:r>
-                        <a:rPr lang="tr-TR" b="0" i="1" smtClean="0">
-                          <a:latin typeface="Cambria Math" panose="02040503050406030204" pitchFamily="18" charset="0"/>
-                        </a:rPr>
-                        <m:t>−</m:t>
-                      </m:r>
-                      <m:r>
-                        <a:rPr lang="tr-TR" b="0" i="1" smtClean="0">
-                          <a:latin typeface="Cambria Math" panose="02040503050406030204" pitchFamily="18" charset="0"/>
-                        </a:rPr>
-                        <m:t>𝑗</m:t>
-                      </m:r>
-                      <m:sSup>
-                        <m:sSupPr>
-                          <m:ctrlPr>
-                            <a:rPr lang="tr-TR" b="0" i="1" smtClean="0">
-                              <a:latin typeface="Cambria Math" panose="02040503050406030204" pitchFamily="18" charset="0"/>
-                            </a:rPr>
-                          </m:ctrlPr>
-                        </m:sSupPr>
-                        <m:e>
-                          <m:r>
-                            <a:rPr lang="tr-TR" b="0" i="1" smtClean="0">
-                              <a:latin typeface="Cambria Math" panose="02040503050406030204" pitchFamily="18" charset="0"/>
-                            </a:rPr>
-                            <m:t>𝜔</m:t>
-                          </m:r>
-                        </m:e>
-                        <m:sup>
-                          <m:r>
-                            <a:rPr lang="tr-TR" b="0" i="1" smtClean="0">
-                              <a:latin typeface="Cambria Math" panose="02040503050406030204" pitchFamily="18" charset="0"/>
-                            </a:rPr>
-                            <m:t>3</m:t>
-                          </m:r>
-                        </m:sup>
-                      </m:sSup>
-                      <m:sSub>
-                        <m:sSubPr>
-                          <m:ctrlPr>
-                            <a:rPr lang="tr-TR" b="0" i="1" smtClean="0">
-                              <a:latin typeface="Cambria Math" panose="02040503050406030204" pitchFamily="18" charset="0"/>
-                            </a:rPr>
-                          </m:ctrlPr>
-                        </m:sSubPr>
-                        <m:e>
-                          <m:r>
-                            <a:rPr lang="tr-TR" b="0" i="1" smtClean="0">
+                            <a:rPr lang="tr-TR" i="1">
                               <a:latin typeface="Cambria Math" panose="02040503050406030204" pitchFamily="18" charset="0"/>
                             </a:rPr>
                             <m:t>𝑀</m:t>
@@ -23176,7 +23306,7 @@
                         </m:e>
                         <m:sub>
                           <m:r>
-                            <a:rPr lang="tr-TR" b="0" i="1" smtClean="0">
+                            <a:rPr lang="tr-TR" i="1">
                               <a:latin typeface="Cambria Math" panose="02040503050406030204" pitchFamily="18" charset="0"/>
                             </a:rPr>
                             <m:t>1</m:t>
@@ -23186,14 +23316,14 @@
                       <m:sSub>
                         <m:sSubPr>
                           <m:ctrlPr>
-                            <a:rPr lang="tr-TR" b="0" i="1" smtClean="0">
+                            <a:rPr lang="tr-TR" i="1">
                               <a:latin typeface="Cambria Math" panose="02040503050406030204" pitchFamily="18" charset="0"/>
                             </a:rPr>
                           </m:ctrlPr>
                         </m:sSubPr>
                         <m:e>
                           <m:r>
-                            <a:rPr lang="tr-TR" b="0" i="1" smtClean="0">
+                            <a:rPr lang="tr-TR" i="1">
                               <a:latin typeface="Cambria Math" panose="02040503050406030204" pitchFamily="18" charset="0"/>
                             </a:rPr>
                             <m:t>𝑀</m:t>
@@ -23201,7 +23331,50 @@
                         </m:e>
                         <m:sub>
                           <m:r>
-                            <a:rPr lang="tr-TR" b="0" i="1" smtClean="0">
+                            <a:rPr lang="tr-TR" i="1">
+                              <a:latin typeface="Cambria Math" panose="02040503050406030204" pitchFamily="18" charset="0"/>
+                            </a:rPr>
+                            <m:t>𝑠</m:t>
+                          </m:r>
+                        </m:sub>
+                      </m:sSub>
+                      <m:r>
+                        <a:rPr lang="tr-TR" i="1">
+                          <a:latin typeface="Cambria Math" panose="02040503050406030204" pitchFamily="18" charset="0"/>
+                        </a:rPr>
+                        <m:t>+</m:t>
+                      </m:r>
+                      <m:r>
+                        <a:rPr lang="tr-TR" i="1">
+                          <a:latin typeface="Cambria Math" panose="02040503050406030204" pitchFamily="18" charset="0"/>
+                        </a:rPr>
+                        <m:t>𝑗</m:t>
+                      </m:r>
+                      <m:r>
+                        <a:rPr lang="tr-TR" i="1">
+                          <a:latin typeface="Cambria Math" panose="02040503050406030204" pitchFamily="18" charset="0"/>
+                        </a:rPr>
+                        <m:t>𝜔</m:t>
+                      </m:r>
+                      <m:sSub>
+                        <m:sSubPr>
+                          <m:ctrlPr>
+                            <a:rPr lang="tr-TR" i="1">
+                              <a:latin typeface="Cambria Math" panose="02040503050406030204" pitchFamily="18" charset="0"/>
+                            </a:rPr>
+                          </m:ctrlPr>
+                        </m:sSubPr>
+                        <m:e>
+                          <m:r>
+                            <a:rPr lang="tr-TR" i="1">
+                              <a:latin typeface="Cambria Math" panose="02040503050406030204" pitchFamily="18" charset="0"/>
+                            </a:rPr>
+                            <m:t>𝑀</m:t>
+                          </m:r>
+                        </m:e>
+                        <m:sub>
+                          <m:r>
+                            <a:rPr lang="tr-TR" i="1">
                               <a:latin typeface="Cambria Math" panose="02040503050406030204" pitchFamily="18" charset="0"/>
                             </a:rPr>
                             <m:t>2</m:t>
@@ -23211,25 +23384,31 @@
                       <m:sSub>
                         <m:sSubPr>
                           <m:ctrlPr>
-                            <a:rPr lang="tr-TR" b="0" i="1" smtClean="0">
+                            <a:rPr lang="tr-TR" i="1">
                               <a:latin typeface="Cambria Math" panose="02040503050406030204" pitchFamily="18" charset="0"/>
                             </a:rPr>
                           </m:ctrlPr>
                         </m:sSubPr>
                         <m:e>
                           <m:r>
-                            <a:rPr lang="tr-TR" b="0" i="1" smtClean="0">
+                            <a:rPr lang="tr-TR" i="1">
                               <a:latin typeface="Cambria Math" panose="02040503050406030204" pitchFamily="18" charset="0"/>
                             </a:rPr>
-                            <m:t>𝑀</m:t>
+                            <m:t>𝑍</m:t>
                           </m:r>
                         </m:e>
                         <m:sub>
                           <m:r>
-                            <a:rPr lang="tr-TR" b="0" i="1" smtClean="0">
+                            <a:rPr lang="tr-TR" i="1">
                               <a:latin typeface="Cambria Math" panose="02040503050406030204" pitchFamily="18" charset="0"/>
                             </a:rPr>
                             <m:t>𝑠</m:t>
+                          </m:r>
+                          <m:r>
+                            <a:rPr lang="tr-TR" i="1">
+                              <a:latin typeface="Cambria Math" panose="02040503050406030204" pitchFamily="18" charset="0"/>
+                            </a:rPr>
+                            <m:t>1</m:t>
                           </m:r>
                         </m:sub>
                       </m:sSub>
@@ -23258,8 +23437,8 @@
             </p:nvSpPr>
             <p:spPr>
               <a:xfrm>
-                <a:off x="850878" y="3258132"/>
-                <a:ext cx="6274346" cy="276999"/>
+                <a:off x="1352177" y="3176442"/>
+                <a:ext cx="2812308" cy="276999"/>
               </a:xfrm>
               <a:prstGeom prst="rect">
                 <a:avLst/>
@@ -23267,7 +23446,7 @@
               <a:blipFill>
                 <a:blip r:embed="rId6"/>
                 <a:stretch>
-                  <a:fillRect l="-583" t="-4348" r="-194" b="-32609"/>
+                  <a:fillRect l="-868" t="-4348" r="-434" b="-32609"/>
                 </a:stretch>
               </a:blipFill>
             </p:spPr>
@@ -23286,8 +23465,8 @@
           </p:sp>
         </mc:Fallback>
       </mc:AlternateContent>
-      <mc:AlternateContent xmlns:mc="http://schemas.openxmlformats.org/markup-compatibility/2006">
-        <mc:Choice xmlns:a14="http://schemas.microsoft.com/office/drawing/2010/main" Requires="a14">
+      <mc:AlternateContent xmlns:mc="http://schemas.openxmlformats.org/markup-compatibility/2006" xmlns:a14="http://schemas.microsoft.com/office/drawing/2010/main">
+        <mc:Choice Requires="a14">
           <p:graphicFrame>
             <p:nvGraphicFramePr>
               <p:cNvPr id="12" name="Table 11">
@@ -24281,7 +24460,7 @@
             </a:graphic>
           </p:graphicFrame>
         </mc:Choice>
-        <mc:Fallback>
+        <mc:Fallback xmlns="">
           <p:graphicFrame>
             <p:nvGraphicFramePr>
               <p:cNvPr id="12" name="Table 11">
@@ -25086,60 +25265,4812 @@
           <a:chExt cx="0" cy="0"/>
         </a:xfrm>
       </p:grpSpPr>
-      <p:sp>
-        <p:nvSpPr>
-          <p:cNvPr id="2" name="Title 1">
+      <mc:AlternateContent xmlns:mc="http://schemas.openxmlformats.org/markup-compatibility/2006" xmlns:a14="http://schemas.microsoft.com/office/drawing/2010/main">
+        <mc:Choice Requires="a14">
+          <p:graphicFrame>
+            <p:nvGraphicFramePr>
+              <p:cNvPr id="4" name="Table 3">
+                <a:extLst>
+                  <a:ext uri="{FF2B5EF4-FFF2-40B4-BE49-F238E27FC236}">
+                    <a16:creationId xmlns:a16="http://schemas.microsoft.com/office/drawing/2014/main" id="{B5D698E7-B397-4B2D-AFAA-471E2B9447A9}"/>
+                  </a:ext>
+                </a:extLst>
+              </p:cNvPr>
+              <p:cNvGraphicFramePr>
+                <a:graphicFrameLocks noGrp="1"/>
+              </p:cNvGraphicFramePr>
+              <p:nvPr>
+                <p:extLst>
+                  <p:ext uri="{D42A27DB-BD31-4B8C-83A1-F6EECF244321}">
+                    <p14:modId xmlns:p14="http://schemas.microsoft.com/office/powerpoint/2010/main" val="1357179579"/>
+                  </p:ext>
+                </p:extLst>
+              </p:nvPr>
+            </p:nvGraphicFramePr>
+            <p:xfrm>
+              <a:off x="1404871" y="750239"/>
+              <a:ext cx="6979298" cy="1829754"/>
+            </p:xfrm>
+            <a:graphic>
+              <a:graphicData uri="http://schemas.openxmlformats.org/drawingml/2006/table">
+                <a:tbl>
+                  <a:tblPr/>
+                  <a:tblGrid>
+                    <a:gridCol w="1175657">
+                      <a:extLst>
+                        <a:ext uri="{9D8B030D-6E8A-4147-A177-3AD203B41FA5}">
+                          <a16:colId xmlns:a16="http://schemas.microsoft.com/office/drawing/2014/main" val="598287905"/>
+                        </a:ext>
+                      </a:extLst>
+                    </a:gridCol>
+                    <a:gridCol w="1218311">
+                      <a:extLst>
+                        <a:ext uri="{9D8B030D-6E8A-4147-A177-3AD203B41FA5}">
+                          <a16:colId xmlns:a16="http://schemas.microsoft.com/office/drawing/2014/main" val="3168825590"/>
+                        </a:ext>
+                      </a:extLst>
+                    </a:gridCol>
+                    <a:gridCol w="1196985">
+                      <a:extLst>
+                        <a:ext uri="{9D8B030D-6E8A-4147-A177-3AD203B41FA5}">
+                          <a16:colId xmlns:a16="http://schemas.microsoft.com/office/drawing/2014/main" val="1736775809"/>
+                        </a:ext>
+                      </a:extLst>
+                    </a:gridCol>
+                    <a:gridCol w="430541">
+                      <a:extLst>
+                        <a:ext uri="{9D8B030D-6E8A-4147-A177-3AD203B41FA5}">
+                          <a16:colId xmlns:a16="http://schemas.microsoft.com/office/drawing/2014/main" val="2087701533"/>
+                        </a:ext>
+                      </a:extLst>
+                    </a:gridCol>
+                    <a:gridCol w="1017036">
+                      <a:extLst>
+                        <a:ext uri="{9D8B030D-6E8A-4147-A177-3AD203B41FA5}">
+                          <a16:colId xmlns:a16="http://schemas.microsoft.com/office/drawing/2014/main" val="2056814148"/>
+                        </a:ext>
+                      </a:extLst>
+                    </a:gridCol>
+                    <a:gridCol w="718457">
+                      <a:extLst>
+                        <a:ext uri="{9D8B030D-6E8A-4147-A177-3AD203B41FA5}">
+                          <a16:colId xmlns:a16="http://schemas.microsoft.com/office/drawing/2014/main" val="62675339"/>
+                        </a:ext>
+                      </a:extLst>
+                    </a:gridCol>
+                    <a:gridCol w="1222311">
+                      <a:extLst>
+                        <a:ext uri="{9D8B030D-6E8A-4147-A177-3AD203B41FA5}">
+                          <a16:colId xmlns:a16="http://schemas.microsoft.com/office/drawing/2014/main" val="3971988003"/>
+                        </a:ext>
+                      </a:extLst>
+                    </a:gridCol>
+                  </a:tblGrid>
+                  <a:tr h="335975">
+                    <a:tc>
+                      <a:txBody>
+                        <a:bodyPr/>
+                        <a:lstStyle/>
+                        <a:p>
+                          <a:pPr algn="ctr"/>
+                          <a14:m>
+                            <m:oMathPara xmlns:m="http://schemas.openxmlformats.org/officeDocument/2006/math">
+                              <m:oMathParaPr>
+                                <m:jc m:val="centerGroup"/>
+                              </m:oMathParaPr>
+                              <m:oMath xmlns:m="http://schemas.openxmlformats.org/officeDocument/2006/math">
+                                <m:f>
+                                  <m:fPr>
+                                    <m:ctrlPr>
+                                      <a:rPr lang="tr-TR" b="0" i="1" smtClean="0">
+                                        <a:latin typeface="Cambria Math" panose="02040503050406030204" pitchFamily="18" charset="0"/>
+                                      </a:rPr>
+                                    </m:ctrlPr>
+                                  </m:fPr>
+                                  <m:num>
+                                    <m:sSub>
+                                      <m:sSubPr>
+                                        <m:ctrlPr>
+                                          <a:rPr lang="tr-TR" b="0" i="1" smtClean="0">
+                                            <a:latin typeface="Cambria Math" panose="02040503050406030204" pitchFamily="18" charset="0"/>
+                                          </a:rPr>
+                                        </m:ctrlPr>
+                                      </m:sSubPr>
+                                      <m:e>
+                                        <m:r>
+                                          <a:rPr lang="tr-TR" b="0" i="1" smtClean="0">
+                                            <a:latin typeface="Cambria Math" panose="02040503050406030204" pitchFamily="18" charset="0"/>
+                                          </a:rPr>
+                                          <m:t>𝑚</m:t>
+                                        </m:r>
+                                      </m:e>
+                                      <m:sub>
+                                        <m:r>
+                                          <a:rPr lang="tr-TR" b="0" i="1" smtClean="0">
+                                            <a:latin typeface="Cambria Math" panose="02040503050406030204" pitchFamily="18" charset="0"/>
+                                          </a:rPr>
+                                          <m:t>1</m:t>
+                                        </m:r>
+                                      </m:sub>
+                                    </m:sSub>
+                                  </m:num>
+                                  <m:den>
+                                    <m:r>
+                                      <m:rPr>
+                                        <m:sty m:val="p"/>
+                                      </m:rPr>
+                                      <a:rPr lang="tr-TR" b="0" i="0" smtClean="0">
+                                        <a:latin typeface="Cambria Math" panose="02040503050406030204" pitchFamily="18" charset="0"/>
+                                      </a:rPr>
+                                      <m:t>det</m:t>
+                                    </m:r>
+                                    <m:r>
+                                      <a:rPr lang="tr-TR" b="0" i="1" smtClean="0">
+                                        <a:latin typeface="Cambria Math" panose="02040503050406030204" pitchFamily="18" charset="0"/>
+                                      </a:rPr>
+                                      <m:t>⁡(</m:t>
+                                    </m:r>
+                                    <m:r>
+                                      <a:rPr lang="tr-TR" b="0" i="1" smtClean="0">
+                                        <a:latin typeface="Cambria Math" panose="02040503050406030204" pitchFamily="18" charset="0"/>
+                                      </a:rPr>
+                                      <m:t>𝑍</m:t>
+                                    </m:r>
+                                    <m:r>
+                                      <a:rPr lang="tr-TR" b="0" i="1" smtClean="0">
+                                        <a:latin typeface="Cambria Math" panose="02040503050406030204" pitchFamily="18" charset="0"/>
+                                      </a:rPr>
+                                      <m:t>)</m:t>
+                                    </m:r>
+                                  </m:den>
+                                </m:f>
+                              </m:oMath>
+                            </m:oMathPara>
+                          </a14:m>
+                          <a:endParaRPr lang="en-US" dirty="0"/>
+                        </a:p>
+                      </a:txBody>
+                      <a:tcPr>
+                        <a:lnL w="12700" cmpd="sng">
+                          <a:solidFill>
+                            <a:schemeClr val="tx1"/>
+                          </a:solidFill>
+                          <a:prstDash val="solid"/>
+                        </a:lnL>
+                        <a:lnR w="12700" cap="flat" cmpd="sng" algn="ctr">
+                          <a:solidFill>
+                            <a:schemeClr val="tx1"/>
+                          </a:solidFill>
+                          <a:prstDash val="solid"/>
+                          <a:round/>
+                          <a:headEnd type="none" w="med" len="med"/>
+                          <a:tailEnd type="none" w="med" len="med"/>
+                        </a:lnR>
+                        <a:lnT w="12700" cmpd="sng">
+                          <a:solidFill>
+                            <a:schemeClr val="tx1"/>
+                          </a:solidFill>
+                          <a:prstDash val="solid"/>
+                        </a:lnT>
+                        <a:lnB w="12700" cmpd="sng">
+                          <a:solidFill>
+                            <a:schemeClr val="tx1"/>
+                          </a:solidFill>
+                          <a:prstDash val="solid"/>
+                        </a:lnB>
+                      </a:tcPr>
+                    </a:tc>
+                    <a:tc>
+                      <a:txBody>
+                        <a:bodyPr/>
+                        <a:lstStyle/>
+                        <a:p>
+                          <a:pPr marL="0" marR="0" lvl="0" indent="0" algn="ctr" defTabSz="914400" rtl="0" eaLnBrk="1" fontAlgn="auto" latinLnBrk="0" hangingPunct="1">
+                            <a:lnSpc>
+                              <a:spcPct val="100000"/>
+                            </a:lnSpc>
+                            <a:spcBef>
+                              <a:spcPts val="0"/>
+                            </a:spcBef>
+                            <a:spcAft>
+                              <a:spcPts val="0"/>
+                            </a:spcAft>
+                            <a:buClrTx/>
+                            <a:buSzTx/>
+                            <a:buFontTx/>
+                            <a:buNone/>
+                            <a:tabLst/>
+                            <a:defRPr/>
+                          </a:pPr>
+                          <a14:m>
+                            <m:oMathPara xmlns:m="http://schemas.openxmlformats.org/officeDocument/2006/math">
+                              <m:oMathParaPr>
+                                <m:jc m:val="centerGroup"/>
+                              </m:oMathParaPr>
+                              <m:oMath xmlns:m="http://schemas.openxmlformats.org/officeDocument/2006/math">
+                                <m:r>
+                                  <a:rPr lang="tr-TR" b="0" i="1" smtClean="0">
+                                    <a:latin typeface="Cambria Math" panose="02040503050406030204" pitchFamily="18" charset="0"/>
+                                  </a:rPr>
+                                  <m:t>−</m:t>
+                                </m:r>
+                              </m:oMath>
+                            </m:oMathPara>
+                          </a14:m>
+                          <a:endParaRPr lang="en-US" dirty="0"/>
+                        </a:p>
+                      </a:txBody>
+                      <a:tcPr>
+                        <a:lnL w="12700" cmpd="sng">
+                          <a:solidFill>
+                            <a:schemeClr val="tx1"/>
+                          </a:solidFill>
+                          <a:prstDash val="solid"/>
+                        </a:lnL>
+                        <a:lnR w="12700" cap="flat" cmpd="sng" algn="ctr">
+                          <a:solidFill>
+                            <a:schemeClr val="tx1"/>
+                          </a:solidFill>
+                          <a:prstDash val="solid"/>
+                          <a:round/>
+                          <a:headEnd type="none" w="med" len="med"/>
+                          <a:tailEnd type="none" w="med" len="med"/>
+                        </a:lnR>
+                        <a:lnT w="12700" cmpd="sng">
+                          <a:solidFill>
+                            <a:schemeClr val="tx1"/>
+                          </a:solidFill>
+                          <a:prstDash val="solid"/>
+                        </a:lnT>
+                        <a:lnB w="12700" cap="flat" cmpd="sng" algn="ctr">
+                          <a:solidFill>
+                            <a:schemeClr val="tx1"/>
+                          </a:solidFill>
+                          <a:prstDash val="solid"/>
+                          <a:round/>
+                          <a:headEnd type="none" w="med" len="med"/>
+                          <a:tailEnd type="none" w="med" len="med"/>
+                        </a:lnB>
+                      </a:tcPr>
+                    </a:tc>
+                    <a:tc>
+                      <a:txBody>
+                        <a:bodyPr/>
+                        <a:lstStyle/>
+                        <a:p>
+                          <a:pPr marL="0" marR="0" lvl="0" indent="0" algn="ctr" defTabSz="914400" rtl="0" eaLnBrk="1" fontAlgn="auto" latinLnBrk="0" hangingPunct="1">
+                            <a:lnSpc>
+                              <a:spcPct val="100000"/>
+                            </a:lnSpc>
+                            <a:spcBef>
+                              <a:spcPts val="0"/>
+                            </a:spcBef>
+                            <a:spcAft>
+                              <a:spcPts val="0"/>
+                            </a:spcAft>
+                            <a:buClrTx/>
+                            <a:buSzTx/>
+                            <a:buFontTx/>
+                            <a:buNone/>
+                            <a:tabLst/>
+                            <a:defRPr/>
+                          </a:pPr>
+                          <a14:m>
+                            <m:oMathPara xmlns:m="http://schemas.openxmlformats.org/officeDocument/2006/math">
+                              <m:oMathParaPr>
+                                <m:jc m:val="centerGroup"/>
+                              </m:oMathParaPr>
+                              <m:oMath xmlns:m="http://schemas.openxmlformats.org/officeDocument/2006/math">
+                                <m:r>
+                                  <a:rPr lang="tr-TR" b="0" i="1" smtClean="0">
+                                    <a:latin typeface="Cambria Math" panose="02040503050406030204" pitchFamily="18" charset="0"/>
+                                  </a:rPr>
+                                  <m:t>−</m:t>
+                                </m:r>
+                              </m:oMath>
+                            </m:oMathPara>
+                          </a14:m>
+                          <a:endParaRPr lang="en-US" dirty="0"/>
+                        </a:p>
+                      </a:txBody>
+                      <a:tcPr>
+                        <a:lnL w="12700" cmpd="sng">
+                          <a:solidFill>
+                            <a:schemeClr val="tx1"/>
+                          </a:solidFill>
+                          <a:prstDash val="solid"/>
+                        </a:lnL>
+                        <a:lnR w="12700" cap="flat" cmpd="sng" algn="ctr">
+                          <a:solidFill>
+                            <a:schemeClr val="tx1"/>
+                          </a:solidFill>
+                          <a:prstDash val="solid"/>
+                          <a:round/>
+                          <a:headEnd type="none" w="med" len="med"/>
+                          <a:tailEnd type="none" w="med" len="med"/>
+                        </a:lnR>
+                        <a:lnT w="12700" cmpd="sng">
+                          <a:solidFill>
+                            <a:schemeClr val="tx1"/>
+                          </a:solidFill>
+                          <a:prstDash val="solid"/>
+                        </a:lnT>
+                        <a:lnB w="12700" cap="flat" cmpd="sng" algn="ctr">
+                          <a:solidFill>
+                            <a:schemeClr val="tx1"/>
+                          </a:solidFill>
+                          <a:prstDash val="solid"/>
+                          <a:round/>
+                          <a:headEnd type="none" w="med" len="med"/>
+                          <a:tailEnd type="none" w="med" len="med"/>
+                        </a:lnB>
+                      </a:tcPr>
+                    </a:tc>
+                    <a:tc>
+                      <a:txBody>
+                        <a:bodyPr/>
+                        <a:lstStyle/>
+                        <a:p>
+                          <a:pPr algn="ctr"/>
+                          <a:endParaRPr lang="en-US" dirty="0"/>
+                        </a:p>
+                      </a:txBody>
+                      <a:tcPr>
+                        <a:lnL w="12700" cap="flat" cmpd="sng" algn="ctr">
+                          <a:solidFill>
+                            <a:schemeClr val="tx1"/>
+                          </a:solidFill>
+                          <a:prstDash val="solid"/>
+                          <a:round/>
+                          <a:headEnd type="none" w="med" len="med"/>
+                          <a:tailEnd type="none" w="med" len="med"/>
+                        </a:lnL>
+                        <a:lnR w="12700" cap="flat" cmpd="sng" algn="ctr">
+                          <a:solidFill>
+                            <a:schemeClr val="tx1"/>
+                          </a:solidFill>
+                          <a:prstDash val="solid"/>
+                          <a:round/>
+                          <a:headEnd type="none" w="med" len="med"/>
+                          <a:tailEnd type="none" w="med" len="med"/>
+                        </a:lnR>
+                        <a:lnT w="12700" cmpd="sng">
+                          <a:noFill/>
+                          <a:prstDash val="solid"/>
+                        </a:lnT>
+                        <a:lnB w="12700" cap="flat" cmpd="sng" algn="ctr">
+                          <a:noFill/>
+                          <a:prstDash val="solid"/>
+                          <a:round/>
+                          <a:headEnd type="none" w="med" len="med"/>
+                          <a:tailEnd type="none" w="med" len="med"/>
+                        </a:lnB>
+                        <a:lnTlToBr w="12700" cmpd="sng">
+                          <a:noFill/>
+                          <a:prstDash val="solid"/>
+                        </a:lnTlToBr>
+                        <a:lnBlToTr w="12700" cmpd="sng">
+                          <a:noFill/>
+                          <a:prstDash val="solid"/>
+                        </a:lnBlToTr>
+                      </a:tcPr>
+                    </a:tc>
+                    <a:tc>
+                      <a:txBody>
+                        <a:bodyPr/>
+                        <a:lstStyle/>
+                        <a:p>
+                          <a:pPr marL="0" marR="0" lvl="0" indent="0" algn="ctr" defTabSz="914400" rtl="0" eaLnBrk="1" fontAlgn="auto" latinLnBrk="0" hangingPunct="1">
+                            <a:lnSpc>
+                              <a:spcPct val="100000"/>
+                            </a:lnSpc>
+                            <a:spcBef>
+                              <a:spcPts val="0"/>
+                            </a:spcBef>
+                            <a:spcAft>
+                              <a:spcPts val="0"/>
+                            </a:spcAft>
+                            <a:buClrTx/>
+                            <a:buSzTx/>
+                            <a:buFontTx/>
+                            <a:buNone/>
+                            <a:tabLst/>
+                            <a:defRPr/>
+                          </a:pPr>
+                          <a14:m>
+                            <m:oMathPara xmlns:m="http://schemas.openxmlformats.org/officeDocument/2006/math">
+                              <m:oMathParaPr>
+                                <m:jc m:val="centerGroup"/>
+                              </m:oMathParaPr>
+                              <m:oMath xmlns:m="http://schemas.openxmlformats.org/officeDocument/2006/math">
+                                <m:sSub>
+                                  <m:sSubPr>
+                                    <m:ctrlPr>
+                                      <a:rPr lang="tr-TR" b="0" i="1" smtClean="0">
+                                        <a:latin typeface="Cambria Math" panose="02040503050406030204" pitchFamily="18" charset="0"/>
+                                      </a:rPr>
+                                    </m:ctrlPr>
+                                  </m:sSubPr>
+                                  <m:e>
+                                    <m:r>
+                                      <a:rPr lang="tr-TR" b="0" i="1" smtClean="0">
+                                        <a:latin typeface="Cambria Math" panose="02040503050406030204" pitchFamily="18" charset="0"/>
+                                      </a:rPr>
+                                      <m:t>𝑉</m:t>
+                                    </m:r>
+                                  </m:e>
+                                  <m:sub>
+                                    <m:r>
+                                      <a:rPr lang="tr-TR" b="0" i="1" smtClean="0">
+                                        <a:latin typeface="Cambria Math" panose="02040503050406030204" pitchFamily="18" charset="0"/>
+                                      </a:rPr>
+                                      <m:t>𝑖𝑛</m:t>
+                                    </m:r>
+                                  </m:sub>
+                                </m:sSub>
+                              </m:oMath>
+                            </m:oMathPara>
+                          </a14:m>
+                          <a:endParaRPr lang="en-US" dirty="0"/>
+                        </a:p>
+                      </a:txBody>
+                      <a:tcPr>
+                        <a:lnL w="12700" cap="flat" cmpd="sng" algn="ctr">
+                          <a:solidFill>
+                            <a:schemeClr val="tx1"/>
+                          </a:solidFill>
+                          <a:prstDash val="solid"/>
+                          <a:round/>
+                          <a:headEnd type="none" w="med" len="med"/>
+                          <a:tailEnd type="none" w="med" len="med"/>
+                        </a:lnL>
+                        <a:lnR w="12700" cap="flat" cmpd="sng" algn="ctr">
+                          <a:solidFill>
+                            <a:schemeClr val="tx1"/>
+                          </a:solidFill>
+                          <a:prstDash val="solid"/>
+                          <a:round/>
+                          <a:headEnd type="none" w="med" len="med"/>
+                          <a:tailEnd type="none" w="med" len="med"/>
+                        </a:lnR>
+                        <a:lnT w="12700" cmpd="sng">
+                          <a:solidFill>
+                            <a:schemeClr val="tx1"/>
+                          </a:solidFill>
+                          <a:prstDash val="solid"/>
+                        </a:lnT>
+                        <a:lnB w="12700" cap="flat" cmpd="sng" algn="ctr">
+                          <a:solidFill>
+                            <a:schemeClr val="tx1"/>
+                          </a:solidFill>
+                          <a:prstDash val="solid"/>
+                          <a:round/>
+                          <a:headEnd type="none" w="med" len="med"/>
+                          <a:tailEnd type="none" w="med" len="med"/>
+                        </a:lnB>
+                      </a:tcPr>
+                    </a:tc>
+                    <a:tc>
+                      <a:txBody>
+                        <a:bodyPr/>
+                        <a:lstStyle/>
+                        <a:p>
+                          <a:pPr algn="ctr"/>
+                          <a:endParaRPr lang="en-US" dirty="0"/>
+                        </a:p>
+                      </a:txBody>
+                      <a:tcPr>
+                        <a:lnL w="12700" cap="flat" cmpd="sng" algn="ctr">
+                          <a:solidFill>
+                            <a:schemeClr val="tx1"/>
+                          </a:solidFill>
+                          <a:prstDash val="solid"/>
+                          <a:round/>
+                          <a:headEnd type="none" w="med" len="med"/>
+                          <a:tailEnd type="none" w="med" len="med"/>
+                        </a:lnL>
+                        <a:lnR w="12700" cap="flat" cmpd="sng" algn="ctr">
+                          <a:solidFill>
+                            <a:schemeClr val="tx1"/>
+                          </a:solidFill>
+                          <a:prstDash val="solid"/>
+                          <a:round/>
+                          <a:headEnd type="none" w="med" len="med"/>
+                          <a:tailEnd type="none" w="med" len="med"/>
+                        </a:lnR>
+                        <a:lnT w="12700" cmpd="sng">
+                          <a:noFill/>
+                          <a:prstDash val="solid"/>
+                        </a:lnT>
+                        <a:lnB w="12700" cap="flat" cmpd="sng" algn="ctr">
+                          <a:noFill/>
+                          <a:prstDash val="solid"/>
+                          <a:round/>
+                          <a:headEnd type="none" w="med" len="med"/>
+                          <a:tailEnd type="none" w="med" len="med"/>
+                        </a:lnB>
+                        <a:lnTlToBr w="12700" cmpd="sng">
+                          <a:noFill/>
+                          <a:prstDash val="solid"/>
+                        </a:lnTlToBr>
+                        <a:lnBlToTr w="12700" cmpd="sng">
+                          <a:noFill/>
+                          <a:prstDash val="solid"/>
+                        </a:lnBlToTr>
+                      </a:tcPr>
+                    </a:tc>
+                    <a:tc>
+                      <a:txBody>
+                        <a:bodyPr/>
+                        <a:lstStyle/>
+                        <a:p>
+                          <a:pPr marL="0" marR="0" lvl="0" indent="0" algn="ctr" defTabSz="914400" rtl="0" eaLnBrk="1" fontAlgn="auto" latinLnBrk="0" hangingPunct="1">
+                            <a:lnSpc>
+                              <a:spcPct val="100000"/>
+                            </a:lnSpc>
+                            <a:spcBef>
+                              <a:spcPts val="0"/>
+                            </a:spcBef>
+                            <a:spcAft>
+                              <a:spcPts val="0"/>
+                            </a:spcAft>
+                            <a:buClrTx/>
+                            <a:buSzTx/>
+                            <a:buFontTx/>
+                            <a:buNone/>
+                            <a:tabLst/>
+                            <a:defRPr/>
+                          </a:pPr>
+                          <a14:m>
+                            <m:oMathPara xmlns:m="http://schemas.openxmlformats.org/officeDocument/2006/math">
+                              <m:oMathParaPr>
+                                <m:jc m:val="centerGroup"/>
+                              </m:oMathParaPr>
+                              <m:oMath xmlns:m="http://schemas.openxmlformats.org/officeDocument/2006/math">
+                                <m:sSub>
+                                  <m:sSubPr>
+                                    <m:ctrlPr>
+                                      <a:rPr lang="tr-TR" b="0" i="1" smtClean="0">
+                                        <a:latin typeface="Cambria Math" panose="02040503050406030204" pitchFamily="18" charset="0"/>
+                                      </a:rPr>
+                                    </m:ctrlPr>
+                                  </m:sSubPr>
+                                  <m:e>
+                                    <m:r>
+                                      <a:rPr lang="tr-TR" b="0" i="1" smtClean="0">
+                                        <a:latin typeface="Cambria Math" panose="02040503050406030204" pitchFamily="18" charset="0"/>
+                                      </a:rPr>
+                                      <m:t>𝐼</m:t>
+                                    </m:r>
+                                  </m:e>
+                                  <m:sub>
+                                    <m:r>
+                                      <a:rPr lang="tr-TR" b="0" i="1" smtClean="0">
+                                        <a:latin typeface="Cambria Math" panose="02040503050406030204" pitchFamily="18" charset="0"/>
+                                      </a:rPr>
+                                      <m:t>𝑝</m:t>
+                                    </m:r>
+                                  </m:sub>
+                                </m:sSub>
+                              </m:oMath>
+                            </m:oMathPara>
+                          </a14:m>
+                          <a:endParaRPr lang="en-US" dirty="0"/>
+                        </a:p>
+                      </a:txBody>
+                      <a:tcPr>
+                        <a:lnL w="12700" cap="flat" cmpd="sng" algn="ctr">
+                          <a:solidFill>
+                            <a:schemeClr val="tx1"/>
+                          </a:solidFill>
+                          <a:prstDash val="solid"/>
+                          <a:round/>
+                          <a:headEnd type="none" w="med" len="med"/>
+                          <a:tailEnd type="none" w="med" len="med"/>
+                        </a:lnL>
+                        <a:lnR w="12700" cmpd="sng">
+                          <a:solidFill>
+                            <a:schemeClr val="tx1"/>
+                          </a:solidFill>
+                          <a:prstDash val="solid"/>
+                        </a:lnR>
+                        <a:lnT w="12700" cmpd="sng">
+                          <a:solidFill>
+                            <a:schemeClr val="tx1"/>
+                          </a:solidFill>
+                          <a:prstDash val="solid"/>
+                        </a:lnT>
+                        <a:lnB w="12700" cap="flat" cmpd="sng" algn="ctr">
+                          <a:solidFill>
+                            <a:schemeClr val="tx1"/>
+                          </a:solidFill>
+                          <a:prstDash val="solid"/>
+                          <a:round/>
+                          <a:headEnd type="none" w="med" len="med"/>
+                          <a:tailEnd type="none" w="med" len="med"/>
+                        </a:lnB>
+                      </a:tcPr>
+                    </a:tc>
+                    <a:extLst>
+                      <a:ext uri="{0D108BD9-81ED-4DB2-BD59-A6C34878D82A}">
+                        <a16:rowId xmlns:a16="http://schemas.microsoft.com/office/drawing/2014/main" val="660730565"/>
+                      </a:ext>
+                    </a:extLst>
+                  </a:tr>
+                  <a:tr h="373224">
+                    <a:tc>
+                      <a:txBody>
+                        <a:bodyPr/>
+                        <a:lstStyle/>
+                        <a:p>
+                          <a:pPr marL="0" marR="0" lvl="0" indent="0" algn="ctr" defTabSz="914400" rtl="0" eaLnBrk="1" fontAlgn="auto" latinLnBrk="0" hangingPunct="1">
+                            <a:lnSpc>
+                              <a:spcPct val="100000"/>
+                            </a:lnSpc>
+                            <a:spcBef>
+                              <a:spcPts val="0"/>
+                            </a:spcBef>
+                            <a:spcAft>
+                              <a:spcPts val="0"/>
+                            </a:spcAft>
+                            <a:buClrTx/>
+                            <a:buSzTx/>
+                            <a:buFontTx/>
+                            <a:buNone/>
+                            <a:tabLst/>
+                            <a:defRPr/>
+                          </a:pPr>
+                          <a14:m>
+                            <m:oMathPara xmlns:m="http://schemas.openxmlformats.org/officeDocument/2006/math">
+                              <m:oMathParaPr>
+                                <m:jc m:val="centerGroup"/>
+                              </m:oMathParaPr>
+                              <m:oMath xmlns:m="http://schemas.openxmlformats.org/officeDocument/2006/math">
+                                <m:f>
+                                  <m:fPr>
+                                    <m:ctrlPr>
+                                      <a:rPr lang="tr-TR" b="0" i="1" smtClean="0">
+                                        <a:latin typeface="Cambria Math" panose="02040503050406030204" pitchFamily="18" charset="0"/>
+                                      </a:rPr>
+                                    </m:ctrlPr>
+                                  </m:fPr>
+                                  <m:num>
+                                    <m:sSub>
+                                      <m:sSubPr>
+                                        <m:ctrlPr>
+                                          <a:rPr lang="tr-TR" b="0" i="1" smtClean="0">
+                                            <a:latin typeface="Cambria Math" panose="02040503050406030204" pitchFamily="18" charset="0"/>
+                                          </a:rPr>
+                                        </m:ctrlPr>
+                                      </m:sSubPr>
+                                      <m:e>
+                                        <m:r>
+                                          <a:rPr lang="tr-TR" b="0" i="1" smtClean="0">
+                                            <a:latin typeface="Cambria Math" panose="02040503050406030204" pitchFamily="18" charset="0"/>
+                                          </a:rPr>
+                                          <m:t>−</m:t>
+                                        </m:r>
+                                        <m:r>
+                                          <a:rPr lang="tr-TR" b="0" i="1" smtClean="0">
+                                            <a:latin typeface="Cambria Math" panose="02040503050406030204" pitchFamily="18" charset="0"/>
+                                          </a:rPr>
+                                          <m:t>𝑚</m:t>
+                                        </m:r>
+                                      </m:e>
+                                      <m:sub>
+                                        <m:r>
+                                          <a:rPr lang="tr-TR" b="0" i="1" smtClean="0">
+                                            <a:latin typeface="Cambria Math" panose="02040503050406030204" pitchFamily="18" charset="0"/>
+                                          </a:rPr>
+                                          <m:t>2</m:t>
+                                        </m:r>
+                                      </m:sub>
+                                    </m:sSub>
+                                  </m:num>
+                                  <m:den>
+                                    <m:r>
+                                      <m:rPr>
+                                        <m:sty m:val="p"/>
+                                      </m:rPr>
+                                      <a:rPr lang="tr-TR" b="0" i="0" smtClean="0">
+                                        <a:latin typeface="Cambria Math" panose="02040503050406030204" pitchFamily="18" charset="0"/>
+                                      </a:rPr>
+                                      <m:t>det</m:t>
+                                    </m:r>
+                                    <m:r>
+                                      <a:rPr lang="tr-TR" b="0" i="1" smtClean="0">
+                                        <a:latin typeface="Cambria Math" panose="02040503050406030204" pitchFamily="18" charset="0"/>
+                                      </a:rPr>
+                                      <m:t>⁡(</m:t>
+                                    </m:r>
+                                    <m:r>
+                                      <a:rPr lang="tr-TR" b="0" i="1" smtClean="0">
+                                        <a:latin typeface="Cambria Math" panose="02040503050406030204" pitchFamily="18" charset="0"/>
+                                      </a:rPr>
+                                      <m:t>𝑍</m:t>
+                                    </m:r>
+                                    <m:r>
+                                      <a:rPr lang="tr-TR" b="0" i="1" smtClean="0">
+                                        <a:latin typeface="Cambria Math" panose="02040503050406030204" pitchFamily="18" charset="0"/>
+                                      </a:rPr>
+                                      <m:t>)</m:t>
+                                    </m:r>
+                                  </m:den>
+                                </m:f>
+                              </m:oMath>
+                            </m:oMathPara>
+                          </a14:m>
+                          <a:endParaRPr lang="en-US" dirty="0"/>
+                        </a:p>
+                      </a:txBody>
+                      <a:tcPr>
+                        <a:lnL w="12700" cmpd="sng">
+                          <a:solidFill>
+                            <a:schemeClr val="tx1"/>
+                          </a:solidFill>
+                          <a:prstDash val="solid"/>
+                        </a:lnL>
+                        <a:lnR w="12700" cap="flat" cmpd="sng" algn="ctr">
+                          <a:solidFill>
+                            <a:schemeClr val="tx1"/>
+                          </a:solidFill>
+                          <a:prstDash val="solid"/>
+                          <a:round/>
+                          <a:headEnd type="none" w="med" len="med"/>
+                          <a:tailEnd type="none" w="med" len="med"/>
+                        </a:lnR>
+                        <a:lnT w="12700" cap="flat" cmpd="sng" algn="ctr">
+                          <a:solidFill>
+                            <a:schemeClr val="tx1"/>
+                          </a:solidFill>
+                          <a:prstDash val="solid"/>
+                          <a:round/>
+                          <a:headEnd type="none" w="med" len="med"/>
+                          <a:tailEnd type="none" w="med" len="med"/>
+                        </a:lnT>
+                        <a:lnB w="12700" cap="flat" cmpd="sng" algn="ctr">
+                          <a:solidFill>
+                            <a:schemeClr val="tx1"/>
+                          </a:solidFill>
+                          <a:prstDash val="solid"/>
+                          <a:round/>
+                          <a:headEnd type="none" w="med" len="med"/>
+                          <a:tailEnd type="none" w="med" len="med"/>
+                        </a:lnB>
+                      </a:tcPr>
+                    </a:tc>
+                    <a:tc>
+                      <a:txBody>
+                        <a:bodyPr/>
+                        <a:lstStyle/>
+                        <a:p>
+                          <a:pPr algn="ctr"/>
+                          <a14:m>
+                            <m:oMathPara xmlns:m="http://schemas.openxmlformats.org/officeDocument/2006/math">
+                              <m:oMathParaPr>
+                                <m:jc m:val="centerGroup"/>
+                              </m:oMathParaPr>
+                              <m:oMath xmlns:m="http://schemas.openxmlformats.org/officeDocument/2006/math">
+                                <m:r>
+                                  <a:rPr lang="tr-TR" b="0" i="1" smtClean="0">
+                                    <a:latin typeface="Cambria Math" panose="02040503050406030204" pitchFamily="18" charset="0"/>
+                                  </a:rPr>
+                                  <m:t>−</m:t>
+                                </m:r>
+                              </m:oMath>
+                            </m:oMathPara>
+                          </a14:m>
+                          <a:endParaRPr lang="en-US" dirty="0"/>
+                        </a:p>
+                      </a:txBody>
+                      <a:tcPr>
+                        <a:lnL w="12700" cmpd="sng">
+                          <a:solidFill>
+                            <a:schemeClr val="tx1"/>
+                          </a:solidFill>
+                          <a:prstDash val="solid"/>
+                        </a:lnL>
+                        <a:lnR w="12700" cap="flat" cmpd="sng" algn="ctr">
+                          <a:solidFill>
+                            <a:schemeClr val="tx1"/>
+                          </a:solidFill>
+                          <a:prstDash val="solid"/>
+                          <a:round/>
+                          <a:headEnd type="none" w="med" len="med"/>
+                          <a:tailEnd type="none" w="med" len="med"/>
+                        </a:lnR>
+                        <a:lnT w="12700" cap="flat" cmpd="sng" algn="ctr">
+                          <a:solidFill>
+                            <a:schemeClr val="tx1"/>
+                          </a:solidFill>
+                          <a:prstDash val="solid"/>
+                          <a:round/>
+                          <a:headEnd type="none" w="med" len="med"/>
+                          <a:tailEnd type="none" w="med" len="med"/>
+                        </a:lnT>
+                        <a:lnB w="12700" cap="flat" cmpd="sng" algn="ctr">
+                          <a:solidFill>
+                            <a:schemeClr val="tx1"/>
+                          </a:solidFill>
+                          <a:prstDash val="solid"/>
+                          <a:round/>
+                          <a:headEnd type="none" w="med" len="med"/>
+                          <a:tailEnd type="none" w="med" len="med"/>
+                        </a:lnB>
+                      </a:tcPr>
+                    </a:tc>
+                    <a:tc>
+                      <a:txBody>
+                        <a:bodyPr/>
+                        <a:lstStyle/>
+                        <a:p>
+                          <a:pPr marL="0" marR="0" lvl="0" indent="0" algn="ctr" defTabSz="914400" rtl="0" eaLnBrk="1" fontAlgn="auto" latinLnBrk="0" hangingPunct="1">
+                            <a:lnSpc>
+                              <a:spcPct val="100000"/>
+                            </a:lnSpc>
+                            <a:spcBef>
+                              <a:spcPts val="0"/>
+                            </a:spcBef>
+                            <a:spcAft>
+                              <a:spcPts val="0"/>
+                            </a:spcAft>
+                            <a:buClrTx/>
+                            <a:buSzTx/>
+                            <a:buFontTx/>
+                            <a:buNone/>
+                            <a:tabLst/>
+                            <a:defRPr/>
+                          </a:pPr>
+                          <a14:m>
+                            <m:oMathPara xmlns:m="http://schemas.openxmlformats.org/officeDocument/2006/math">
+                              <m:oMathParaPr>
+                                <m:jc m:val="centerGroup"/>
+                              </m:oMathParaPr>
+                              <m:oMath xmlns:m="http://schemas.openxmlformats.org/officeDocument/2006/math">
+                                <m:r>
+                                  <a:rPr lang="tr-TR" b="0" i="1" smtClean="0">
+                                    <a:latin typeface="Cambria Math" panose="02040503050406030204" pitchFamily="18" charset="0"/>
+                                  </a:rPr>
+                                  <m:t>−</m:t>
+                                </m:r>
+                              </m:oMath>
+                            </m:oMathPara>
+                          </a14:m>
+                          <a:endParaRPr lang="en-US" dirty="0"/>
+                        </a:p>
+                      </a:txBody>
+                      <a:tcPr>
+                        <a:lnL w="12700" cmpd="sng">
+                          <a:solidFill>
+                            <a:schemeClr val="tx1"/>
+                          </a:solidFill>
+                          <a:prstDash val="solid"/>
+                        </a:lnL>
+                        <a:lnR w="12700" cap="flat" cmpd="sng" algn="ctr">
+                          <a:solidFill>
+                            <a:schemeClr val="tx1"/>
+                          </a:solidFill>
+                          <a:prstDash val="solid"/>
+                          <a:round/>
+                          <a:headEnd type="none" w="med" len="med"/>
+                          <a:tailEnd type="none" w="med" len="med"/>
+                        </a:lnR>
+                        <a:lnT w="12700" cap="flat" cmpd="sng" algn="ctr">
+                          <a:solidFill>
+                            <a:schemeClr val="tx1"/>
+                          </a:solidFill>
+                          <a:prstDash val="solid"/>
+                          <a:round/>
+                          <a:headEnd type="none" w="med" len="med"/>
+                          <a:tailEnd type="none" w="med" len="med"/>
+                        </a:lnT>
+                        <a:lnB w="12700" cap="flat" cmpd="sng" algn="ctr">
+                          <a:solidFill>
+                            <a:schemeClr val="tx1"/>
+                          </a:solidFill>
+                          <a:prstDash val="solid"/>
+                          <a:round/>
+                          <a:headEnd type="none" w="med" len="med"/>
+                          <a:tailEnd type="none" w="med" len="med"/>
+                        </a:lnB>
+                      </a:tcPr>
+                    </a:tc>
+                    <a:tc>
+                      <a:txBody>
+                        <a:bodyPr/>
+                        <a:lstStyle/>
+                        <a:p>
+                          <a:pPr algn="ctr"/>
+                          <a:endParaRPr lang="en-US" dirty="0"/>
+                        </a:p>
+                      </a:txBody>
+                      <a:tcPr>
+                        <a:lnL w="12700" cap="flat" cmpd="sng" algn="ctr">
+                          <a:solidFill>
+                            <a:schemeClr val="tx1"/>
+                          </a:solidFill>
+                          <a:prstDash val="solid"/>
+                          <a:round/>
+                          <a:headEnd type="none" w="med" len="med"/>
+                          <a:tailEnd type="none" w="med" len="med"/>
+                        </a:lnL>
+                        <a:lnR w="12700" cap="flat" cmpd="sng" algn="ctr">
+                          <a:solidFill>
+                            <a:schemeClr val="tx1"/>
+                          </a:solidFill>
+                          <a:prstDash val="solid"/>
+                          <a:round/>
+                          <a:headEnd type="none" w="med" len="med"/>
+                          <a:tailEnd type="none" w="med" len="med"/>
+                        </a:lnR>
+                        <a:lnT w="12700" cap="flat" cmpd="sng" algn="ctr">
+                          <a:noFill/>
+                          <a:prstDash val="solid"/>
+                          <a:round/>
+                          <a:headEnd type="none" w="med" len="med"/>
+                          <a:tailEnd type="none" w="med" len="med"/>
+                        </a:lnT>
+                        <a:lnB w="12700" cap="flat" cmpd="sng" algn="ctr">
+                          <a:noFill/>
+                          <a:prstDash val="solid"/>
+                          <a:round/>
+                          <a:headEnd type="none" w="med" len="med"/>
+                          <a:tailEnd type="none" w="med" len="med"/>
+                        </a:lnB>
+                        <a:lnTlToBr w="12700" cmpd="sng">
+                          <a:noFill/>
+                          <a:prstDash val="solid"/>
+                        </a:lnTlToBr>
+                        <a:lnBlToTr w="12700" cmpd="sng">
+                          <a:noFill/>
+                          <a:prstDash val="solid"/>
+                        </a:lnBlToTr>
+                      </a:tcPr>
+                    </a:tc>
+                    <a:tc>
+                      <a:txBody>
+                        <a:bodyPr/>
+                        <a:lstStyle/>
+                        <a:p>
+                          <a:pPr algn="ctr"/>
+                          <a14:m>
+                            <m:oMathPara xmlns:m="http://schemas.openxmlformats.org/officeDocument/2006/math">
+                              <m:oMathParaPr>
+                                <m:jc m:val="centerGroup"/>
+                              </m:oMathParaPr>
+                              <m:oMath xmlns:m="http://schemas.openxmlformats.org/officeDocument/2006/math">
+                                <m:r>
+                                  <a:rPr lang="tr-TR" b="0" i="1" smtClean="0">
+                                    <a:latin typeface="Cambria Math" panose="02040503050406030204" pitchFamily="18" charset="0"/>
+                                  </a:rPr>
+                                  <m:t>0</m:t>
+                                </m:r>
+                              </m:oMath>
+                            </m:oMathPara>
+                          </a14:m>
+                          <a:endParaRPr lang="en-US" dirty="0"/>
+                        </a:p>
+                      </a:txBody>
+                      <a:tcPr>
+                        <a:lnL w="12700" cap="flat" cmpd="sng" algn="ctr">
+                          <a:solidFill>
+                            <a:schemeClr val="tx1"/>
+                          </a:solidFill>
+                          <a:prstDash val="solid"/>
+                          <a:round/>
+                          <a:headEnd type="none" w="med" len="med"/>
+                          <a:tailEnd type="none" w="med" len="med"/>
+                        </a:lnL>
+                        <a:lnR w="12700" cap="flat" cmpd="sng" algn="ctr">
+                          <a:solidFill>
+                            <a:schemeClr val="tx1"/>
+                          </a:solidFill>
+                          <a:prstDash val="solid"/>
+                          <a:round/>
+                          <a:headEnd type="none" w="med" len="med"/>
+                          <a:tailEnd type="none" w="med" len="med"/>
+                        </a:lnR>
+                        <a:lnT w="12700" cap="flat" cmpd="sng" algn="ctr">
+                          <a:solidFill>
+                            <a:schemeClr val="tx1"/>
+                          </a:solidFill>
+                          <a:prstDash val="solid"/>
+                          <a:round/>
+                          <a:headEnd type="none" w="med" len="med"/>
+                          <a:tailEnd type="none" w="med" len="med"/>
+                        </a:lnT>
+                        <a:lnB w="12700" cap="flat" cmpd="sng" algn="ctr">
+                          <a:solidFill>
+                            <a:schemeClr val="tx1"/>
+                          </a:solidFill>
+                          <a:prstDash val="solid"/>
+                          <a:round/>
+                          <a:headEnd type="none" w="med" len="med"/>
+                          <a:tailEnd type="none" w="med" len="med"/>
+                        </a:lnB>
+                      </a:tcPr>
+                    </a:tc>
+                    <a:tc>
+                      <a:txBody>
+                        <a:bodyPr/>
+                        <a:lstStyle/>
+                        <a:p>
+                          <a:pPr algn="ctr"/>
+                          <a:r>
+                            <a:rPr lang="tr-TR" dirty="0"/>
+                            <a:t> =</a:t>
+                          </a:r>
+                          <a:endParaRPr lang="en-US" dirty="0"/>
+                        </a:p>
+                      </a:txBody>
+                      <a:tcPr>
+                        <a:lnL w="12700" cap="flat" cmpd="sng" algn="ctr">
+                          <a:solidFill>
+                            <a:schemeClr val="tx1"/>
+                          </a:solidFill>
+                          <a:prstDash val="solid"/>
+                          <a:round/>
+                          <a:headEnd type="none" w="med" len="med"/>
+                          <a:tailEnd type="none" w="med" len="med"/>
+                        </a:lnL>
+                        <a:lnR w="12700" cap="flat" cmpd="sng" algn="ctr">
+                          <a:solidFill>
+                            <a:schemeClr val="tx1"/>
+                          </a:solidFill>
+                          <a:prstDash val="solid"/>
+                          <a:round/>
+                          <a:headEnd type="none" w="med" len="med"/>
+                          <a:tailEnd type="none" w="med" len="med"/>
+                        </a:lnR>
+                        <a:lnT w="12700" cap="flat" cmpd="sng" algn="ctr">
+                          <a:noFill/>
+                          <a:prstDash val="solid"/>
+                          <a:round/>
+                          <a:headEnd type="none" w="med" len="med"/>
+                          <a:tailEnd type="none" w="med" len="med"/>
+                        </a:lnT>
+                        <a:lnB w="12700" cap="flat" cmpd="sng" algn="ctr">
+                          <a:noFill/>
+                          <a:prstDash val="solid"/>
+                          <a:round/>
+                          <a:headEnd type="none" w="med" len="med"/>
+                          <a:tailEnd type="none" w="med" len="med"/>
+                        </a:lnB>
+                        <a:lnTlToBr w="12700" cmpd="sng">
+                          <a:noFill/>
+                          <a:prstDash val="solid"/>
+                        </a:lnTlToBr>
+                        <a:lnBlToTr w="12700" cmpd="sng">
+                          <a:noFill/>
+                          <a:prstDash val="solid"/>
+                        </a:lnBlToTr>
+                      </a:tcPr>
+                    </a:tc>
+                    <a:tc>
+                      <a:txBody>
+                        <a:bodyPr/>
+                        <a:lstStyle/>
+                        <a:p>
+                          <a:pPr algn="ctr"/>
+                          <a14:m>
+                            <m:oMathPara xmlns:m="http://schemas.openxmlformats.org/officeDocument/2006/math">
+                              <m:oMathParaPr>
+                                <m:jc m:val="centerGroup"/>
+                              </m:oMathParaPr>
+                              <m:oMath xmlns:m="http://schemas.openxmlformats.org/officeDocument/2006/math">
+                                <m:sSub>
+                                  <m:sSubPr>
+                                    <m:ctrlPr>
+                                      <a:rPr lang="tr-TR" b="0" i="1" smtClean="0">
+                                        <a:latin typeface="Cambria Math" panose="02040503050406030204" pitchFamily="18" charset="0"/>
+                                      </a:rPr>
+                                    </m:ctrlPr>
+                                  </m:sSubPr>
+                                  <m:e>
+                                    <m:r>
+                                      <a:rPr lang="tr-TR" b="0" i="1" smtClean="0">
+                                        <a:latin typeface="Cambria Math" panose="02040503050406030204" pitchFamily="18" charset="0"/>
+                                      </a:rPr>
+                                      <m:t>𝐼</m:t>
+                                    </m:r>
+                                  </m:e>
+                                  <m:sub>
+                                    <m:r>
+                                      <a:rPr lang="tr-TR" b="0" i="1" smtClean="0">
+                                        <a:latin typeface="Cambria Math" panose="02040503050406030204" pitchFamily="18" charset="0"/>
+                                      </a:rPr>
+                                      <m:t>𝑠</m:t>
+                                    </m:r>
+                                    <m:r>
+                                      <a:rPr lang="tr-TR" b="0" i="1" smtClean="0">
+                                        <a:latin typeface="Cambria Math" panose="02040503050406030204" pitchFamily="18" charset="0"/>
+                                      </a:rPr>
+                                      <m:t>1</m:t>
+                                    </m:r>
+                                  </m:sub>
+                                </m:sSub>
+                              </m:oMath>
+                            </m:oMathPara>
+                          </a14:m>
+                          <a:endParaRPr lang="en-US" dirty="0"/>
+                        </a:p>
+                      </a:txBody>
+                      <a:tcPr>
+                        <a:lnL w="12700" cap="flat" cmpd="sng" algn="ctr">
+                          <a:solidFill>
+                            <a:schemeClr val="tx1"/>
+                          </a:solidFill>
+                          <a:prstDash val="solid"/>
+                          <a:round/>
+                          <a:headEnd type="none" w="med" len="med"/>
+                          <a:tailEnd type="none" w="med" len="med"/>
+                        </a:lnL>
+                        <a:lnR w="12700" cmpd="sng">
+                          <a:solidFill>
+                            <a:schemeClr val="tx1"/>
+                          </a:solidFill>
+                          <a:prstDash val="solid"/>
+                        </a:lnR>
+                        <a:lnT w="12700" cap="flat" cmpd="sng" algn="ctr">
+                          <a:solidFill>
+                            <a:schemeClr val="tx1"/>
+                          </a:solidFill>
+                          <a:prstDash val="solid"/>
+                          <a:round/>
+                          <a:headEnd type="none" w="med" len="med"/>
+                          <a:tailEnd type="none" w="med" len="med"/>
+                        </a:lnT>
+                        <a:lnB w="12700" cap="flat" cmpd="sng" algn="ctr">
+                          <a:solidFill>
+                            <a:schemeClr val="tx1"/>
+                          </a:solidFill>
+                          <a:prstDash val="solid"/>
+                          <a:round/>
+                          <a:headEnd type="none" w="med" len="med"/>
+                          <a:tailEnd type="none" w="med" len="med"/>
+                        </a:lnB>
+                      </a:tcPr>
+                    </a:tc>
+                    <a:extLst>
+                      <a:ext uri="{0D108BD9-81ED-4DB2-BD59-A6C34878D82A}">
+                        <a16:rowId xmlns:a16="http://schemas.microsoft.com/office/drawing/2014/main" val="2704066682"/>
+                      </a:ext>
+                    </a:extLst>
+                  </a:tr>
+                  <a:tr h="373224">
+                    <a:tc>
+                      <a:txBody>
+                        <a:bodyPr/>
+                        <a:lstStyle/>
+                        <a:p>
+                          <a:pPr marL="0" marR="0" lvl="0" indent="0" algn="ctr" defTabSz="914400" rtl="0" eaLnBrk="1" fontAlgn="auto" latinLnBrk="0" hangingPunct="1">
+                            <a:lnSpc>
+                              <a:spcPct val="100000"/>
+                            </a:lnSpc>
+                            <a:spcBef>
+                              <a:spcPts val="0"/>
+                            </a:spcBef>
+                            <a:spcAft>
+                              <a:spcPts val="0"/>
+                            </a:spcAft>
+                            <a:buClrTx/>
+                            <a:buSzTx/>
+                            <a:buFontTx/>
+                            <a:buNone/>
+                            <a:tabLst/>
+                            <a:defRPr/>
+                          </a:pPr>
+                          <a14:m>
+                            <m:oMathPara xmlns:m="http://schemas.openxmlformats.org/officeDocument/2006/math">
+                              <m:oMathParaPr>
+                                <m:jc m:val="centerGroup"/>
+                              </m:oMathParaPr>
+                              <m:oMath xmlns:m="http://schemas.openxmlformats.org/officeDocument/2006/math">
+                                <m:f>
+                                  <m:fPr>
+                                    <m:ctrlPr>
+                                      <a:rPr lang="tr-TR" b="0" i="1" smtClean="0">
+                                        <a:latin typeface="Cambria Math" panose="02040503050406030204" pitchFamily="18" charset="0"/>
+                                      </a:rPr>
+                                    </m:ctrlPr>
+                                  </m:fPr>
+                                  <m:num>
+                                    <m:sSub>
+                                      <m:sSubPr>
+                                        <m:ctrlPr>
+                                          <a:rPr lang="tr-TR" b="0" i="1" smtClean="0">
+                                            <a:latin typeface="Cambria Math" panose="02040503050406030204" pitchFamily="18" charset="0"/>
+                                          </a:rPr>
+                                        </m:ctrlPr>
+                                      </m:sSubPr>
+                                      <m:e>
+                                        <m:r>
+                                          <a:rPr lang="tr-TR" b="0" i="1" smtClean="0">
+                                            <a:latin typeface="Cambria Math" panose="02040503050406030204" pitchFamily="18" charset="0"/>
+                                          </a:rPr>
+                                          <m:t>𝑚</m:t>
+                                        </m:r>
+                                      </m:e>
+                                      <m:sub>
+                                        <m:r>
+                                          <a:rPr lang="tr-TR" b="0" i="1" smtClean="0">
+                                            <a:latin typeface="Cambria Math" panose="02040503050406030204" pitchFamily="18" charset="0"/>
+                                          </a:rPr>
+                                          <m:t>3</m:t>
+                                        </m:r>
+                                      </m:sub>
+                                    </m:sSub>
+                                  </m:num>
+                                  <m:den>
+                                    <m:r>
+                                      <m:rPr>
+                                        <m:sty m:val="p"/>
+                                      </m:rPr>
+                                      <a:rPr lang="tr-TR" b="0" i="0" smtClean="0">
+                                        <a:latin typeface="Cambria Math" panose="02040503050406030204" pitchFamily="18" charset="0"/>
+                                      </a:rPr>
+                                      <m:t>det</m:t>
+                                    </m:r>
+                                    <m:r>
+                                      <a:rPr lang="tr-TR" b="0" i="1" smtClean="0">
+                                        <a:latin typeface="Cambria Math" panose="02040503050406030204" pitchFamily="18" charset="0"/>
+                                      </a:rPr>
+                                      <m:t>⁡(</m:t>
+                                    </m:r>
+                                    <m:r>
+                                      <a:rPr lang="tr-TR" b="0" i="1" smtClean="0">
+                                        <a:latin typeface="Cambria Math" panose="02040503050406030204" pitchFamily="18" charset="0"/>
+                                      </a:rPr>
+                                      <m:t>𝑍</m:t>
+                                    </m:r>
+                                    <m:r>
+                                      <a:rPr lang="tr-TR" b="0" i="1" smtClean="0">
+                                        <a:latin typeface="Cambria Math" panose="02040503050406030204" pitchFamily="18" charset="0"/>
+                                      </a:rPr>
+                                      <m:t>)</m:t>
+                                    </m:r>
+                                  </m:den>
+                                </m:f>
+                              </m:oMath>
+                            </m:oMathPara>
+                          </a14:m>
+                          <a:endParaRPr lang="en-US" dirty="0"/>
+                        </a:p>
+                      </a:txBody>
+                      <a:tcPr>
+                        <a:lnL w="12700" cmpd="sng">
+                          <a:solidFill>
+                            <a:schemeClr val="tx1"/>
+                          </a:solidFill>
+                          <a:prstDash val="solid"/>
+                        </a:lnL>
+                        <a:lnR w="12700" cap="flat" cmpd="sng" algn="ctr">
+                          <a:solidFill>
+                            <a:schemeClr val="tx1"/>
+                          </a:solidFill>
+                          <a:prstDash val="solid"/>
+                          <a:round/>
+                          <a:headEnd type="none" w="med" len="med"/>
+                          <a:tailEnd type="none" w="med" len="med"/>
+                        </a:lnR>
+                        <a:lnT w="12700" cap="flat" cmpd="sng" algn="ctr">
+                          <a:solidFill>
+                            <a:schemeClr val="tx1"/>
+                          </a:solidFill>
+                          <a:prstDash val="solid"/>
+                          <a:round/>
+                          <a:headEnd type="none" w="med" len="med"/>
+                          <a:tailEnd type="none" w="med" len="med"/>
+                        </a:lnT>
+                        <a:lnB w="12700" cmpd="sng">
+                          <a:solidFill>
+                            <a:schemeClr val="tx1"/>
+                          </a:solidFill>
+                          <a:prstDash val="solid"/>
+                        </a:lnB>
+                      </a:tcPr>
+                    </a:tc>
+                    <a:tc>
+                      <a:txBody>
+                        <a:bodyPr/>
+                        <a:lstStyle/>
+                        <a:p>
+                          <a:pPr marL="0" marR="0" lvl="0" indent="0" algn="ctr" defTabSz="914400" rtl="0" eaLnBrk="1" fontAlgn="auto" latinLnBrk="0" hangingPunct="1">
+                            <a:lnSpc>
+                              <a:spcPct val="100000"/>
+                            </a:lnSpc>
+                            <a:spcBef>
+                              <a:spcPts val="0"/>
+                            </a:spcBef>
+                            <a:spcAft>
+                              <a:spcPts val="0"/>
+                            </a:spcAft>
+                            <a:buClrTx/>
+                            <a:buSzTx/>
+                            <a:buFontTx/>
+                            <a:buNone/>
+                            <a:tabLst/>
+                            <a:defRPr/>
+                          </a:pPr>
+                          <a14:m>
+                            <m:oMathPara xmlns:m="http://schemas.openxmlformats.org/officeDocument/2006/math">
+                              <m:oMathParaPr>
+                                <m:jc m:val="centerGroup"/>
+                              </m:oMathParaPr>
+                              <m:oMath xmlns:m="http://schemas.openxmlformats.org/officeDocument/2006/math">
+                                <m:r>
+                                  <a:rPr lang="tr-TR" b="0" i="1" smtClean="0">
+                                    <a:latin typeface="Cambria Math" panose="02040503050406030204" pitchFamily="18" charset="0"/>
+                                  </a:rPr>
+                                  <m:t>−</m:t>
+                                </m:r>
+                              </m:oMath>
+                            </m:oMathPara>
+                          </a14:m>
+                          <a:endParaRPr lang="en-US" dirty="0"/>
+                        </a:p>
+                      </a:txBody>
+                      <a:tcPr>
+                        <a:lnL w="12700" cmpd="sng">
+                          <a:solidFill>
+                            <a:schemeClr val="tx1"/>
+                          </a:solidFill>
+                          <a:prstDash val="solid"/>
+                        </a:lnL>
+                        <a:lnR w="12700" cap="flat" cmpd="sng" algn="ctr">
+                          <a:solidFill>
+                            <a:schemeClr val="tx1"/>
+                          </a:solidFill>
+                          <a:prstDash val="solid"/>
+                          <a:round/>
+                          <a:headEnd type="none" w="med" len="med"/>
+                          <a:tailEnd type="none" w="med" len="med"/>
+                        </a:lnR>
+                        <a:lnT w="12700" cap="flat" cmpd="sng" algn="ctr">
+                          <a:solidFill>
+                            <a:schemeClr val="tx1"/>
+                          </a:solidFill>
+                          <a:prstDash val="solid"/>
+                          <a:round/>
+                          <a:headEnd type="none" w="med" len="med"/>
+                          <a:tailEnd type="none" w="med" len="med"/>
+                        </a:lnT>
+                        <a:lnB w="12700" cmpd="sng">
+                          <a:solidFill>
+                            <a:schemeClr val="tx1"/>
+                          </a:solidFill>
+                          <a:prstDash val="solid"/>
+                        </a:lnB>
+                      </a:tcPr>
+                    </a:tc>
+                    <a:tc>
+                      <a:txBody>
+                        <a:bodyPr/>
+                        <a:lstStyle/>
+                        <a:p>
+                          <a:pPr algn="ctr"/>
+                          <a14:m>
+                            <m:oMathPara xmlns:m="http://schemas.openxmlformats.org/officeDocument/2006/math">
+                              <m:oMathParaPr>
+                                <m:jc m:val="centerGroup"/>
+                              </m:oMathParaPr>
+                              <m:oMath xmlns:m="http://schemas.openxmlformats.org/officeDocument/2006/math">
+                                <m:r>
+                                  <a:rPr lang="tr-TR" b="0" i="1" smtClean="0">
+                                    <a:latin typeface="Cambria Math" panose="02040503050406030204" pitchFamily="18" charset="0"/>
+                                  </a:rPr>
+                                  <m:t>−</m:t>
+                                </m:r>
+                              </m:oMath>
+                            </m:oMathPara>
+                          </a14:m>
+                          <a:endParaRPr lang="en-US" dirty="0"/>
+                        </a:p>
+                      </a:txBody>
+                      <a:tcPr>
+                        <a:lnL w="12700" cmpd="sng">
+                          <a:solidFill>
+                            <a:schemeClr val="tx1"/>
+                          </a:solidFill>
+                          <a:prstDash val="solid"/>
+                        </a:lnL>
+                        <a:lnR w="12700" cap="flat" cmpd="sng" algn="ctr">
+                          <a:solidFill>
+                            <a:schemeClr val="tx1"/>
+                          </a:solidFill>
+                          <a:prstDash val="solid"/>
+                          <a:round/>
+                          <a:headEnd type="none" w="med" len="med"/>
+                          <a:tailEnd type="none" w="med" len="med"/>
+                        </a:lnR>
+                        <a:lnT w="12700" cap="flat" cmpd="sng" algn="ctr">
+                          <a:solidFill>
+                            <a:schemeClr val="tx1"/>
+                          </a:solidFill>
+                          <a:prstDash val="solid"/>
+                          <a:round/>
+                          <a:headEnd type="none" w="med" len="med"/>
+                          <a:tailEnd type="none" w="med" len="med"/>
+                        </a:lnT>
+                        <a:lnB w="12700" cmpd="sng">
+                          <a:solidFill>
+                            <a:schemeClr val="tx1"/>
+                          </a:solidFill>
+                          <a:prstDash val="solid"/>
+                        </a:lnB>
+                      </a:tcPr>
+                    </a:tc>
+                    <a:tc>
+                      <a:txBody>
+                        <a:bodyPr/>
+                        <a:lstStyle/>
+                        <a:p>
+                          <a:pPr algn="ctr"/>
+                          <a:endParaRPr lang="en-US" dirty="0"/>
+                        </a:p>
+                      </a:txBody>
+                      <a:tcPr>
+                        <a:lnL w="12700" cap="flat" cmpd="sng" algn="ctr">
+                          <a:solidFill>
+                            <a:schemeClr val="tx1"/>
+                          </a:solidFill>
+                          <a:prstDash val="solid"/>
+                          <a:round/>
+                          <a:headEnd type="none" w="med" len="med"/>
+                          <a:tailEnd type="none" w="med" len="med"/>
+                        </a:lnL>
+                        <a:lnR w="12700" cap="flat" cmpd="sng" algn="ctr">
+                          <a:solidFill>
+                            <a:schemeClr val="tx1"/>
+                          </a:solidFill>
+                          <a:prstDash val="solid"/>
+                          <a:round/>
+                          <a:headEnd type="none" w="med" len="med"/>
+                          <a:tailEnd type="none" w="med" len="med"/>
+                        </a:lnR>
+                        <a:lnT w="12700" cap="flat" cmpd="sng" algn="ctr">
+                          <a:noFill/>
+                          <a:prstDash val="solid"/>
+                          <a:round/>
+                          <a:headEnd type="none" w="med" len="med"/>
+                          <a:tailEnd type="none" w="med" len="med"/>
+                        </a:lnT>
+                        <a:lnB w="12700" cmpd="sng">
+                          <a:noFill/>
+                          <a:prstDash val="solid"/>
+                        </a:lnB>
+                        <a:lnTlToBr w="12700" cmpd="sng">
+                          <a:noFill/>
+                          <a:prstDash val="solid"/>
+                        </a:lnTlToBr>
+                        <a:lnBlToTr w="12700" cmpd="sng">
+                          <a:noFill/>
+                          <a:prstDash val="solid"/>
+                        </a:lnBlToTr>
+                      </a:tcPr>
+                    </a:tc>
+                    <a:tc>
+                      <a:txBody>
+                        <a:bodyPr/>
+                        <a:lstStyle/>
+                        <a:p>
+                          <a:pPr algn="ctr"/>
+                          <a14:m>
+                            <m:oMathPara xmlns:m="http://schemas.openxmlformats.org/officeDocument/2006/math">
+                              <m:oMathParaPr>
+                                <m:jc m:val="centerGroup"/>
+                              </m:oMathParaPr>
+                              <m:oMath xmlns:m="http://schemas.openxmlformats.org/officeDocument/2006/math">
+                                <m:r>
+                                  <a:rPr lang="tr-TR" b="0" i="1" smtClean="0">
+                                    <a:latin typeface="Cambria Math" panose="02040503050406030204" pitchFamily="18" charset="0"/>
+                                  </a:rPr>
+                                  <m:t>0</m:t>
+                                </m:r>
+                              </m:oMath>
+                            </m:oMathPara>
+                          </a14:m>
+                          <a:endParaRPr lang="en-US" dirty="0"/>
+                        </a:p>
+                      </a:txBody>
+                      <a:tcPr>
+                        <a:lnL w="12700" cap="flat" cmpd="sng" algn="ctr">
+                          <a:solidFill>
+                            <a:schemeClr val="tx1"/>
+                          </a:solidFill>
+                          <a:prstDash val="solid"/>
+                          <a:round/>
+                          <a:headEnd type="none" w="med" len="med"/>
+                          <a:tailEnd type="none" w="med" len="med"/>
+                        </a:lnL>
+                        <a:lnR w="12700" cap="flat" cmpd="sng" algn="ctr">
+                          <a:solidFill>
+                            <a:schemeClr val="tx1"/>
+                          </a:solidFill>
+                          <a:prstDash val="solid"/>
+                          <a:round/>
+                          <a:headEnd type="none" w="med" len="med"/>
+                          <a:tailEnd type="none" w="med" len="med"/>
+                        </a:lnR>
+                        <a:lnT w="12700" cap="flat" cmpd="sng" algn="ctr">
+                          <a:solidFill>
+                            <a:schemeClr val="tx1"/>
+                          </a:solidFill>
+                          <a:prstDash val="solid"/>
+                          <a:round/>
+                          <a:headEnd type="none" w="med" len="med"/>
+                          <a:tailEnd type="none" w="med" len="med"/>
+                        </a:lnT>
+                        <a:lnB w="12700" cmpd="sng">
+                          <a:solidFill>
+                            <a:schemeClr val="tx1"/>
+                          </a:solidFill>
+                          <a:prstDash val="solid"/>
+                        </a:lnB>
+                      </a:tcPr>
+                    </a:tc>
+                    <a:tc>
+                      <a:txBody>
+                        <a:bodyPr/>
+                        <a:lstStyle/>
+                        <a:p>
+                          <a:pPr algn="ctr"/>
+                          <a:endParaRPr lang="en-US" dirty="0"/>
+                        </a:p>
+                      </a:txBody>
+                      <a:tcPr>
+                        <a:lnL w="12700" cap="flat" cmpd="sng" algn="ctr">
+                          <a:solidFill>
+                            <a:schemeClr val="tx1"/>
+                          </a:solidFill>
+                          <a:prstDash val="solid"/>
+                          <a:round/>
+                          <a:headEnd type="none" w="med" len="med"/>
+                          <a:tailEnd type="none" w="med" len="med"/>
+                        </a:lnL>
+                        <a:lnR w="12700" cap="flat" cmpd="sng" algn="ctr">
+                          <a:solidFill>
+                            <a:schemeClr val="tx1"/>
+                          </a:solidFill>
+                          <a:prstDash val="solid"/>
+                          <a:round/>
+                          <a:headEnd type="none" w="med" len="med"/>
+                          <a:tailEnd type="none" w="med" len="med"/>
+                        </a:lnR>
+                        <a:lnT w="12700" cap="flat" cmpd="sng" algn="ctr">
+                          <a:noFill/>
+                          <a:prstDash val="solid"/>
+                          <a:round/>
+                          <a:headEnd type="none" w="med" len="med"/>
+                          <a:tailEnd type="none" w="med" len="med"/>
+                        </a:lnT>
+                        <a:lnB w="12700" cmpd="sng">
+                          <a:noFill/>
+                          <a:prstDash val="solid"/>
+                        </a:lnB>
+                        <a:lnTlToBr w="12700" cmpd="sng">
+                          <a:noFill/>
+                          <a:prstDash val="solid"/>
+                        </a:lnTlToBr>
+                        <a:lnBlToTr w="12700" cmpd="sng">
+                          <a:noFill/>
+                          <a:prstDash val="solid"/>
+                        </a:lnBlToTr>
+                      </a:tcPr>
+                    </a:tc>
+                    <a:tc>
+                      <a:txBody>
+                        <a:bodyPr/>
+                        <a:lstStyle/>
+                        <a:p>
+                          <a:pPr algn="ctr"/>
+                          <a14:m>
+                            <m:oMathPara xmlns:m="http://schemas.openxmlformats.org/officeDocument/2006/math">
+                              <m:oMathParaPr>
+                                <m:jc m:val="centerGroup"/>
+                              </m:oMathParaPr>
+                              <m:oMath xmlns:m="http://schemas.openxmlformats.org/officeDocument/2006/math">
+                                <m:sSub>
+                                  <m:sSubPr>
+                                    <m:ctrlPr>
+                                      <a:rPr lang="tr-TR" b="0" i="1" smtClean="0">
+                                        <a:latin typeface="Cambria Math" panose="02040503050406030204" pitchFamily="18" charset="0"/>
+                                      </a:rPr>
+                                    </m:ctrlPr>
+                                  </m:sSubPr>
+                                  <m:e>
+                                    <m:r>
+                                      <a:rPr lang="tr-TR" b="0" i="1" smtClean="0">
+                                        <a:latin typeface="Cambria Math" panose="02040503050406030204" pitchFamily="18" charset="0"/>
+                                      </a:rPr>
+                                      <m:t>𝐼</m:t>
+                                    </m:r>
+                                  </m:e>
+                                  <m:sub>
+                                    <m:r>
+                                      <a:rPr lang="tr-TR" b="0" i="1" smtClean="0">
+                                        <a:latin typeface="Cambria Math" panose="02040503050406030204" pitchFamily="18" charset="0"/>
+                                      </a:rPr>
+                                      <m:t>𝑠</m:t>
+                                    </m:r>
+                                    <m:r>
+                                      <a:rPr lang="tr-TR" b="0" i="1" smtClean="0">
+                                        <a:latin typeface="Cambria Math" panose="02040503050406030204" pitchFamily="18" charset="0"/>
+                                      </a:rPr>
+                                      <m:t>2 </m:t>
+                                    </m:r>
+                                  </m:sub>
+                                </m:sSub>
+                              </m:oMath>
+                            </m:oMathPara>
+                          </a14:m>
+                          <a:endParaRPr lang="en-US" dirty="0"/>
+                        </a:p>
+                      </a:txBody>
+                      <a:tcPr>
+                        <a:lnL w="12700" cap="flat" cmpd="sng" algn="ctr">
+                          <a:solidFill>
+                            <a:schemeClr val="tx1"/>
+                          </a:solidFill>
+                          <a:prstDash val="solid"/>
+                          <a:round/>
+                          <a:headEnd type="none" w="med" len="med"/>
+                          <a:tailEnd type="none" w="med" len="med"/>
+                        </a:lnL>
+                        <a:lnR w="12700" cmpd="sng">
+                          <a:solidFill>
+                            <a:schemeClr val="tx1"/>
+                          </a:solidFill>
+                          <a:prstDash val="solid"/>
+                        </a:lnR>
+                        <a:lnT w="12700" cap="flat" cmpd="sng" algn="ctr">
+                          <a:solidFill>
+                            <a:schemeClr val="tx1"/>
+                          </a:solidFill>
+                          <a:prstDash val="solid"/>
+                          <a:round/>
+                          <a:headEnd type="none" w="med" len="med"/>
+                          <a:tailEnd type="none" w="med" len="med"/>
+                        </a:lnT>
+                        <a:lnB w="12700" cmpd="sng">
+                          <a:solidFill>
+                            <a:schemeClr val="tx1"/>
+                          </a:solidFill>
+                          <a:prstDash val="solid"/>
+                        </a:lnB>
+                      </a:tcPr>
+                    </a:tc>
+                    <a:extLst>
+                      <a:ext uri="{0D108BD9-81ED-4DB2-BD59-A6C34878D82A}">
+                        <a16:rowId xmlns:a16="http://schemas.microsoft.com/office/drawing/2014/main" val="1937804461"/>
+                      </a:ext>
+                    </a:extLst>
+                  </a:tr>
+                </a:tbl>
+              </a:graphicData>
+            </a:graphic>
+          </p:graphicFrame>
+        </mc:Choice>
+        <mc:Fallback xmlns="">
+          <p:graphicFrame>
+            <p:nvGraphicFramePr>
+              <p:cNvPr id="4" name="Table 3">
+                <a:extLst>
+                  <a:ext uri="{FF2B5EF4-FFF2-40B4-BE49-F238E27FC236}">
+                    <a16:creationId xmlns:a16="http://schemas.microsoft.com/office/drawing/2014/main" id="{B5D698E7-B397-4B2D-AFAA-471E2B9447A9}"/>
+                  </a:ext>
+                </a:extLst>
+              </p:cNvPr>
+              <p:cNvGraphicFramePr>
+                <a:graphicFrameLocks noGrp="1"/>
+              </p:cNvGraphicFramePr>
+              <p:nvPr>
+                <p:extLst>
+                  <p:ext uri="{D42A27DB-BD31-4B8C-83A1-F6EECF244321}">
+                    <p14:modId xmlns:p14="http://schemas.microsoft.com/office/powerpoint/2010/main" val="1357179579"/>
+                  </p:ext>
+                </p:extLst>
+              </p:nvPr>
+            </p:nvGraphicFramePr>
+            <p:xfrm>
+              <a:off x="1404871" y="750239"/>
+              <a:ext cx="6979298" cy="1829754"/>
+            </p:xfrm>
+            <a:graphic>
+              <a:graphicData uri="http://schemas.openxmlformats.org/drawingml/2006/table">
+                <a:tbl>
+                  <a:tblPr/>
+                  <a:tblGrid>
+                    <a:gridCol w="1175657">
+                      <a:extLst>
+                        <a:ext uri="{9D8B030D-6E8A-4147-A177-3AD203B41FA5}">
+                          <a16:colId xmlns:a16="http://schemas.microsoft.com/office/drawing/2014/main" val="598287905"/>
+                        </a:ext>
+                      </a:extLst>
+                    </a:gridCol>
+                    <a:gridCol w="1218311">
+                      <a:extLst>
+                        <a:ext uri="{9D8B030D-6E8A-4147-A177-3AD203B41FA5}">
+                          <a16:colId xmlns:a16="http://schemas.microsoft.com/office/drawing/2014/main" val="3168825590"/>
+                        </a:ext>
+                      </a:extLst>
+                    </a:gridCol>
+                    <a:gridCol w="1196985">
+                      <a:extLst>
+                        <a:ext uri="{9D8B030D-6E8A-4147-A177-3AD203B41FA5}">
+                          <a16:colId xmlns:a16="http://schemas.microsoft.com/office/drawing/2014/main" val="1736775809"/>
+                        </a:ext>
+                      </a:extLst>
+                    </a:gridCol>
+                    <a:gridCol w="430541">
+                      <a:extLst>
+                        <a:ext uri="{9D8B030D-6E8A-4147-A177-3AD203B41FA5}">
+                          <a16:colId xmlns:a16="http://schemas.microsoft.com/office/drawing/2014/main" val="2087701533"/>
+                        </a:ext>
+                      </a:extLst>
+                    </a:gridCol>
+                    <a:gridCol w="1017036">
+                      <a:extLst>
+                        <a:ext uri="{9D8B030D-6E8A-4147-A177-3AD203B41FA5}">
+                          <a16:colId xmlns:a16="http://schemas.microsoft.com/office/drawing/2014/main" val="2056814148"/>
+                        </a:ext>
+                      </a:extLst>
+                    </a:gridCol>
+                    <a:gridCol w="718457">
+                      <a:extLst>
+                        <a:ext uri="{9D8B030D-6E8A-4147-A177-3AD203B41FA5}">
+                          <a16:colId xmlns:a16="http://schemas.microsoft.com/office/drawing/2014/main" val="62675339"/>
+                        </a:ext>
+                      </a:extLst>
+                    </a:gridCol>
+                    <a:gridCol w="1222311">
+                      <a:extLst>
+                        <a:ext uri="{9D8B030D-6E8A-4147-A177-3AD203B41FA5}">
+                          <a16:colId xmlns:a16="http://schemas.microsoft.com/office/drawing/2014/main" val="3971988003"/>
+                        </a:ext>
+                      </a:extLst>
+                    </a:gridCol>
+                  </a:tblGrid>
+                  <a:tr h="609918">
+                    <a:tc>
+                      <a:txBody>
+                        <a:bodyPr/>
+                        <a:lstStyle/>
+                        <a:p>
+                          <a:endParaRPr lang="en-US"/>
+                        </a:p>
+                      </a:txBody>
+                      <a:tcPr>
+                        <a:lnL w="12700" cmpd="sng">
+                          <a:solidFill>
+                            <a:schemeClr val="tx1"/>
+                          </a:solidFill>
+                          <a:prstDash val="solid"/>
+                        </a:lnL>
+                        <a:lnR w="12700" cap="flat" cmpd="sng" algn="ctr">
+                          <a:solidFill>
+                            <a:schemeClr val="tx1"/>
+                          </a:solidFill>
+                          <a:prstDash val="solid"/>
+                          <a:round/>
+                          <a:headEnd type="none" w="med" len="med"/>
+                          <a:tailEnd type="none" w="med" len="med"/>
+                        </a:lnR>
+                        <a:lnT w="12700" cmpd="sng">
+                          <a:solidFill>
+                            <a:schemeClr val="tx1"/>
+                          </a:solidFill>
+                          <a:prstDash val="solid"/>
+                        </a:lnT>
+                        <a:lnB w="12700" cmpd="sng">
+                          <a:solidFill>
+                            <a:schemeClr val="tx1"/>
+                          </a:solidFill>
+                          <a:prstDash val="solid"/>
+                        </a:lnB>
+                        <a:blipFill>
+                          <a:blip r:embed="rId2"/>
+                          <a:stretch>
+                            <a:fillRect l="-518" t="-1000" r="-494819" b="-203000"/>
+                          </a:stretch>
+                        </a:blipFill>
+                      </a:tcPr>
+                    </a:tc>
+                    <a:tc>
+                      <a:txBody>
+                        <a:bodyPr/>
+                        <a:lstStyle/>
+                        <a:p>
+                          <a:endParaRPr lang="en-US"/>
+                        </a:p>
+                      </a:txBody>
+                      <a:tcPr>
+                        <a:lnL w="12700" cmpd="sng">
+                          <a:solidFill>
+                            <a:schemeClr val="tx1"/>
+                          </a:solidFill>
+                          <a:prstDash val="solid"/>
+                        </a:lnL>
+                        <a:lnR w="12700" cap="flat" cmpd="sng" algn="ctr">
+                          <a:solidFill>
+                            <a:schemeClr val="tx1"/>
+                          </a:solidFill>
+                          <a:prstDash val="solid"/>
+                          <a:round/>
+                          <a:headEnd type="none" w="med" len="med"/>
+                          <a:tailEnd type="none" w="med" len="med"/>
+                        </a:lnR>
+                        <a:lnT w="12700" cmpd="sng">
+                          <a:solidFill>
+                            <a:schemeClr val="tx1"/>
+                          </a:solidFill>
+                          <a:prstDash val="solid"/>
+                        </a:lnT>
+                        <a:lnB w="12700" cap="flat" cmpd="sng" algn="ctr">
+                          <a:solidFill>
+                            <a:schemeClr val="tx1"/>
+                          </a:solidFill>
+                          <a:prstDash val="solid"/>
+                          <a:round/>
+                          <a:headEnd type="none" w="med" len="med"/>
+                          <a:tailEnd type="none" w="med" len="med"/>
+                        </a:lnB>
+                        <a:blipFill>
+                          <a:blip r:embed="rId2"/>
+                          <a:stretch>
+                            <a:fillRect l="-97000" t="-1000" r="-377500" b="-203000"/>
+                          </a:stretch>
+                        </a:blipFill>
+                      </a:tcPr>
+                    </a:tc>
+                    <a:tc>
+                      <a:txBody>
+                        <a:bodyPr/>
+                        <a:lstStyle/>
+                        <a:p>
+                          <a:endParaRPr lang="en-US"/>
+                        </a:p>
+                      </a:txBody>
+                      <a:tcPr>
+                        <a:lnL w="12700" cmpd="sng">
+                          <a:solidFill>
+                            <a:schemeClr val="tx1"/>
+                          </a:solidFill>
+                          <a:prstDash val="solid"/>
+                        </a:lnL>
+                        <a:lnR w="12700" cap="flat" cmpd="sng" algn="ctr">
+                          <a:solidFill>
+                            <a:schemeClr val="tx1"/>
+                          </a:solidFill>
+                          <a:prstDash val="solid"/>
+                          <a:round/>
+                          <a:headEnd type="none" w="med" len="med"/>
+                          <a:tailEnd type="none" w="med" len="med"/>
+                        </a:lnR>
+                        <a:lnT w="12700" cmpd="sng">
+                          <a:solidFill>
+                            <a:schemeClr val="tx1"/>
+                          </a:solidFill>
+                          <a:prstDash val="solid"/>
+                        </a:lnT>
+                        <a:lnB w="12700" cap="flat" cmpd="sng" algn="ctr">
+                          <a:solidFill>
+                            <a:schemeClr val="tx1"/>
+                          </a:solidFill>
+                          <a:prstDash val="solid"/>
+                          <a:round/>
+                          <a:headEnd type="none" w="med" len="med"/>
+                          <a:tailEnd type="none" w="med" len="med"/>
+                        </a:lnB>
+                        <a:blipFill>
+                          <a:blip r:embed="rId2"/>
+                          <a:stretch>
+                            <a:fillRect l="-200000" t="-1000" r="-283249" b="-203000"/>
+                          </a:stretch>
+                        </a:blipFill>
+                      </a:tcPr>
+                    </a:tc>
+                    <a:tc>
+                      <a:txBody>
+                        <a:bodyPr/>
+                        <a:lstStyle/>
+                        <a:p>
+                          <a:pPr algn="ctr"/>
+                          <a:endParaRPr lang="en-US" dirty="0"/>
+                        </a:p>
+                      </a:txBody>
+                      <a:tcPr>
+                        <a:lnL w="12700" cap="flat" cmpd="sng" algn="ctr">
+                          <a:solidFill>
+                            <a:schemeClr val="tx1"/>
+                          </a:solidFill>
+                          <a:prstDash val="solid"/>
+                          <a:round/>
+                          <a:headEnd type="none" w="med" len="med"/>
+                          <a:tailEnd type="none" w="med" len="med"/>
+                        </a:lnL>
+                        <a:lnR w="12700" cap="flat" cmpd="sng" algn="ctr">
+                          <a:solidFill>
+                            <a:schemeClr val="tx1"/>
+                          </a:solidFill>
+                          <a:prstDash val="solid"/>
+                          <a:round/>
+                          <a:headEnd type="none" w="med" len="med"/>
+                          <a:tailEnd type="none" w="med" len="med"/>
+                        </a:lnR>
+                        <a:lnT w="12700" cmpd="sng">
+                          <a:noFill/>
+                          <a:prstDash val="solid"/>
+                        </a:lnT>
+                        <a:lnB w="12700" cap="flat" cmpd="sng" algn="ctr">
+                          <a:noFill/>
+                          <a:prstDash val="solid"/>
+                          <a:round/>
+                          <a:headEnd type="none" w="med" len="med"/>
+                          <a:tailEnd type="none" w="med" len="med"/>
+                        </a:lnB>
+                        <a:lnTlToBr w="12700" cmpd="sng">
+                          <a:noFill/>
+                          <a:prstDash val="solid"/>
+                        </a:lnTlToBr>
+                        <a:lnBlToTr w="12700" cmpd="sng">
+                          <a:noFill/>
+                          <a:prstDash val="solid"/>
+                        </a:lnBlToTr>
+                      </a:tcPr>
+                    </a:tc>
+                    <a:tc>
+                      <a:txBody>
+                        <a:bodyPr/>
+                        <a:lstStyle/>
+                        <a:p>
+                          <a:endParaRPr lang="en-US"/>
+                        </a:p>
+                      </a:txBody>
+                      <a:tcPr>
+                        <a:lnL w="12700" cap="flat" cmpd="sng" algn="ctr">
+                          <a:solidFill>
+                            <a:schemeClr val="tx1"/>
+                          </a:solidFill>
+                          <a:prstDash val="solid"/>
+                          <a:round/>
+                          <a:headEnd type="none" w="med" len="med"/>
+                          <a:tailEnd type="none" w="med" len="med"/>
+                        </a:lnL>
+                        <a:lnR w="12700" cap="flat" cmpd="sng" algn="ctr">
+                          <a:solidFill>
+                            <a:schemeClr val="tx1"/>
+                          </a:solidFill>
+                          <a:prstDash val="solid"/>
+                          <a:round/>
+                          <a:headEnd type="none" w="med" len="med"/>
+                          <a:tailEnd type="none" w="med" len="med"/>
+                        </a:lnR>
+                        <a:lnT w="12700" cmpd="sng">
+                          <a:solidFill>
+                            <a:schemeClr val="tx1"/>
+                          </a:solidFill>
+                          <a:prstDash val="solid"/>
+                        </a:lnT>
+                        <a:lnB w="12700" cap="flat" cmpd="sng" algn="ctr">
+                          <a:solidFill>
+                            <a:schemeClr val="tx1"/>
+                          </a:solidFill>
+                          <a:prstDash val="solid"/>
+                          <a:round/>
+                          <a:headEnd type="none" w="med" len="med"/>
+                          <a:tailEnd type="none" w="med" len="med"/>
+                        </a:lnB>
+                        <a:blipFill>
+                          <a:blip r:embed="rId2"/>
+                          <a:stretch>
+                            <a:fillRect l="-395808" t="-1000" r="-192216" b="-203000"/>
+                          </a:stretch>
+                        </a:blipFill>
+                      </a:tcPr>
+                    </a:tc>
+                    <a:tc>
+                      <a:txBody>
+                        <a:bodyPr/>
+                        <a:lstStyle/>
+                        <a:p>
+                          <a:pPr algn="ctr"/>
+                          <a:endParaRPr lang="en-US" dirty="0"/>
+                        </a:p>
+                      </a:txBody>
+                      <a:tcPr>
+                        <a:lnL w="12700" cap="flat" cmpd="sng" algn="ctr">
+                          <a:solidFill>
+                            <a:schemeClr val="tx1"/>
+                          </a:solidFill>
+                          <a:prstDash val="solid"/>
+                          <a:round/>
+                          <a:headEnd type="none" w="med" len="med"/>
+                          <a:tailEnd type="none" w="med" len="med"/>
+                        </a:lnL>
+                        <a:lnR w="12700" cap="flat" cmpd="sng" algn="ctr">
+                          <a:solidFill>
+                            <a:schemeClr val="tx1"/>
+                          </a:solidFill>
+                          <a:prstDash val="solid"/>
+                          <a:round/>
+                          <a:headEnd type="none" w="med" len="med"/>
+                          <a:tailEnd type="none" w="med" len="med"/>
+                        </a:lnR>
+                        <a:lnT w="12700" cmpd="sng">
+                          <a:noFill/>
+                          <a:prstDash val="solid"/>
+                        </a:lnT>
+                        <a:lnB w="12700" cap="flat" cmpd="sng" algn="ctr">
+                          <a:noFill/>
+                          <a:prstDash val="solid"/>
+                          <a:round/>
+                          <a:headEnd type="none" w="med" len="med"/>
+                          <a:tailEnd type="none" w="med" len="med"/>
+                        </a:lnB>
+                        <a:lnTlToBr w="12700" cmpd="sng">
+                          <a:noFill/>
+                          <a:prstDash val="solid"/>
+                        </a:lnTlToBr>
+                        <a:lnBlToTr w="12700" cmpd="sng">
+                          <a:noFill/>
+                          <a:prstDash val="solid"/>
+                        </a:lnBlToTr>
+                      </a:tcPr>
+                    </a:tc>
+                    <a:tc>
+                      <a:txBody>
+                        <a:bodyPr/>
+                        <a:lstStyle/>
+                        <a:p>
+                          <a:endParaRPr lang="en-US"/>
+                        </a:p>
+                      </a:txBody>
+                      <a:tcPr>
+                        <a:lnL w="12700" cap="flat" cmpd="sng" algn="ctr">
+                          <a:solidFill>
+                            <a:schemeClr val="tx1"/>
+                          </a:solidFill>
+                          <a:prstDash val="solid"/>
+                          <a:round/>
+                          <a:headEnd type="none" w="med" len="med"/>
+                          <a:tailEnd type="none" w="med" len="med"/>
+                        </a:lnL>
+                        <a:lnR w="12700" cmpd="sng">
+                          <a:solidFill>
+                            <a:schemeClr val="tx1"/>
+                          </a:solidFill>
+                          <a:prstDash val="solid"/>
+                        </a:lnR>
+                        <a:lnT w="12700" cmpd="sng">
+                          <a:solidFill>
+                            <a:schemeClr val="tx1"/>
+                          </a:solidFill>
+                          <a:prstDash val="solid"/>
+                        </a:lnT>
+                        <a:lnB w="12700" cap="flat" cmpd="sng" algn="ctr">
+                          <a:solidFill>
+                            <a:schemeClr val="tx1"/>
+                          </a:solidFill>
+                          <a:prstDash val="solid"/>
+                          <a:round/>
+                          <a:headEnd type="none" w="med" len="med"/>
+                          <a:tailEnd type="none" w="med" len="med"/>
+                        </a:lnB>
+                        <a:blipFill>
+                          <a:blip r:embed="rId2"/>
+                          <a:stretch>
+                            <a:fillRect l="-470647" t="-1000" r="-995" b="-203000"/>
+                          </a:stretch>
+                        </a:blipFill>
+                      </a:tcPr>
+                    </a:tc>
+                    <a:extLst>
+                      <a:ext uri="{0D108BD9-81ED-4DB2-BD59-A6C34878D82A}">
+                        <a16:rowId xmlns:a16="http://schemas.microsoft.com/office/drawing/2014/main" val="660730565"/>
+                      </a:ext>
+                    </a:extLst>
+                  </a:tr>
+                  <a:tr h="609918">
+                    <a:tc>
+                      <a:txBody>
+                        <a:bodyPr/>
+                        <a:lstStyle/>
+                        <a:p>
+                          <a:endParaRPr lang="en-US"/>
+                        </a:p>
+                      </a:txBody>
+                      <a:tcPr>
+                        <a:lnL w="12700" cmpd="sng">
+                          <a:solidFill>
+                            <a:schemeClr val="tx1"/>
+                          </a:solidFill>
+                          <a:prstDash val="solid"/>
+                        </a:lnL>
+                        <a:lnR w="12700" cap="flat" cmpd="sng" algn="ctr">
+                          <a:solidFill>
+                            <a:schemeClr val="tx1"/>
+                          </a:solidFill>
+                          <a:prstDash val="solid"/>
+                          <a:round/>
+                          <a:headEnd type="none" w="med" len="med"/>
+                          <a:tailEnd type="none" w="med" len="med"/>
+                        </a:lnR>
+                        <a:lnT w="12700" cap="flat" cmpd="sng" algn="ctr">
+                          <a:solidFill>
+                            <a:schemeClr val="tx1"/>
+                          </a:solidFill>
+                          <a:prstDash val="solid"/>
+                          <a:round/>
+                          <a:headEnd type="none" w="med" len="med"/>
+                          <a:tailEnd type="none" w="med" len="med"/>
+                        </a:lnT>
+                        <a:lnB w="12700" cap="flat" cmpd="sng" algn="ctr">
+                          <a:solidFill>
+                            <a:schemeClr val="tx1"/>
+                          </a:solidFill>
+                          <a:prstDash val="solid"/>
+                          <a:round/>
+                          <a:headEnd type="none" w="med" len="med"/>
+                          <a:tailEnd type="none" w="med" len="med"/>
+                        </a:lnB>
+                        <a:blipFill>
+                          <a:blip r:embed="rId2"/>
+                          <a:stretch>
+                            <a:fillRect l="-518" t="-100000" r="-494819" b="-100990"/>
+                          </a:stretch>
+                        </a:blipFill>
+                      </a:tcPr>
+                    </a:tc>
+                    <a:tc>
+                      <a:txBody>
+                        <a:bodyPr/>
+                        <a:lstStyle/>
+                        <a:p>
+                          <a:endParaRPr lang="en-US"/>
+                        </a:p>
+                      </a:txBody>
+                      <a:tcPr>
+                        <a:lnL w="12700" cmpd="sng">
+                          <a:solidFill>
+                            <a:schemeClr val="tx1"/>
+                          </a:solidFill>
+                          <a:prstDash val="solid"/>
+                        </a:lnL>
+                        <a:lnR w="12700" cap="flat" cmpd="sng" algn="ctr">
+                          <a:solidFill>
+                            <a:schemeClr val="tx1"/>
+                          </a:solidFill>
+                          <a:prstDash val="solid"/>
+                          <a:round/>
+                          <a:headEnd type="none" w="med" len="med"/>
+                          <a:tailEnd type="none" w="med" len="med"/>
+                        </a:lnR>
+                        <a:lnT w="12700" cap="flat" cmpd="sng" algn="ctr">
+                          <a:solidFill>
+                            <a:schemeClr val="tx1"/>
+                          </a:solidFill>
+                          <a:prstDash val="solid"/>
+                          <a:round/>
+                          <a:headEnd type="none" w="med" len="med"/>
+                          <a:tailEnd type="none" w="med" len="med"/>
+                        </a:lnT>
+                        <a:lnB w="12700" cap="flat" cmpd="sng" algn="ctr">
+                          <a:solidFill>
+                            <a:schemeClr val="tx1"/>
+                          </a:solidFill>
+                          <a:prstDash val="solid"/>
+                          <a:round/>
+                          <a:headEnd type="none" w="med" len="med"/>
+                          <a:tailEnd type="none" w="med" len="med"/>
+                        </a:lnB>
+                        <a:blipFill>
+                          <a:blip r:embed="rId2"/>
+                          <a:stretch>
+                            <a:fillRect l="-97000" t="-100000" r="-377500" b="-100990"/>
+                          </a:stretch>
+                        </a:blipFill>
+                      </a:tcPr>
+                    </a:tc>
+                    <a:tc>
+                      <a:txBody>
+                        <a:bodyPr/>
+                        <a:lstStyle/>
+                        <a:p>
+                          <a:endParaRPr lang="en-US"/>
+                        </a:p>
+                      </a:txBody>
+                      <a:tcPr>
+                        <a:lnL w="12700" cmpd="sng">
+                          <a:solidFill>
+                            <a:schemeClr val="tx1"/>
+                          </a:solidFill>
+                          <a:prstDash val="solid"/>
+                        </a:lnL>
+                        <a:lnR w="12700" cap="flat" cmpd="sng" algn="ctr">
+                          <a:solidFill>
+                            <a:schemeClr val="tx1"/>
+                          </a:solidFill>
+                          <a:prstDash val="solid"/>
+                          <a:round/>
+                          <a:headEnd type="none" w="med" len="med"/>
+                          <a:tailEnd type="none" w="med" len="med"/>
+                        </a:lnR>
+                        <a:lnT w="12700" cap="flat" cmpd="sng" algn="ctr">
+                          <a:solidFill>
+                            <a:schemeClr val="tx1"/>
+                          </a:solidFill>
+                          <a:prstDash val="solid"/>
+                          <a:round/>
+                          <a:headEnd type="none" w="med" len="med"/>
+                          <a:tailEnd type="none" w="med" len="med"/>
+                        </a:lnT>
+                        <a:lnB w="12700" cap="flat" cmpd="sng" algn="ctr">
+                          <a:solidFill>
+                            <a:schemeClr val="tx1"/>
+                          </a:solidFill>
+                          <a:prstDash val="solid"/>
+                          <a:round/>
+                          <a:headEnd type="none" w="med" len="med"/>
+                          <a:tailEnd type="none" w="med" len="med"/>
+                        </a:lnB>
+                        <a:blipFill>
+                          <a:blip r:embed="rId2"/>
+                          <a:stretch>
+                            <a:fillRect l="-200000" t="-100000" r="-283249" b="-100990"/>
+                          </a:stretch>
+                        </a:blipFill>
+                      </a:tcPr>
+                    </a:tc>
+                    <a:tc>
+                      <a:txBody>
+                        <a:bodyPr/>
+                        <a:lstStyle/>
+                        <a:p>
+                          <a:pPr algn="ctr"/>
+                          <a:endParaRPr lang="en-US" dirty="0"/>
+                        </a:p>
+                      </a:txBody>
+                      <a:tcPr>
+                        <a:lnL w="12700" cap="flat" cmpd="sng" algn="ctr">
+                          <a:solidFill>
+                            <a:schemeClr val="tx1"/>
+                          </a:solidFill>
+                          <a:prstDash val="solid"/>
+                          <a:round/>
+                          <a:headEnd type="none" w="med" len="med"/>
+                          <a:tailEnd type="none" w="med" len="med"/>
+                        </a:lnL>
+                        <a:lnR w="12700" cap="flat" cmpd="sng" algn="ctr">
+                          <a:solidFill>
+                            <a:schemeClr val="tx1"/>
+                          </a:solidFill>
+                          <a:prstDash val="solid"/>
+                          <a:round/>
+                          <a:headEnd type="none" w="med" len="med"/>
+                          <a:tailEnd type="none" w="med" len="med"/>
+                        </a:lnR>
+                        <a:lnT w="12700" cap="flat" cmpd="sng" algn="ctr">
+                          <a:noFill/>
+                          <a:prstDash val="solid"/>
+                          <a:round/>
+                          <a:headEnd type="none" w="med" len="med"/>
+                          <a:tailEnd type="none" w="med" len="med"/>
+                        </a:lnT>
+                        <a:lnB w="12700" cap="flat" cmpd="sng" algn="ctr">
+                          <a:noFill/>
+                          <a:prstDash val="solid"/>
+                          <a:round/>
+                          <a:headEnd type="none" w="med" len="med"/>
+                          <a:tailEnd type="none" w="med" len="med"/>
+                        </a:lnB>
+                        <a:lnTlToBr w="12700" cmpd="sng">
+                          <a:noFill/>
+                          <a:prstDash val="solid"/>
+                        </a:lnTlToBr>
+                        <a:lnBlToTr w="12700" cmpd="sng">
+                          <a:noFill/>
+                          <a:prstDash val="solid"/>
+                        </a:lnBlToTr>
+                      </a:tcPr>
+                    </a:tc>
+                    <a:tc>
+                      <a:txBody>
+                        <a:bodyPr/>
+                        <a:lstStyle/>
+                        <a:p>
+                          <a:endParaRPr lang="en-US"/>
+                        </a:p>
+                      </a:txBody>
+                      <a:tcPr>
+                        <a:lnL w="12700" cap="flat" cmpd="sng" algn="ctr">
+                          <a:solidFill>
+                            <a:schemeClr val="tx1"/>
+                          </a:solidFill>
+                          <a:prstDash val="solid"/>
+                          <a:round/>
+                          <a:headEnd type="none" w="med" len="med"/>
+                          <a:tailEnd type="none" w="med" len="med"/>
+                        </a:lnL>
+                        <a:lnR w="12700" cap="flat" cmpd="sng" algn="ctr">
+                          <a:solidFill>
+                            <a:schemeClr val="tx1"/>
+                          </a:solidFill>
+                          <a:prstDash val="solid"/>
+                          <a:round/>
+                          <a:headEnd type="none" w="med" len="med"/>
+                          <a:tailEnd type="none" w="med" len="med"/>
+                        </a:lnR>
+                        <a:lnT w="12700" cap="flat" cmpd="sng" algn="ctr">
+                          <a:solidFill>
+                            <a:schemeClr val="tx1"/>
+                          </a:solidFill>
+                          <a:prstDash val="solid"/>
+                          <a:round/>
+                          <a:headEnd type="none" w="med" len="med"/>
+                          <a:tailEnd type="none" w="med" len="med"/>
+                        </a:lnT>
+                        <a:lnB w="12700" cap="flat" cmpd="sng" algn="ctr">
+                          <a:solidFill>
+                            <a:schemeClr val="tx1"/>
+                          </a:solidFill>
+                          <a:prstDash val="solid"/>
+                          <a:round/>
+                          <a:headEnd type="none" w="med" len="med"/>
+                          <a:tailEnd type="none" w="med" len="med"/>
+                        </a:lnB>
+                        <a:blipFill>
+                          <a:blip r:embed="rId2"/>
+                          <a:stretch>
+                            <a:fillRect l="-395808" t="-100000" r="-192216" b="-100990"/>
+                          </a:stretch>
+                        </a:blipFill>
+                      </a:tcPr>
+                    </a:tc>
+                    <a:tc>
+                      <a:txBody>
+                        <a:bodyPr/>
+                        <a:lstStyle/>
+                        <a:p>
+                          <a:pPr algn="ctr"/>
+                          <a:r>
+                            <a:rPr lang="tr-TR" dirty="0"/>
+                            <a:t> =</a:t>
+                          </a:r>
+                          <a:endParaRPr lang="en-US" dirty="0"/>
+                        </a:p>
+                      </a:txBody>
+                      <a:tcPr>
+                        <a:lnL w="12700" cap="flat" cmpd="sng" algn="ctr">
+                          <a:solidFill>
+                            <a:schemeClr val="tx1"/>
+                          </a:solidFill>
+                          <a:prstDash val="solid"/>
+                          <a:round/>
+                          <a:headEnd type="none" w="med" len="med"/>
+                          <a:tailEnd type="none" w="med" len="med"/>
+                        </a:lnL>
+                        <a:lnR w="12700" cap="flat" cmpd="sng" algn="ctr">
+                          <a:solidFill>
+                            <a:schemeClr val="tx1"/>
+                          </a:solidFill>
+                          <a:prstDash val="solid"/>
+                          <a:round/>
+                          <a:headEnd type="none" w="med" len="med"/>
+                          <a:tailEnd type="none" w="med" len="med"/>
+                        </a:lnR>
+                        <a:lnT w="12700" cap="flat" cmpd="sng" algn="ctr">
+                          <a:noFill/>
+                          <a:prstDash val="solid"/>
+                          <a:round/>
+                          <a:headEnd type="none" w="med" len="med"/>
+                          <a:tailEnd type="none" w="med" len="med"/>
+                        </a:lnT>
+                        <a:lnB w="12700" cap="flat" cmpd="sng" algn="ctr">
+                          <a:noFill/>
+                          <a:prstDash val="solid"/>
+                          <a:round/>
+                          <a:headEnd type="none" w="med" len="med"/>
+                          <a:tailEnd type="none" w="med" len="med"/>
+                        </a:lnB>
+                        <a:lnTlToBr w="12700" cmpd="sng">
+                          <a:noFill/>
+                          <a:prstDash val="solid"/>
+                        </a:lnTlToBr>
+                        <a:lnBlToTr w="12700" cmpd="sng">
+                          <a:noFill/>
+                          <a:prstDash val="solid"/>
+                        </a:lnBlToTr>
+                      </a:tcPr>
+                    </a:tc>
+                    <a:tc>
+                      <a:txBody>
+                        <a:bodyPr/>
+                        <a:lstStyle/>
+                        <a:p>
+                          <a:endParaRPr lang="en-US"/>
+                        </a:p>
+                      </a:txBody>
+                      <a:tcPr>
+                        <a:lnL w="12700" cap="flat" cmpd="sng" algn="ctr">
+                          <a:solidFill>
+                            <a:schemeClr val="tx1"/>
+                          </a:solidFill>
+                          <a:prstDash val="solid"/>
+                          <a:round/>
+                          <a:headEnd type="none" w="med" len="med"/>
+                          <a:tailEnd type="none" w="med" len="med"/>
+                        </a:lnL>
+                        <a:lnR w="12700" cmpd="sng">
+                          <a:solidFill>
+                            <a:schemeClr val="tx1"/>
+                          </a:solidFill>
+                          <a:prstDash val="solid"/>
+                        </a:lnR>
+                        <a:lnT w="12700" cap="flat" cmpd="sng" algn="ctr">
+                          <a:solidFill>
+                            <a:schemeClr val="tx1"/>
+                          </a:solidFill>
+                          <a:prstDash val="solid"/>
+                          <a:round/>
+                          <a:headEnd type="none" w="med" len="med"/>
+                          <a:tailEnd type="none" w="med" len="med"/>
+                        </a:lnT>
+                        <a:lnB w="12700" cap="flat" cmpd="sng" algn="ctr">
+                          <a:solidFill>
+                            <a:schemeClr val="tx1"/>
+                          </a:solidFill>
+                          <a:prstDash val="solid"/>
+                          <a:round/>
+                          <a:headEnd type="none" w="med" len="med"/>
+                          <a:tailEnd type="none" w="med" len="med"/>
+                        </a:lnB>
+                        <a:blipFill>
+                          <a:blip r:embed="rId2"/>
+                          <a:stretch>
+                            <a:fillRect l="-470647" t="-100000" r="-995" b="-100990"/>
+                          </a:stretch>
+                        </a:blipFill>
+                      </a:tcPr>
+                    </a:tc>
+                    <a:extLst>
+                      <a:ext uri="{0D108BD9-81ED-4DB2-BD59-A6C34878D82A}">
+                        <a16:rowId xmlns:a16="http://schemas.microsoft.com/office/drawing/2014/main" val="2704066682"/>
+                      </a:ext>
+                    </a:extLst>
+                  </a:tr>
+                  <a:tr h="609918">
+                    <a:tc>
+                      <a:txBody>
+                        <a:bodyPr/>
+                        <a:lstStyle/>
+                        <a:p>
+                          <a:endParaRPr lang="en-US"/>
+                        </a:p>
+                      </a:txBody>
+                      <a:tcPr>
+                        <a:lnL w="12700" cmpd="sng">
+                          <a:solidFill>
+                            <a:schemeClr val="tx1"/>
+                          </a:solidFill>
+                          <a:prstDash val="solid"/>
+                        </a:lnL>
+                        <a:lnR w="12700" cap="flat" cmpd="sng" algn="ctr">
+                          <a:solidFill>
+                            <a:schemeClr val="tx1"/>
+                          </a:solidFill>
+                          <a:prstDash val="solid"/>
+                          <a:round/>
+                          <a:headEnd type="none" w="med" len="med"/>
+                          <a:tailEnd type="none" w="med" len="med"/>
+                        </a:lnR>
+                        <a:lnT w="12700" cap="flat" cmpd="sng" algn="ctr">
+                          <a:solidFill>
+                            <a:schemeClr val="tx1"/>
+                          </a:solidFill>
+                          <a:prstDash val="solid"/>
+                          <a:round/>
+                          <a:headEnd type="none" w="med" len="med"/>
+                          <a:tailEnd type="none" w="med" len="med"/>
+                        </a:lnT>
+                        <a:lnB w="12700" cmpd="sng">
+                          <a:solidFill>
+                            <a:schemeClr val="tx1"/>
+                          </a:solidFill>
+                          <a:prstDash val="solid"/>
+                        </a:lnB>
+                        <a:blipFill>
+                          <a:blip r:embed="rId2"/>
+                          <a:stretch>
+                            <a:fillRect l="-518" t="-202000" r="-494819" b="-2000"/>
+                          </a:stretch>
+                        </a:blipFill>
+                      </a:tcPr>
+                    </a:tc>
+                    <a:tc>
+                      <a:txBody>
+                        <a:bodyPr/>
+                        <a:lstStyle/>
+                        <a:p>
+                          <a:endParaRPr lang="en-US"/>
+                        </a:p>
+                      </a:txBody>
+                      <a:tcPr>
+                        <a:lnL w="12700" cmpd="sng">
+                          <a:solidFill>
+                            <a:schemeClr val="tx1"/>
+                          </a:solidFill>
+                          <a:prstDash val="solid"/>
+                        </a:lnL>
+                        <a:lnR w="12700" cap="flat" cmpd="sng" algn="ctr">
+                          <a:solidFill>
+                            <a:schemeClr val="tx1"/>
+                          </a:solidFill>
+                          <a:prstDash val="solid"/>
+                          <a:round/>
+                          <a:headEnd type="none" w="med" len="med"/>
+                          <a:tailEnd type="none" w="med" len="med"/>
+                        </a:lnR>
+                        <a:lnT w="12700" cap="flat" cmpd="sng" algn="ctr">
+                          <a:solidFill>
+                            <a:schemeClr val="tx1"/>
+                          </a:solidFill>
+                          <a:prstDash val="solid"/>
+                          <a:round/>
+                          <a:headEnd type="none" w="med" len="med"/>
+                          <a:tailEnd type="none" w="med" len="med"/>
+                        </a:lnT>
+                        <a:lnB w="12700" cmpd="sng">
+                          <a:solidFill>
+                            <a:schemeClr val="tx1"/>
+                          </a:solidFill>
+                          <a:prstDash val="solid"/>
+                        </a:lnB>
+                        <a:blipFill>
+                          <a:blip r:embed="rId2"/>
+                          <a:stretch>
+                            <a:fillRect l="-97000" t="-202000" r="-377500" b="-2000"/>
+                          </a:stretch>
+                        </a:blipFill>
+                      </a:tcPr>
+                    </a:tc>
+                    <a:tc>
+                      <a:txBody>
+                        <a:bodyPr/>
+                        <a:lstStyle/>
+                        <a:p>
+                          <a:endParaRPr lang="en-US"/>
+                        </a:p>
+                      </a:txBody>
+                      <a:tcPr>
+                        <a:lnL w="12700" cmpd="sng">
+                          <a:solidFill>
+                            <a:schemeClr val="tx1"/>
+                          </a:solidFill>
+                          <a:prstDash val="solid"/>
+                        </a:lnL>
+                        <a:lnR w="12700" cap="flat" cmpd="sng" algn="ctr">
+                          <a:solidFill>
+                            <a:schemeClr val="tx1"/>
+                          </a:solidFill>
+                          <a:prstDash val="solid"/>
+                          <a:round/>
+                          <a:headEnd type="none" w="med" len="med"/>
+                          <a:tailEnd type="none" w="med" len="med"/>
+                        </a:lnR>
+                        <a:lnT w="12700" cap="flat" cmpd="sng" algn="ctr">
+                          <a:solidFill>
+                            <a:schemeClr val="tx1"/>
+                          </a:solidFill>
+                          <a:prstDash val="solid"/>
+                          <a:round/>
+                          <a:headEnd type="none" w="med" len="med"/>
+                          <a:tailEnd type="none" w="med" len="med"/>
+                        </a:lnT>
+                        <a:lnB w="12700" cmpd="sng">
+                          <a:solidFill>
+                            <a:schemeClr val="tx1"/>
+                          </a:solidFill>
+                          <a:prstDash val="solid"/>
+                        </a:lnB>
+                        <a:blipFill>
+                          <a:blip r:embed="rId2"/>
+                          <a:stretch>
+                            <a:fillRect l="-200000" t="-202000" r="-283249" b="-2000"/>
+                          </a:stretch>
+                        </a:blipFill>
+                      </a:tcPr>
+                    </a:tc>
+                    <a:tc>
+                      <a:txBody>
+                        <a:bodyPr/>
+                        <a:lstStyle/>
+                        <a:p>
+                          <a:pPr algn="ctr"/>
+                          <a:endParaRPr lang="en-US" dirty="0"/>
+                        </a:p>
+                      </a:txBody>
+                      <a:tcPr>
+                        <a:lnL w="12700" cap="flat" cmpd="sng" algn="ctr">
+                          <a:solidFill>
+                            <a:schemeClr val="tx1"/>
+                          </a:solidFill>
+                          <a:prstDash val="solid"/>
+                          <a:round/>
+                          <a:headEnd type="none" w="med" len="med"/>
+                          <a:tailEnd type="none" w="med" len="med"/>
+                        </a:lnL>
+                        <a:lnR w="12700" cap="flat" cmpd="sng" algn="ctr">
+                          <a:solidFill>
+                            <a:schemeClr val="tx1"/>
+                          </a:solidFill>
+                          <a:prstDash val="solid"/>
+                          <a:round/>
+                          <a:headEnd type="none" w="med" len="med"/>
+                          <a:tailEnd type="none" w="med" len="med"/>
+                        </a:lnR>
+                        <a:lnT w="12700" cap="flat" cmpd="sng" algn="ctr">
+                          <a:noFill/>
+                          <a:prstDash val="solid"/>
+                          <a:round/>
+                          <a:headEnd type="none" w="med" len="med"/>
+                          <a:tailEnd type="none" w="med" len="med"/>
+                        </a:lnT>
+                        <a:lnB w="12700" cmpd="sng">
+                          <a:noFill/>
+                          <a:prstDash val="solid"/>
+                        </a:lnB>
+                        <a:lnTlToBr w="12700" cmpd="sng">
+                          <a:noFill/>
+                          <a:prstDash val="solid"/>
+                        </a:lnTlToBr>
+                        <a:lnBlToTr w="12700" cmpd="sng">
+                          <a:noFill/>
+                          <a:prstDash val="solid"/>
+                        </a:lnBlToTr>
+                      </a:tcPr>
+                    </a:tc>
+                    <a:tc>
+                      <a:txBody>
+                        <a:bodyPr/>
+                        <a:lstStyle/>
+                        <a:p>
+                          <a:endParaRPr lang="en-US"/>
+                        </a:p>
+                      </a:txBody>
+                      <a:tcPr>
+                        <a:lnL w="12700" cap="flat" cmpd="sng" algn="ctr">
+                          <a:solidFill>
+                            <a:schemeClr val="tx1"/>
+                          </a:solidFill>
+                          <a:prstDash val="solid"/>
+                          <a:round/>
+                          <a:headEnd type="none" w="med" len="med"/>
+                          <a:tailEnd type="none" w="med" len="med"/>
+                        </a:lnL>
+                        <a:lnR w="12700" cap="flat" cmpd="sng" algn="ctr">
+                          <a:solidFill>
+                            <a:schemeClr val="tx1"/>
+                          </a:solidFill>
+                          <a:prstDash val="solid"/>
+                          <a:round/>
+                          <a:headEnd type="none" w="med" len="med"/>
+                          <a:tailEnd type="none" w="med" len="med"/>
+                        </a:lnR>
+                        <a:lnT w="12700" cap="flat" cmpd="sng" algn="ctr">
+                          <a:solidFill>
+                            <a:schemeClr val="tx1"/>
+                          </a:solidFill>
+                          <a:prstDash val="solid"/>
+                          <a:round/>
+                          <a:headEnd type="none" w="med" len="med"/>
+                          <a:tailEnd type="none" w="med" len="med"/>
+                        </a:lnT>
+                        <a:lnB w="12700" cmpd="sng">
+                          <a:solidFill>
+                            <a:schemeClr val="tx1"/>
+                          </a:solidFill>
+                          <a:prstDash val="solid"/>
+                        </a:lnB>
+                        <a:blipFill>
+                          <a:blip r:embed="rId2"/>
+                          <a:stretch>
+                            <a:fillRect l="-395808" t="-202000" r="-192216" b="-2000"/>
+                          </a:stretch>
+                        </a:blipFill>
+                      </a:tcPr>
+                    </a:tc>
+                    <a:tc>
+                      <a:txBody>
+                        <a:bodyPr/>
+                        <a:lstStyle/>
+                        <a:p>
+                          <a:pPr algn="ctr"/>
+                          <a:endParaRPr lang="en-US" dirty="0"/>
+                        </a:p>
+                      </a:txBody>
+                      <a:tcPr>
+                        <a:lnL w="12700" cap="flat" cmpd="sng" algn="ctr">
+                          <a:solidFill>
+                            <a:schemeClr val="tx1"/>
+                          </a:solidFill>
+                          <a:prstDash val="solid"/>
+                          <a:round/>
+                          <a:headEnd type="none" w="med" len="med"/>
+                          <a:tailEnd type="none" w="med" len="med"/>
+                        </a:lnL>
+                        <a:lnR w="12700" cap="flat" cmpd="sng" algn="ctr">
+                          <a:solidFill>
+                            <a:schemeClr val="tx1"/>
+                          </a:solidFill>
+                          <a:prstDash val="solid"/>
+                          <a:round/>
+                          <a:headEnd type="none" w="med" len="med"/>
+                          <a:tailEnd type="none" w="med" len="med"/>
+                        </a:lnR>
+                        <a:lnT w="12700" cap="flat" cmpd="sng" algn="ctr">
+                          <a:noFill/>
+                          <a:prstDash val="solid"/>
+                          <a:round/>
+                          <a:headEnd type="none" w="med" len="med"/>
+                          <a:tailEnd type="none" w="med" len="med"/>
+                        </a:lnT>
+                        <a:lnB w="12700" cmpd="sng">
+                          <a:noFill/>
+                          <a:prstDash val="solid"/>
+                        </a:lnB>
+                        <a:lnTlToBr w="12700" cmpd="sng">
+                          <a:noFill/>
+                          <a:prstDash val="solid"/>
+                        </a:lnTlToBr>
+                        <a:lnBlToTr w="12700" cmpd="sng">
+                          <a:noFill/>
+                          <a:prstDash val="solid"/>
+                        </a:lnBlToTr>
+                      </a:tcPr>
+                    </a:tc>
+                    <a:tc>
+                      <a:txBody>
+                        <a:bodyPr/>
+                        <a:lstStyle/>
+                        <a:p>
+                          <a:endParaRPr lang="en-US"/>
+                        </a:p>
+                      </a:txBody>
+                      <a:tcPr>
+                        <a:lnL w="12700" cap="flat" cmpd="sng" algn="ctr">
+                          <a:solidFill>
+                            <a:schemeClr val="tx1"/>
+                          </a:solidFill>
+                          <a:prstDash val="solid"/>
+                          <a:round/>
+                          <a:headEnd type="none" w="med" len="med"/>
+                          <a:tailEnd type="none" w="med" len="med"/>
+                        </a:lnL>
+                        <a:lnR w="12700" cmpd="sng">
+                          <a:solidFill>
+                            <a:schemeClr val="tx1"/>
+                          </a:solidFill>
+                          <a:prstDash val="solid"/>
+                        </a:lnR>
+                        <a:lnT w="12700" cap="flat" cmpd="sng" algn="ctr">
+                          <a:solidFill>
+                            <a:schemeClr val="tx1"/>
+                          </a:solidFill>
+                          <a:prstDash val="solid"/>
+                          <a:round/>
+                          <a:headEnd type="none" w="med" len="med"/>
+                          <a:tailEnd type="none" w="med" len="med"/>
+                        </a:lnT>
+                        <a:lnB w="12700" cmpd="sng">
+                          <a:solidFill>
+                            <a:schemeClr val="tx1"/>
+                          </a:solidFill>
+                          <a:prstDash val="solid"/>
+                        </a:lnB>
+                        <a:blipFill>
+                          <a:blip r:embed="rId2"/>
+                          <a:stretch>
+                            <a:fillRect l="-470647" t="-202000" r="-995" b="-2000"/>
+                          </a:stretch>
+                        </a:blipFill>
+                      </a:tcPr>
+                    </a:tc>
+                    <a:extLst>
+                      <a:ext uri="{0D108BD9-81ED-4DB2-BD59-A6C34878D82A}">
+                        <a16:rowId xmlns:a16="http://schemas.microsoft.com/office/drawing/2014/main" val="1937804461"/>
+                      </a:ext>
+                    </a:extLst>
+                  </a:tr>
+                </a:tbl>
+              </a:graphicData>
+            </a:graphic>
+          </p:graphicFrame>
+        </mc:Fallback>
+      </mc:AlternateContent>
+      <mc:AlternateContent xmlns:mc="http://schemas.openxmlformats.org/markup-compatibility/2006" xmlns:a14="http://schemas.microsoft.com/office/drawing/2010/main">
+        <mc:Choice Requires="a14">
+          <p:sp>
+            <p:nvSpPr>
+              <p:cNvPr id="5" name="Rectangle 4">
+                <a:extLst>
+                  <a:ext uri="{FF2B5EF4-FFF2-40B4-BE49-F238E27FC236}">
+                    <a16:creationId xmlns:a16="http://schemas.microsoft.com/office/drawing/2014/main" id="{A5712312-E337-46EF-B45A-63AE2989799D}"/>
+                  </a:ext>
+                </a:extLst>
+              </p:cNvPr>
+              <p:cNvSpPr/>
+              <p:nvPr/>
+            </p:nvSpPr>
+            <p:spPr>
+              <a:xfrm>
+                <a:off x="1083816" y="3034004"/>
+                <a:ext cx="1763047" cy="615874"/>
+              </a:xfrm>
+              <a:prstGeom prst="rect">
+                <a:avLst/>
+              </a:prstGeom>
+            </p:spPr>
+            <p:txBody>
+              <a:bodyPr wrap="none">
+                <a:spAutoFit/>
+              </a:bodyPr>
+              <a:lstStyle/>
+              <a:p>
+                <a:pPr/>
+                <a14:m>
+                  <m:oMathPara xmlns:m="http://schemas.openxmlformats.org/officeDocument/2006/math">
+                    <m:oMathParaPr>
+                      <m:jc m:val="centerGroup"/>
+                    </m:oMathParaPr>
+                    <m:oMath xmlns:m="http://schemas.openxmlformats.org/officeDocument/2006/math">
+                      <m:sSub>
+                        <m:sSubPr>
+                          <m:ctrlPr>
+                            <a:rPr lang="tr-TR" i="1" smtClean="0">
+                              <a:latin typeface="Cambria Math" panose="02040503050406030204" pitchFamily="18" charset="0"/>
+                            </a:rPr>
+                          </m:ctrlPr>
+                        </m:sSubPr>
+                        <m:e>
+                          <m:r>
+                            <a:rPr lang="tr-TR" i="1">
+                              <a:latin typeface="Cambria Math" panose="02040503050406030204" pitchFamily="18" charset="0"/>
+                            </a:rPr>
+                            <m:t>𝐼</m:t>
+                          </m:r>
+                        </m:e>
+                        <m:sub>
+                          <m:r>
+                            <a:rPr lang="tr-TR" i="1">
+                              <a:latin typeface="Cambria Math" panose="02040503050406030204" pitchFamily="18" charset="0"/>
+                            </a:rPr>
+                            <m:t>𝑝</m:t>
+                          </m:r>
+                        </m:sub>
+                      </m:sSub>
+                      <m:r>
+                        <a:rPr lang="tr-TR" b="0" i="1" smtClean="0">
+                          <a:latin typeface="Cambria Math" panose="02040503050406030204" pitchFamily="18" charset="0"/>
+                        </a:rPr>
+                        <m:t>= </m:t>
+                      </m:r>
+                      <m:f>
+                        <m:fPr>
+                          <m:ctrlPr>
+                            <a:rPr lang="tr-TR" i="1">
+                              <a:latin typeface="Cambria Math" panose="02040503050406030204" pitchFamily="18" charset="0"/>
+                            </a:rPr>
+                          </m:ctrlPr>
+                        </m:fPr>
+                        <m:num>
+                          <m:sSub>
+                            <m:sSubPr>
+                              <m:ctrlPr>
+                                <a:rPr lang="tr-TR" i="1">
+                                  <a:latin typeface="Cambria Math" panose="02040503050406030204" pitchFamily="18" charset="0"/>
+                                </a:rPr>
+                              </m:ctrlPr>
+                            </m:sSubPr>
+                            <m:e>
+                              <m:r>
+                                <a:rPr lang="tr-TR" i="1">
+                                  <a:latin typeface="Cambria Math" panose="02040503050406030204" pitchFamily="18" charset="0"/>
+                                </a:rPr>
+                                <m:t>𝑚</m:t>
+                              </m:r>
+                            </m:e>
+                            <m:sub>
+                              <m:r>
+                                <a:rPr lang="tr-TR" i="1">
+                                  <a:latin typeface="Cambria Math" panose="02040503050406030204" pitchFamily="18" charset="0"/>
+                                </a:rPr>
+                                <m:t>1</m:t>
+                              </m:r>
+                            </m:sub>
+                          </m:sSub>
+                        </m:num>
+                        <m:den>
+                          <m:r>
+                            <m:rPr>
+                              <m:sty m:val="p"/>
+                            </m:rPr>
+                            <a:rPr lang="tr-TR">
+                              <a:latin typeface="Cambria Math" panose="02040503050406030204" pitchFamily="18" charset="0"/>
+                            </a:rPr>
+                            <m:t>det</m:t>
+                          </m:r>
+                          <m:r>
+                            <a:rPr lang="tr-TR" i="1">
+                              <a:latin typeface="Cambria Math" panose="02040503050406030204" pitchFamily="18" charset="0"/>
+                            </a:rPr>
+                            <m:t>⁡(</m:t>
+                          </m:r>
+                          <m:r>
+                            <a:rPr lang="tr-TR" i="1">
+                              <a:latin typeface="Cambria Math" panose="02040503050406030204" pitchFamily="18" charset="0"/>
+                            </a:rPr>
+                            <m:t>𝑍</m:t>
+                          </m:r>
+                          <m:r>
+                            <a:rPr lang="tr-TR" i="1">
+                              <a:latin typeface="Cambria Math" panose="02040503050406030204" pitchFamily="18" charset="0"/>
+                            </a:rPr>
+                            <m:t>)</m:t>
+                          </m:r>
+                        </m:den>
+                      </m:f>
+                      <m:sSub>
+                        <m:sSubPr>
+                          <m:ctrlPr>
+                            <a:rPr lang="tr-TR" b="0" i="1" smtClean="0">
+                              <a:latin typeface="Cambria Math" panose="02040503050406030204" pitchFamily="18" charset="0"/>
+                            </a:rPr>
+                          </m:ctrlPr>
+                        </m:sSubPr>
+                        <m:e>
+                          <m:r>
+                            <m:rPr>
+                              <m:sty m:val="p"/>
+                            </m:rPr>
+                            <a:rPr lang="tr-TR" b="0" i="0" smtClean="0">
+                              <a:latin typeface="Cambria Math" panose="02040503050406030204" pitchFamily="18" charset="0"/>
+                            </a:rPr>
+                            <m:t>V</m:t>
+                          </m:r>
+                        </m:e>
+                        <m:sub>
+                          <m:r>
+                            <m:rPr>
+                              <m:sty m:val="p"/>
+                            </m:rPr>
+                            <a:rPr lang="tr-TR" b="0" i="0" smtClean="0">
+                              <a:latin typeface="Cambria Math" panose="02040503050406030204" pitchFamily="18" charset="0"/>
+                            </a:rPr>
+                            <m:t>in</m:t>
+                          </m:r>
+                        </m:sub>
+                      </m:sSub>
+                    </m:oMath>
+                  </m:oMathPara>
+                </a14:m>
+                <a:endParaRPr lang="en-US" dirty="0"/>
+              </a:p>
+            </p:txBody>
+          </p:sp>
+        </mc:Choice>
+        <mc:Fallback xmlns="">
+          <p:sp>
+            <p:nvSpPr>
+              <p:cNvPr id="5" name="Rectangle 4">
+                <a:extLst>
+                  <a:ext uri="{FF2B5EF4-FFF2-40B4-BE49-F238E27FC236}">
+                    <a16:creationId xmlns:a16="http://schemas.microsoft.com/office/drawing/2014/main" id="{A5712312-E337-46EF-B45A-63AE2989799D}"/>
+                  </a:ext>
+                </a:extLst>
+              </p:cNvPr>
+              <p:cNvSpPr>
+                <a:spLocks noRot="1" noChangeAspect="1" noMove="1" noResize="1" noEditPoints="1" noAdjustHandles="1" noChangeArrowheads="1" noChangeShapeType="1" noTextEdit="1"/>
+              </p:cNvSpPr>
+              <p:nvPr/>
+            </p:nvSpPr>
+            <p:spPr>
+              <a:xfrm>
+                <a:off x="1083816" y="3034004"/>
+                <a:ext cx="1763047" cy="615874"/>
+              </a:xfrm>
+              <a:prstGeom prst="rect">
+                <a:avLst/>
+              </a:prstGeom>
+              <a:blipFill>
+                <a:blip r:embed="rId3"/>
+                <a:stretch>
+                  <a:fillRect/>
+                </a:stretch>
+              </a:blipFill>
+            </p:spPr>
+            <p:txBody>
+              <a:bodyPr/>
+              <a:lstStyle/>
+              <a:p>
+                <a:r>
+                  <a:rPr lang="en-US">
+                    <a:noFill/>
+                  </a:rPr>
+                  <a:t> </a:t>
+                </a:r>
+              </a:p>
+            </p:txBody>
+          </p:sp>
+        </mc:Fallback>
+      </mc:AlternateContent>
+      <p:cxnSp>
+        <p:nvCxnSpPr>
+          <p:cNvPr id="7" name="Straight Arrow Connector 6">
             <a:extLst>
               <a:ext uri="{FF2B5EF4-FFF2-40B4-BE49-F238E27FC236}">
-                <a16:creationId xmlns:a16="http://schemas.microsoft.com/office/drawing/2014/main" id="{BBC2DB26-A383-48C5-A222-4B7C0E5AD1B2}"/>
+                <a16:creationId xmlns:a16="http://schemas.microsoft.com/office/drawing/2014/main" id="{C4DB7C08-11FC-44CD-9972-618EAE7D9DAC}"/>
               </a:ext>
             </a:extLst>
           </p:cNvPr>
-          <p:cNvSpPr>
-            <a:spLocks noGrp="1"/>
-          </p:cNvSpPr>
-          <p:nvPr>
-            <p:ph type="title"/>
-          </p:nvPr>
-        </p:nvSpPr>
-        <p:spPr/>
-        <p:txBody>
-          <a:bodyPr/>
-          <a:lstStyle/>
-          <a:p>
-            <a:endParaRPr lang="en-US"/>
-          </a:p>
-        </p:txBody>
-      </p:sp>
-      <p:sp>
-        <p:nvSpPr>
-          <p:cNvPr id="3" name="Content Placeholder 2">
-            <a:extLst>
-              <a:ext uri="{FF2B5EF4-FFF2-40B4-BE49-F238E27FC236}">
-                <a16:creationId xmlns:a16="http://schemas.microsoft.com/office/drawing/2014/main" id="{D01DC089-AC71-46F3-BDC2-8C0E913FEDD3}"/>
-              </a:ext>
-            </a:extLst>
-          </p:cNvPr>
-          <p:cNvSpPr>
-            <a:spLocks noGrp="1"/>
-          </p:cNvSpPr>
-          <p:nvPr>
-            <p:ph idx="1"/>
-          </p:nvPr>
-        </p:nvSpPr>
-        <p:spPr/>
-        <p:txBody>
-          <a:bodyPr/>
-          <a:lstStyle/>
-          <a:p>
-            <a:endParaRPr lang="en-US"/>
-          </a:p>
-        </p:txBody>
-      </p:sp>
+          <p:cNvCxnSpPr/>
+          <p:nvPr/>
+        </p:nvCxnSpPr>
+        <p:spPr>
+          <a:xfrm>
+            <a:off x="3219718" y="3367825"/>
+            <a:ext cx="1384479" cy="0"/>
+          </a:xfrm>
+          <a:prstGeom prst="straightConnector1">
+            <a:avLst/>
+          </a:prstGeom>
+          <a:ln>
+            <a:solidFill>
+              <a:schemeClr val="tx1"/>
+            </a:solidFill>
+            <a:tailEnd type="triangle"/>
+          </a:ln>
+        </p:spPr>
+        <p:style>
+          <a:lnRef idx="1">
+            <a:schemeClr val="accent1"/>
+          </a:lnRef>
+          <a:fillRef idx="0">
+            <a:schemeClr val="accent1"/>
+          </a:fillRef>
+          <a:effectRef idx="0">
+            <a:schemeClr val="accent1"/>
+          </a:effectRef>
+          <a:fontRef idx="minor">
+            <a:schemeClr val="tx1"/>
+          </a:fontRef>
+        </p:style>
+      </p:cxnSp>
+      <mc:AlternateContent xmlns:mc="http://schemas.openxmlformats.org/markup-compatibility/2006" xmlns:a14="http://schemas.microsoft.com/office/drawing/2010/main">
+        <mc:Choice Requires="a14">
+          <p:sp>
+            <p:nvSpPr>
+              <p:cNvPr id="8" name="Rectangle 7">
+                <a:extLst>
+                  <a:ext uri="{FF2B5EF4-FFF2-40B4-BE49-F238E27FC236}">
+                    <a16:creationId xmlns:a16="http://schemas.microsoft.com/office/drawing/2014/main" id="{72D0DBD2-C00B-4463-8DAD-0128FBF2C3FF}"/>
+                  </a:ext>
+                </a:extLst>
+              </p:cNvPr>
+              <p:cNvSpPr/>
+              <p:nvPr/>
+            </p:nvSpPr>
+            <p:spPr>
+              <a:xfrm>
+                <a:off x="5214476" y="2954584"/>
+                <a:ext cx="2200795" cy="697179"/>
+              </a:xfrm>
+              <a:prstGeom prst="rect">
+                <a:avLst/>
+              </a:prstGeom>
+            </p:spPr>
+            <p:txBody>
+              <a:bodyPr wrap="none">
+                <a:spAutoFit/>
+              </a:bodyPr>
+              <a:lstStyle/>
+              <a:p>
+                <a:pPr/>
+                <a14:m>
+                  <m:oMathPara xmlns:m="http://schemas.openxmlformats.org/officeDocument/2006/math">
+                    <m:oMathParaPr>
+                      <m:jc m:val="centerGroup"/>
+                    </m:oMathParaPr>
+                    <m:oMath xmlns:m="http://schemas.openxmlformats.org/officeDocument/2006/math">
+                      <m:sSub>
+                        <m:sSubPr>
+                          <m:ctrlPr>
+                            <a:rPr lang="tr-TR" b="0" i="1" smtClean="0">
+                              <a:latin typeface="Cambria Math" panose="02040503050406030204" pitchFamily="18" charset="0"/>
+                            </a:rPr>
+                          </m:ctrlPr>
+                        </m:sSubPr>
+                        <m:e>
+                          <m:r>
+                            <a:rPr lang="tr-TR" b="0" i="1" smtClean="0">
+                              <a:latin typeface="Cambria Math" panose="02040503050406030204" pitchFamily="18" charset="0"/>
+                            </a:rPr>
+                            <m:t>𝑍</m:t>
+                          </m:r>
+                        </m:e>
+                        <m:sub>
+                          <m:r>
+                            <a:rPr lang="tr-TR" b="0" i="1" smtClean="0">
+                              <a:latin typeface="Cambria Math" panose="02040503050406030204" pitchFamily="18" charset="0"/>
+                            </a:rPr>
+                            <m:t>𝑖𝑛</m:t>
+                          </m:r>
+                        </m:sub>
+                      </m:sSub>
+                      <m:r>
+                        <a:rPr lang="tr-TR" b="0" i="1" smtClean="0">
+                          <a:latin typeface="Cambria Math" panose="02040503050406030204" pitchFamily="18" charset="0"/>
+                        </a:rPr>
+                        <m:t>=</m:t>
+                      </m:r>
+                      <m:f>
+                        <m:fPr>
+                          <m:ctrlPr>
+                            <a:rPr lang="tr-TR" b="0" i="1" smtClean="0">
+                              <a:latin typeface="Cambria Math" panose="02040503050406030204" pitchFamily="18" charset="0"/>
+                            </a:rPr>
+                          </m:ctrlPr>
+                        </m:fPr>
+                        <m:num>
+                          <m:sSub>
+                            <m:sSubPr>
+                              <m:ctrlPr>
+                                <a:rPr lang="tr-TR" b="0" i="1" smtClean="0">
+                                  <a:latin typeface="Cambria Math" panose="02040503050406030204" pitchFamily="18" charset="0"/>
+                                </a:rPr>
+                              </m:ctrlPr>
+                            </m:sSubPr>
+                            <m:e>
+                              <m:r>
+                                <a:rPr lang="tr-TR" b="0" i="1" smtClean="0">
+                                  <a:latin typeface="Cambria Math" panose="02040503050406030204" pitchFamily="18" charset="0"/>
+                                </a:rPr>
+                                <m:t>𝑉</m:t>
+                              </m:r>
+                            </m:e>
+                            <m:sub>
+                              <m:r>
+                                <a:rPr lang="tr-TR" b="0" i="1" smtClean="0">
+                                  <a:latin typeface="Cambria Math" panose="02040503050406030204" pitchFamily="18" charset="0"/>
+                                </a:rPr>
+                                <m:t>𝑖𝑛</m:t>
+                              </m:r>
+                            </m:sub>
+                          </m:sSub>
+                        </m:num>
+                        <m:den>
+                          <m:sSub>
+                            <m:sSubPr>
+                              <m:ctrlPr>
+                                <a:rPr lang="tr-TR" b="0" i="1" smtClean="0">
+                                  <a:latin typeface="Cambria Math" panose="02040503050406030204" pitchFamily="18" charset="0"/>
+                                </a:rPr>
+                              </m:ctrlPr>
+                            </m:sSubPr>
+                            <m:e>
+                              <m:r>
+                                <a:rPr lang="tr-TR" b="0" i="1" smtClean="0">
+                                  <a:latin typeface="Cambria Math" panose="02040503050406030204" pitchFamily="18" charset="0"/>
+                                </a:rPr>
+                                <m:t>𝐼</m:t>
+                              </m:r>
+                            </m:e>
+                            <m:sub>
+                              <m:r>
+                                <a:rPr lang="tr-TR" b="0" i="1" smtClean="0">
+                                  <a:latin typeface="Cambria Math" panose="02040503050406030204" pitchFamily="18" charset="0"/>
+                                </a:rPr>
+                                <m:t>𝑝</m:t>
+                              </m:r>
+                            </m:sub>
+                          </m:sSub>
+                        </m:den>
+                      </m:f>
+                      <m:r>
+                        <a:rPr lang="tr-TR" b="0" i="1" smtClean="0">
+                          <a:latin typeface="Cambria Math" panose="02040503050406030204" pitchFamily="18" charset="0"/>
+                        </a:rPr>
+                        <m:t>=  </m:t>
+                      </m:r>
+                      <m:f>
+                        <m:fPr>
+                          <m:ctrlPr>
+                            <a:rPr lang="tr-TR" i="1" smtClean="0">
+                              <a:latin typeface="Cambria Math" panose="02040503050406030204" pitchFamily="18" charset="0"/>
+                            </a:rPr>
+                          </m:ctrlPr>
+                        </m:fPr>
+                        <m:num>
+                          <m:r>
+                            <m:rPr>
+                              <m:sty m:val="p"/>
+                            </m:rPr>
+                            <a:rPr lang="tr-TR" b="0" i="0" smtClean="0">
+                              <a:latin typeface="Cambria Math" panose="02040503050406030204" pitchFamily="18" charset="0"/>
+                            </a:rPr>
+                            <m:t>det</m:t>
+                          </m:r>
+                          <m:r>
+                            <a:rPr lang="tr-TR" b="0" i="1" smtClean="0">
+                              <a:latin typeface="Cambria Math" panose="02040503050406030204" pitchFamily="18" charset="0"/>
+                            </a:rPr>
+                            <m:t>⁡(</m:t>
+                          </m:r>
+                          <m:r>
+                            <a:rPr lang="tr-TR" b="0" i="1" smtClean="0">
+                              <a:latin typeface="Cambria Math" panose="02040503050406030204" pitchFamily="18" charset="0"/>
+                            </a:rPr>
+                            <m:t>𝑍</m:t>
+                          </m:r>
+                          <m:r>
+                            <a:rPr lang="tr-TR" b="0" i="1" smtClean="0">
+                              <a:latin typeface="Cambria Math" panose="02040503050406030204" pitchFamily="18" charset="0"/>
+                            </a:rPr>
+                            <m:t>)</m:t>
+                          </m:r>
+                        </m:num>
+                        <m:den>
+                          <m:sSub>
+                            <m:sSubPr>
+                              <m:ctrlPr>
+                                <a:rPr lang="tr-TR" b="0" i="1" smtClean="0">
+                                  <a:latin typeface="Cambria Math" panose="02040503050406030204" pitchFamily="18" charset="0"/>
+                                </a:rPr>
+                              </m:ctrlPr>
+                            </m:sSubPr>
+                            <m:e>
+                              <m:r>
+                                <a:rPr lang="tr-TR" b="0" i="1" smtClean="0">
+                                  <a:latin typeface="Cambria Math" panose="02040503050406030204" pitchFamily="18" charset="0"/>
+                                </a:rPr>
+                                <m:t>𝑚</m:t>
+                              </m:r>
+                            </m:e>
+                            <m:sub>
+                              <m:r>
+                                <a:rPr lang="tr-TR" b="0" i="1" smtClean="0">
+                                  <a:latin typeface="Cambria Math" panose="02040503050406030204" pitchFamily="18" charset="0"/>
+                                </a:rPr>
+                                <m:t>1</m:t>
+                              </m:r>
+                            </m:sub>
+                          </m:sSub>
+                        </m:den>
+                      </m:f>
+                    </m:oMath>
+                  </m:oMathPara>
+                </a14:m>
+                <a:endParaRPr lang="en-US" dirty="0"/>
+              </a:p>
+            </p:txBody>
+          </p:sp>
+        </mc:Choice>
+        <mc:Fallback xmlns="">
+          <p:sp>
+            <p:nvSpPr>
+              <p:cNvPr id="8" name="Rectangle 7">
+                <a:extLst>
+                  <a:ext uri="{FF2B5EF4-FFF2-40B4-BE49-F238E27FC236}">
+                    <a16:creationId xmlns:a16="http://schemas.microsoft.com/office/drawing/2014/main" id="{72D0DBD2-C00B-4463-8DAD-0128FBF2C3FF}"/>
+                  </a:ext>
+                </a:extLst>
+              </p:cNvPr>
+              <p:cNvSpPr>
+                <a:spLocks noRot="1" noChangeAspect="1" noMove="1" noResize="1" noEditPoints="1" noAdjustHandles="1" noChangeArrowheads="1" noChangeShapeType="1" noTextEdit="1"/>
+              </p:cNvSpPr>
+              <p:nvPr/>
+            </p:nvSpPr>
+            <p:spPr>
+              <a:xfrm>
+                <a:off x="5214476" y="2954584"/>
+                <a:ext cx="2200795" cy="697179"/>
+              </a:xfrm>
+              <a:prstGeom prst="rect">
+                <a:avLst/>
+              </a:prstGeom>
+              <a:blipFill>
+                <a:blip r:embed="rId4"/>
+                <a:stretch>
+                  <a:fillRect/>
+                </a:stretch>
+              </a:blipFill>
+            </p:spPr>
+            <p:txBody>
+              <a:bodyPr/>
+              <a:lstStyle/>
+              <a:p>
+                <a:r>
+                  <a:rPr lang="en-US">
+                    <a:noFill/>
+                  </a:rPr>
+                  <a:t> </a:t>
+                </a:r>
+              </a:p>
+            </p:txBody>
+          </p:sp>
+        </mc:Fallback>
+      </mc:AlternateContent>
+      <mc:AlternateContent xmlns:mc="http://schemas.openxmlformats.org/markup-compatibility/2006">
+        <mc:Choice xmlns:a14="http://schemas.microsoft.com/office/drawing/2010/main" Requires="a14">
+          <p:sp>
+            <p:nvSpPr>
+              <p:cNvPr id="9" name="Rectangle 8">
+                <a:extLst>
+                  <a:ext uri="{FF2B5EF4-FFF2-40B4-BE49-F238E27FC236}">
+                    <a16:creationId xmlns:a16="http://schemas.microsoft.com/office/drawing/2014/main" id="{CF778292-AB59-4E9D-B0E5-950F3E4300F4}"/>
+                  </a:ext>
+                </a:extLst>
+              </p:cNvPr>
+              <p:cNvSpPr/>
+              <p:nvPr/>
+            </p:nvSpPr>
+            <p:spPr>
+              <a:xfrm>
+                <a:off x="1404871" y="4053437"/>
+                <a:ext cx="7353167" cy="736740"/>
+              </a:xfrm>
+              <a:prstGeom prst="rect">
+                <a:avLst/>
+              </a:prstGeom>
+            </p:spPr>
+            <p:txBody>
+              <a:bodyPr wrap="none">
+                <a:spAutoFit/>
+              </a:bodyPr>
+              <a:lstStyle/>
+              <a:p>
+                <a14:m>
+                  <m:oMathPara xmlns:m="http://schemas.openxmlformats.org/officeDocument/2006/math">
+                    <m:oMathParaPr>
+                      <m:jc m:val="centerGroup"/>
+                    </m:oMathParaPr>
+                    <m:oMath xmlns:m="http://schemas.openxmlformats.org/officeDocument/2006/math">
+                      <m:sSub>
+                        <m:sSubPr>
+                          <m:ctrlPr>
+                            <a:rPr lang="tr-TR" b="1" smtClean="0">
+                              <a:solidFill>
+                                <a:schemeClr val="accent1"/>
+                              </a:solidFill>
+                              <a:latin typeface="Cambria Math" panose="02040503050406030204" pitchFamily="18" charset="0"/>
+                            </a:rPr>
+                          </m:ctrlPr>
+                        </m:sSubPr>
+                        <m:e>
+                          <m:r>
+                            <a:rPr lang="tr-TR" b="1" i="0">
+                              <a:solidFill>
+                                <a:schemeClr val="accent1"/>
+                              </a:solidFill>
+                              <a:latin typeface="Cambria Math" panose="02040503050406030204" pitchFamily="18" charset="0"/>
+                            </a:rPr>
+                            <m:t>𝐙</m:t>
+                          </m:r>
+                        </m:e>
+                        <m:sub>
+                          <m:r>
+                            <a:rPr lang="tr-TR" b="1" i="0">
+                              <a:solidFill>
+                                <a:schemeClr val="accent1"/>
+                              </a:solidFill>
+                              <a:latin typeface="Cambria Math" panose="02040503050406030204" pitchFamily="18" charset="0"/>
+                            </a:rPr>
+                            <m:t>𝐢𝐧</m:t>
+                          </m:r>
+                        </m:sub>
+                      </m:sSub>
+                      <m:r>
+                        <a:rPr lang="tr-TR" b="1" i="0" smtClean="0">
+                          <a:solidFill>
+                            <a:schemeClr val="accent1"/>
+                          </a:solidFill>
+                          <a:latin typeface="Cambria Math" panose="02040503050406030204" pitchFamily="18" charset="0"/>
+                        </a:rPr>
+                        <m:t>=</m:t>
+                      </m:r>
+                      <m:f>
+                        <m:fPr>
+                          <m:ctrlPr>
+                            <a:rPr lang="tr-TR" b="1" smtClean="0">
+                              <a:solidFill>
+                                <a:schemeClr val="accent1"/>
+                              </a:solidFill>
+                              <a:latin typeface="Cambria Math" panose="02040503050406030204" pitchFamily="18" charset="0"/>
+                            </a:rPr>
+                          </m:ctrlPr>
+                        </m:fPr>
+                        <m:num>
+                          <m:sSub>
+                            <m:sSubPr>
+                              <m:ctrlPr>
+                                <a:rPr lang="tr-TR" b="1">
+                                  <a:solidFill>
+                                    <a:schemeClr val="accent1"/>
+                                  </a:solidFill>
+                                  <a:latin typeface="Cambria Math" panose="02040503050406030204" pitchFamily="18" charset="0"/>
+                                </a:rPr>
+                              </m:ctrlPr>
+                            </m:sSubPr>
+                            <m:e>
+                              <m:r>
+                                <a:rPr lang="tr-TR" b="1" i="0">
+                                  <a:solidFill>
+                                    <a:schemeClr val="accent1"/>
+                                  </a:solidFill>
+                                  <a:latin typeface="Cambria Math" panose="02040503050406030204" pitchFamily="18" charset="0"/>
+                                </a:rPr>
+                                <m:t>𝐙</m:t>
+                              </m:r>
+                            </m:e>
+                            <m:sub>
+                              <m:r>
+                                <a:rPr lang="tr-TR" b="1" i="0">
+                                  <a:solidFill>
+                                    <a:schemeClr val="accent1"/>
+                                  </a:solidFill>
+                                  <a:latin typeface="Cambria Math" panose="02040503050406030204" pitchFamily="18" charset="0"/>
+                                </a:rPr>
+                                <m:t>𝐩𝟏</m:t>
+                              </m:r>
+                            </m:sub>
+                          </m:sSub>
+                          <m:sSub>
+                            <m:sSubPr>
+                              <m:ctrlPr>
+                                <a:rPr lang="tr-TR" b="1">
+                                  <a:solidFill>
+                                    <a:schemeClr val="accent1"/>
+                                  </a:solidFill>
+                                  <a:latin typeface="Cambria Math" panose="02040503050406030204" pitchFamily="18" charset="0"/>
+                                </a:rPr>
+                              </m:ctrlPr>
+                            </m:sSubPr>
+                            <m:e>
+                              <m:r>
+                                <a:rPr lang="tr-TR" b="1" i="0">
+                                  <a:solidFill>
+                                    <a:schemeClr val="accent1"/>
+                                  </a:solidFill>
+                                  <a:latin typeface="Cambria Math" panose="02040503050406030204" pitchFamily="18" charset="0"/>
+                                </a:rPr>
+                                <m:t>𝐙</m:t>
+                              </m:r>
+                            </m:e>
+                            <m:sub>
+                              <m:r>
+                                <a:rPr lang="tr-TR" b="1" i="0">
+                                  <a:solidFill>
+                                    <a:schemeClr val="accent1"/>
+                                  </a:solidFill>
+                                  <a:latin typeface="Cambria Math" panose="02040503050406030204" pitchFamily="18" charset="0"/>
+                                </a:rPr>
+                                <m:t>𝐬𝟏</m:t>
+                              </m:r>
+                            </m:sub>
+                          </m:sSub>
+                          <m:sSub>
+                            <m:sSubPr>
+                              <m:ctrlPr>
+                                <a:rPr lang="tr-TR" b="1">
+                                  <a:solidFill>
+                                    <a:schemeClr val="accent1"/>
+                                  </a:solidFill>
+                                  <a:latin typeface="Cambria Math" panose="02040503050406030204" pitchFamily="18" charset="0"/>
+                                </a:rPr>
+                              </m:ctrlPr>
+                            </m:sSubPr>
+                            <m:e>
+                              <m:r>
+                                <a:rPr lang="tr-TR" b="1" i="0">
+                                  <a:solidFill>
+                                    <a:schemeClr val="accent1"/>
+                                  </a:solidFill>
+                                  <a:latin typeface="Cambria Math" panose="02040503050406030204" pitchFamily="18" charset="0"/>
+                                </a:rPr>
+                                <m:t>𝐙</m:t>
+                              </m:r>
+                            </m:e>
+                            <m:sub>
+                              <m:r>
+                                <a:rPr lang="tr-TR" b="1" i="0">
+                                  <a:solidFill>
+                                    <a:schemeClr val="accent1"/>
+                                  </a:solidFill>
+                                  <a:latin typeface="Cambria Math" panose="02040503050406030204" pitchFamily="18" charset="0"/>
+                                </a:rPr>
+                                <m:t>𝐬𝟐</m:t>
+                              </m:r>
+                            </m:sub>
+                          </m:sSub>
+                          <m:r>
+                            <a:rPr lang="tr-TR" b="1" i="0">
+                              <a:solidFill>
+                                <a:schemeClr val="accent1"/>
+                              </a:solidFill>
+                              <a:latin typeface="Cambria Math" panose="02040503050406030204" pitchFamily="18" charset="0"/>
+                            </a:rPr>
+                            <m:t>+</m:t>
+                          </m:r>
+                          <m:sSup>
+                            <m:sSupPr>
+                              <m:ctrlPr>
+                                <a:rPr lang="tr-TR" b="1">
+                                  <a:solidFill>
+                                    <a:schemeClr val="accent1"/>
+                                  </a:solidFill>
+                                  <a:latin typeface="Cambria Math" panose="02040503050406030204" pitchFamily="18" charset="0"/>
+                                </a:rPr>
+                              </m:ctrlPr>
+                            </m:sSupPr>
+                            <m:e>
+                              <m:r>
+                                <a:rPr lang="tr-TR" b="1" i="0">
+                                  <a:solidFill>
+                                    <a:schemeClr val="accent1"/>
+                                  </a:solidFill>
+                                  <a:latin typeface="Cambria Math" panose="02040503050406030204" pitchFamily="18" charset="0"/>
+                                </a:rPr>
+                                <m:t>𝛚</m:t>
+                              </m:r>
+                            </m:e>
+                            <m:sup>
+                              <m:r>
+                                <a:rPr lang="tr-TR" b="1" i="0">
+                                  <a:solidFill>
+                                    <a:schemeClr val="accent1"/>
+                                  </a:solidFill>
+                                  <a:latin typeface="Cambria Math" panose="02040503050406030204" pitchFamily="18" charset="0"/>
+                                </a:rPr>
+                                <m:t>𝟐</m:t>
+                              </m:r>
+                            </m:sup>
+                          </m:sSup>
+                          <m:sSubSup>
+                            <m:sSubSupPr>
+                              <m:ctrlPr>
+                                <a:rPr lang="tr-TR" b="1">
+                                  <a:solidFill>
+                                    <a:schemeClr val="accent1"/>
+                                  </a:solidFill>
+                                  <a:latin typeface="Cambria Math" panose="02040503050406030204" pitchFamily="18" charset="0"/>
+                                </a:rPr>
+                              </m:ctrlPr>
+                            </m:sSubSupPr>
+                            <m:e>
+                              <m:r>
+                                <a:rPr lang="tr-TR" b="1" i="0">
+                                  <a:solidFill>
+                                    <a:schemeClr val="accent1"/>
+                                  </a:solidFill>
+                                  <a:latin typeface="Cambria Math" panose="02040503050406030204" pitchFamily="18" charset="0"/>
+                                </a:rPr>
+                                <m:t>𝐌</m:t>
+                              </m:r>
+                            </m:e>
+                            <m:sub>
+                              <m:r>
+                                <a:rPr lang="tr-TR" b="1" i="0">
+                                  <a:solidFill>
+                                    <a:schemeClr val="accent1"/>
+                                  </a:solidFill>
+                                  <a:latin typeface="Cambria Math" panose="02040503050406030204" pitchFamily="18" charset="0"/>
+                                </a:rPr>
+                                <m:t>𝐬</m:t>
+                              </m:r>
+                            </m:sub>
+                            <m:sup>
+                              <m:r>
+                                <a:rPr lang="tr-TR" b="1" i="0">
+                                  <a:solidFill>
+                                    <a:schemeClr val="accent1"/>
+                                  </a:solidFill>
+                                  <a:latin typeface="Cambria Math" panose="02040503050406030204" pitchFamily="18" charset="0"/>
+                                </a:rPr>
+                                <m:t>𝟐</m:t>
+                              </m:r>
+                            </m:sup>
+                          </m:sSubSup>
+                          <m:sSub>
+                            <m:sSubPr>
+                              <m:ctrlPr>
+                                <a:rPr lang="tr-TR" b="1">
+                                  <a:solidFill>
+                                    <a:schemeClr val="accent1"/>
+                                  </a:solidFill>
+                                  <a:latin typeface="Cambria Math" panose="02040503050406030204" pitchFamily="18" charset="0"/>
+                                </a:rPr>
+                              </m:ctrlPr>
+                            </m:sSubPr>
+                            <m:e>
+                              <m:r>
+                                <a:rPr lang="tr-TR" b="1" i="0">
+                                  <a:solidFill>
+                                    <a:schemeClr val="accent1"/>
+                                  </a:solidFill>
+                                  <a:latin typeface="Cambria Math" panose="02040503050406030204" pitchFamily="18" charset="0"/>
+                                </a:rPr>
+                                <m:t>𝐙</m:t>
+                              </m:r>
+                            </m:e>
+                            <m:sub>
+                              <m:r>
+                                <a:rPr lang="tr-TR" b="1" i="0">
+                                  <a:solidFill>
+                                    <a:schemeClr val="accent1"/>
+                                  </a:solidFill>
+                                  <a:latin typeface="Cambria Math" panose="02040503050406030204" pitchFamily="18" charset="0"/>
+                                </a:rPr>
+                                <m:t>𝐩𝟏</m:t>
+                              </m:r>
+                            </m:sub>
+                          </m:sSub>
+                          <m:r>
+                            <a:rPr lang="tr-TR" b="1" i="0">
+                              <a:solidFill>
+                                <a:schemeClr val="accent1"/>
+                              </a:solidFill>
+                              <a:latin typeface="Cambria Math" panose="02040503050406030204" pitchFamily="18" charset="0"/>
+                            </a:rPr>
+                            <m:t>+</m:t>
+                          </m:r>
+                          <m:sSup>
+                            <m:sSupPr>
+                              <m:ctrlPr>
+                                <a:rPr lang="tr-TR" b="1">
+                                  <a:solidFill>
+                                    <a:schemeClr val="accent1"/>
+                                  </a:solidFill>
+                                  <a:latin typeface="Cambria Math" panose="02040503050406030204" pitchFamily="18" charset="0"/>
+                                </a:rPr>
+                              </m:ctrlPr>
+                            </m:sSupPr>
+                            <m:e>
+                              <m:r>
+                                <a:rPr lang="tr-TR" b="1" i="0">
+                                  <a:solidFill>
+                                    <a:schemeClr val="accent1"/>
+                                  </a:solidFill>
+                                  <a:latin typeface="Cambria Math" panose="02040503050406030204" pitchFamily="18" charset="0"/>
+                                </a:rPr>
+                                <m:t>𝛚</m:t>
+                              </m:r>
+                            </m:e>
+                            <m:sup>
+                              <m:r>
+                                <a:rPr lang="tr-TR" b="1" i="0">
+                                  <a:solidFill>
+                                    <a:schemeClr val="accent1"/>
+                                  </a:solidFill>
+                                  <a:latin typeface="Cambria Math" panose="02040503050406030204" pitchFamily="18" charset="0"/>
+                                </a:rPr>
+                                <m:t>𝟐</m:t>
+                              </m:r>
+                            </m:sup>
+                          </m:sSup>
+                          <m:sSubSup>
+                            <m:sSubSupPr>
+                              <m:ctrlPr>
+                                <a:rPr lang="tr-TR" b="1">
+                                  <a:solidFill>
+                                    <a:schemeClr val="accent1"/>
+                                  </a:solidFill>
+                                  <a:latin typeface="Cambria Math" panose="02040503050406030204" pitchFamily="18" charset="0"/>
+                                </a:rPr>
+                              </m:ctrlPr>
+                            </m:sSubSupPr>
+                            <m:e>
+                              <m:r>
+                                <a:rPr lang="tr-TR" b="1" i="0">
+                                  <a:solidFill>
+                                    <a:schemeClr val="accent1"/>
+                                  </a:solidFill>
+                                  <a:latin typeface="Cambria Math" panose="02040503050406030204" pitchFamily="18" charset="0"/>
+                                </a:rPr>
+                                <m:t>𝐌</m:t>
+                              </m:r>
+                            </m:e>
+                            <m:sub>
+                              <m:r>
+                                <a:rPr lang="tr-TR" b="1" i="0">
+                                  <a:solidFill>
+                                    <a:schemeClr val="accent1"/>
+                                  </a:solidFill>
+                                  <a:latin typeface="Cambria Math" panose="02040503050406030204" pitchFamily="18" charset="0"/>
+                                </a:rPr>
+                                <m:t>𝟏</m:t>
+                              </m:r>
+                            </m:sub>
+                            <m:sup>
+                              <m:r>
+                                <a:rPr lang="tr-TR" b="1" i="0">
+                                  <a:solidFill>
+                                    <a:schemeClr val="accent1"/>
+                                  </a:solidFill>
+                                  <a:latin typeface="Cambria Math" panose="02040503050406030204" pitchFamily="18" charset="0"/>
+                                </a:rPr>
+                                <m:t>𝟐</m:t>
+                              </m:r>
+                            </m:sup>
+                          </m:sSubSup>
+                          <m:sSub>
+                            <m:sSubPr>
+                              <m:ctrlPr>
+                                <a:rPr lang="tr-TR" b="1">
+                                  <a:solidFill>
+                                    <a:schemeClr val="accent1"/>
+                                  </a:solidFill>
+                                  <a:latin typeface="Cambria Math" panose="02040503050406030204" pitchFamily="18" charset="0"/>
+                                </a:rPr>
+                              </m:ctrlPr>
+                            </m:sSubPr>
+                            <m:e>
+                              <m:r>
+                                <a:rPr lang="tr-TR" b="1" i="0">
+                                  <a:solidFill>
+                                    <a:schemeClr val="accent1"/>
+                                  </a:solidFill>
+                                  <a:latin typeface="Cambria Math" panose="02040503050406030204" pitchFamily="18" charset="0"/>
+                                </a:rPr>
+                                <m:t>𝐙</m:t>
+                              </m:r>
+                            </m:e>
+                            <m:sub>
+                              <m:r>
+                                <a:rPr lang="tr-TR" b="1" i="0">
+                                  <a:solidFill>
+                                    <a:schemeClr val="accent1"/>
+                                  </a:solidFill>
+                                  <a:latin typeface="Cambria Math" panose="02040503050406030204" pitchFamily="18" charset="0"/>
+                                </a:rPr>
+                                <m:t>𝐬𝟐</m:t>
+                              </m:r>
+                            </m:sub>
+                          </m:sSub>
+                          <m:r>
+                            <a:rPr lang="tr-TR" b="1" i="0">
+                              <a:solidFill>
+                                <a:schemeClr val="accent1"/>
+                              </a:solidFill>
+                              <a:latin typeface="Cambria Math" panose="02040503050406030204" pitchFamily="18" charset="0"/>
+                            </a:rPr>
+                            <m:t>+</m:t>
+                          </m:r>
+                          <m:sSup>
+                            <m:sSupPr>
+                              <m:ctrlPr>
+                                <a:rPr lang="tr-TR" b="1">
+                                  <a:solidFill>
+                                    <a:schemeClr val="accent1"/>
+                                  </a:solidFill>
+                                  <a:latin typeface="Cambria Math" panose="02040503050406030204" pitchFamily="18" charset="0"/>
+                                </a:rPr>
+                              </m:ctrlPr>
+                            </m:sSupPr>
+                            <m:e>
+                              <m:r>
+                                <a:rPr lang="tr-TR" b="1" i="0">
+                                  <a:solidFill>
+                                    <a:schemeClr val="accent1"/>
+                                  </a:solidFill>
+                                  <a:latin typeface="Cambria Math" panose="02040503050406030204" pitchFamily="18" charset="0"/>
+                                </a:rPr>
+                                <m:t>𝛚</m:t>
+                              </m:r>
+                            </m:e>
+                            <m:sup>
+                              <m:r>
+                                <a:rPr lang="tr-TR" b="1" i="0">
+                                  <a:solidFill>
+                                    <a:schemeClr val="accent1"/>
+                                  </a:solidFill>
+                                  <a:latin typeface="Cambria Math" panose="02040503050406030204" pitchFamily="18" charset="0"/>
+                                </a:rPr>
+                                <m:t>𝟐</m:t>
+                              </m:r>
+                            </m:sup>
+                          </m:sSup>
+                          <m:sSubSup>
+                            <m:sSubSupPr>
+                              <m:ctrlPr>
+                                <a:rPr lang="tr-TR" b="1">
+                                  <a:solidFill>
+                                    <a:schemeClr val="accent1"/>
+                                  </a:solidFill>
+                                  <a:latin typeface="Cambria Math" panose="02040503050406030204" pitchFamily="18" charset="0"/>
+                                </a:rPr>
+                              </m:ctrlPr>
+                            </m:sSubSupPr>
+                            <m:e>
+                              <m:r>
+                                <a:rPr lang="tr-TR" b="1" i="0">
+                                  <a:solidFill>
+                                    <a:schemeClr val="accent1"/>
+                                  </a:solidFill>
+                                  <a:latin typeface="Cambria Math" panose="02040503050406030204" pitchFamily="18" charset="0"/>
+                                </a:rPr>
+                                <m:t>𝐌</m:t>
+                              </m:r>
+                            </m:e>
+                            <m:sub>
+                              <m:r>
+                                <a:rPr lang="tr-TR" b="1" i="0">
+                                  <a:solidFill>
+                                    <a:schemeClr val="accent1"/>
+                                  </a:solidFill>
+                                  <a:latin typeface="Cambria Math" panose="02040503050406030204" pitchFamily="18" charset="0"/>
+                                </a:rPr>
+                                <m:t>𝟐</m:t>
+                              </m:r>
+                            </m:sub>
+                            <m:sup>
+                              <m:r>
+                                <a:rPr lang="tr-TR" b="1" i="0">
+                                  <a:solidFill>
+                                    <a:schemeClr val="accent1"/>
+                                  </a:solidFill>
+                                  <a:latin typeface="Cambria Math" panose="02040503050406030204" pitchFamily="18" charset="0"/>
+                                </a:rPr>
+                                <m:t>𝟐</m:t>
+                              </m:r>
+                            </m:sup>
+                          </m:sSubSup>
+                          <m:sSub>
+                            <m:sSubPr>
+                              <m:ctrlPr>
+                                <a:rPr lang="tr-TR" b="1">
+                                  <a:solidFill>
+                                    <a:schemeClr val="accent1"/>
+                                  </a:solidFill>
+                                  <a:latin typeface="Cambria Math" panose="02040503050406030204" pitchFamily="18" charset="0"/>
+                                </a:rPr>
+                              </m:ctrlPr>
+                            </m:sSubPr>
+                            <m:e>
+                              <m:r>
+                                <a:rPr lang="tr-TR" b="1" i="0">
+                                  <a:solidFill>
+                                    <a:schemeClr val="accent1"/>
+                                  </a:solidFill>
+                                  <a:latin typeface="Cambria Math" panose="02040503050406030204" pitchFamily="18" charset="0"/>
+                                </a:rPr>
+                                <m:t>𝐙</m:t>
+                              </m:r>
+                            </m:e>
+                            <m:sub>
+                              <m:r>
+                                <a:rPr lang="tr-TR" b="1" i="0">
+                                  <a:solidFill>
+                                    <a:schemeClr val="accent1"/>
+                                  </a:solidFill>
+                                  <a:latin typeface="Cambria Math" panose="02040503050406030204" pitchFamily="18" charset="0"/>
+                                </a:rPr>
+                                <m:t>𝐬𝟏</m:t>
+                              </m:r>
+                            </m:sub>
+                          </m:sSub>
+                          <m:r>
+                            <a:rPr lang="tr-TR" b="1" i="0">
+                              <a:solidFill>
+                                <a:schemeClr val="accent1"/>
+                              </a:solidFill>
+                              <a:latin typeface="Cambria Math" panose="02040503050406030204" pitchFamily="18" charset="0"/>
+                            </a:rPr>
+                            <m:t>+</m:t>
+                          </m:r>
+                          <m:r>
+                            <a:rPr lang="tr-TR" b="1" i="0">
+                              <a:solidFill>
+                                <a:schemeClr val="accent1"/>
+                              </a:solidFill>
+                              <a:latin typeface="Cambria Math" panose="02040503050406030204" pitchFamily="18" charset="0"/>
+                            </a:rPr>
+                            <m:t>𝟐𝐣</m:t>
+                          </m:r>
+                          <m:sSup>
+                            <m:sSupPr>
+                              <m:ctrlPr>
+                                <a:rPr lang="tr-TR" b="1">
+                                  <a:solidFill>
+                                    <a:schemeClr val="accent1"/>
+                                  </a:solidFill>
+                                  <a:latin typeface="Cambria Math" panose="02040503050406030204" pitchFamily="18" charset="0"/>
+                                </a:rPr>
+                              </m:ctrlPr>
+                            </m:sSupPr>
+                            <m:e>
+                              <m:r>
+                                <a:rPr lang="tr-TR" b="1" i="0">
+                                  <a:solidFill>
+                                    <a:schemeClr val="accent1"/>
+                                  </a:solidFill>
+                                  <a:latin typeface="Cambria Math" panose="02040503050406030204" pitchFamily="18" charset="0"/>
+                                </a:rPr>
+                                <m:t>𝛚</m:t>
+                              </m:r>
+                            </m:e>
+                            <m:sup>
+                              <m:r>
+                                <a:rPr lang="tr-TR" b="1" i="0">
+                                  <a:solidFill>
+                                    <a:schemeClr val="accent1"/>
+                                  </a:solidFill>
+                                  <a:latin typeface="Cambria Math" panose="02040503050406030204" pitchFamily="18" charset="0"/>
+                                </a:rPr>
+                                <m:t>𝟑</m:t>
+                              </m:r>
+                            </m:sup>
+                          </m:sSup>
+                          <m:sSub>
+                            <m:sSubPr>
+                              <m:ctrlPr>
+                                <a:rPr lang="tr-TR" b="1">
+                                  <a:solidFill>
+                                    <a:schemeClr val="accent1"/>
+                                  </a:solidFill>
+                                  <a:latin typeface="Cambria Math" panose="02040503050406030204" pitchFamily="18" charset="0"/>
+                                </a:rPr>
+                              </m:ctrlPr>
+                            </m:sSubPr>
+                            <m:e>
+                              <m:r>
+                                <a:rPr lang="tr-TR" b="1" i="0">
+                                  <a:solidFill>
+                                    <a:schemeClr val="accent1"/>
+                                  </a:solidFill>
+                                  <a:latin typeface="Cambria Math" panose="02040503050406030204" pitchFamily="18" charset="0"/>
+                                </a:rPr>
+                                <m:t>𝐌</m:t>
+                              </m:r>
+                            </m:e>
+                            <m:sub>
+                              <m:r>
+                                <a:rPr lang="tr-TR" b="1" i="0">
+                                  <a:solidFill>
+                                    <a:schemeClr val="accent1"/>
+                                  </a:solidFill>
+                                  <a:latin typeface="Cambria Math" panose="02040503050406030204" pitchFamily="18" charset="0"/>
+                                </a:rPr>
+                                <m:t>𝟏</m:t>
+                              </m:r>
+                            </m:sub>
+                          </m:sSub>
+                          <m:sSub>
+                            <m:sSubPr>
+                              <m:ctrlPr>
+                                <a:rPr lang="tr-TR" b="1">
+                                  <a:solidFill>
+                                    <a:schemeClr val="accent1"/>
+                                  </a:solidFill>
+                                  <a:latin typeface="Cambria Math" panose="02040503050406030204" pitchFamily="18" charset="0"/>
+                                </a:rPr>
+                              </m:ctrlPr>
+                            </m:sSubPr>
+                            <m:e>
+                              <m:r>
+                                <a:rPr lang="tr-TR" b="1" i="0">
+                                  <a:solidFill>
+                                    <a:schemeClr val="accent1"/>
+                                  </a:solidFill>
+                                  <a:latin typeface="Cambria Math" panose="02040503050406030204" pitchFamily="18" charset="0"/>
+                                </a:rPr>
+                                <m:t>𝐌</m:t>
+                              </m:r>
+                            </m:e>
+                            <m:sub>
+                              <m:r>
+                                <a:rPr lang="tr-TR" b="1" i="0">
+                                  <a:solidFill>
+                                    <a:schemeClr val="accent1"/>
+                                  </a:solidFill>
+                                  <a:latin typeface="Cambria Math" panose="02040503050406030204" pitchFamily="18" charset="0"/>
+                                </a:rPr>
+                                <m:t>𝟐</m:t>
+                              </m:r>
+                            </m:sub>
+                          </m:sSub>
+                          <m:sSub>
+                            <m:sSubPr>
+                              <m:ctrlPr>
+                                <a:rPr lang="tr-TR" b="1">
+                                  <a:solidFill>
+                                    <a:schemeClr val="accent1"/>
+                                  </a:solidFill>
+                                  <a:latin typeface="Cambria Math" panose="02040503050406030204" pitchFamily="18" charset="0"/>
+                                </a:rPr>
+                              </m:ctrlPr>
+                            </m:sSubPr>
+                            <m:e>
+                              <m:r>
+                                <a:rPr lang="tr-TR" b="1" i="0">
+                                  <a:solidFill>
+                                    <a:schemeClr val="accent1"/>
+                                  </a:solidFill>
+                                  <a:latin typeface="Cambria Math" panose="02040503050406030204" pitchFamily="18" charset="0"/>
+                                </a:rPr>
+                                <m:t>𝐌</m:t>
+                              </m:r>
+                            </m:e>
+                            <m:sub>
+                              <m:r>
+                                <a:rPr lang="tr-TR" b="1" i="0">
+                                  <a:solidFill>
+                                    <a:schemeClr val="accent1"/>
+                                  </a:solidFill>
+                                  <a:latin typeface="Cambria Math" panose="02040503050406030204" pitchFamily="18" charset="0"/>
+                                </a:rPr>
+                                <m:t>𝐬</m:t>
+                              </m:r>
+                            </m:sub>
+                          </m:sSub>
+                        </m:num>
+                        <m:den>
+                          <m:sSub>
+                            <m:sSubPr>
+                              <m:ctrlPr>
+                                <a:rPr lang="tr-TR" b="1">
+                                  <a:solidFill>
+                                    <a:schemeClr val="accent1"/>
+                                  </a:solidFill>
+                                  <a:latin typeface="Cambria Math" panose="02040503050406030204" pitchFamily="18" charset="0"/>
+                                </a:rPr>
+                              </m:ctrlPr>
+                            </m:sSubPr>
+                            <m:e>
+                              <m:r>
+                                <a:rPr lang="tr-TR" b="1" i="0">
+                                  <a:solidFill>
+                                    <a:schemeClr val="accent1"/>
+                                  </a:solidFill>
+                                  <a:latin typeface="Cambria Math" panose="02040503050406030204" pitchFamily="18" charset="0"/>
+                                </a:rPr>
+                                <m:t>𝐙</m:t>
+                              </m:r>
+                            </m:e>
+                            <m:sub>
+                              <m:r>
+                                <a:rPr lang="tr-TR" b="1" i="0">
+                                  <a:solidFill>
+                                    <a:schemeClr val="accent1"/>
+                                  </a:solidFill>
+                                  <a:latin typeface="Cambria Math" panose="02040503050406030204" pitchFamily="18" charset="0"/>
+                                </a:rPr>
+                                <m:t>𝐬𝟏</m:t>
+                              </m:r>
+                            </m:sub>
+                          </m:sSub>
+                          <m:sSub>
+                            <m:sSubPr>
+                              <m:ctrlPr>
+                                <a:rPr lang="tr-TR" b="1">
+                                  <a:solidFill>
+                                    <a:schemeClr val="accent1"/>
+                                  </a:solidFill>
+                                  <a:latin typeface="Cambria Math" panose="02040503050406030204" pitchFamily="18" charset="0"/>
+                                </a:rPr>
+                              </m:ctrlPr>
+                            </m:sSubPr>
+                            <m:e>
+                              <m:r>
+                                <a:rPr lang="tr-TR" b="1" i="0">
+                                  <a:solidFill>
+                                    <a:schemeClr val="accent1"/>
+                                  </a:solidFill>
+                                  <a:latin typeface="Cambria Math" panose="02040503050406030204" pitchFamily="18" charset="0"/>
+                                </a:rPr>
+                                <m:t>𝐙</m:t>
+                              </m:r>
+                            </m:e>
+                            <m:sub>
+                              <m:r>
+                                <a:rPr lang="tr-TR" b="1" i="0">
+                                  <a:solidFill>
+                                    <a:schemeClr val="accent1"/>
+                                  </a:solidFill>
+                                  <a:latin typeface="Cambria Math" panose="02040503050406030204" pitchFamily="18" charset="0"/>
+                                </a:rPr>
+                                <m:t>𝐬𝟐</m:t>
+                              </m:r>
+                            </m:sub>
+                          </m:sSub>
+                          <m:r>
+                            <a:rPr lang="tr-TR" b="1" i="0">
+                              <a:solidFill>
+                                <a:schemeClr val="accent1"/>
+                              </a:solidFill>
+                              <a:latin typeface="Cambria Math" panose="02040503050406030204" pitchFamily="18" charset="0"/>
+                            </a:rPr>
+                            <m:t>+</m:t>
+                          </m:r>
+                          <m:sSup>
+                            <m:sSupPr>
+                              <m:ctrlPr>
+                                <a:rPr lang="tr-TR" b="1">
+                                  <a:solidFill>
+                                    <a:schemeClr val="accent1"/>
+                                  </a:solidFill>
+                                  <a:latin typeface="Cambria Math" panose="02040503050406030204" pitchFamily="18" charset="0"/>
+                                </a:rPr>
+                              </m:ctrlPr>
+                            </m:sSupPr>
+                            <m:e>
+                              <m:r>
+                                <a:rPr lang="tr-TR" b="1" i="0">
+                                  <a:solidFill>
+                                    <a:schemeClr val="accent1"/>
+                                  </a:solidFill>
+                                  <a:latin typeface="Cambria Math" panose="02040503050406030204" pitchFamily="18" charset="0"/>
+                                </a:rPr>
+                                <m:t>𝛚</m:t>
+                              </m:r>
+                            </m:e>
+                            <m:sup>
+                              <m:r>
+                                <a:rPr lang="tr-TR" b="1" i="0">
+                                  <a:solidFill>
+                                    <a:schemeClr val="accent1"/>
+                                  </a:solidFill>
+                                  <a:latin typeface="Cambria Math" panose="02040503050406030204" pitchFamily="18" charset="0"/>
+                                </a:rPr>
+                                <m:t>𝟐</m:t>
+                              </m:r>
+                            </m:sup>
+                          </m:sSup>
+                          <m:sSubSup>
+                            <m:sSubSupPr>
+                              <m:ctrlPr>
+                                <a:rPr lang="tr-TR" b="1">
+                                  <a:solidFill>
+                                    <a:schemeClr val="accent1"/>
+                                  </a:solidFill>
+                                  <a:latin typeface="Cambria Math" panose="02040503050406030204" pitchFamily="18" charset="0"/>
+                                </a:rPr>
+                              </m:ctrlPr>
+                            </m:sSubSupPr>
+                            <m:e>
+                              <m:r>
+                                <a:rPr lang="tr-TR" b="1" i="0">
+                                  <a:solidFill>
+                                    <a:schemeClr val="accent1"/>
+                                  </a:solidFill>
+                                  <a:latin typeface="Cambria Math" panose="02040503050406030204" pitchFamily="18" charset="0"/>
+                                </a:rPr>
+                                <m:t>𝐌</m:t>
+                              </m:r>
+                            </m:e>
+                            <m:sub>
+                              <m:r>
+                                <a:rPr lang="tr-TR" b="1" i="0">
+                                  <a:solidFill>
+                                    <a:schemeClr val="accent1"/>
+                                  </a:solidFill>
+                                  <a:latin typeface="Cambria Math" panose="02040503050406030204" pitchFamily="18" charset="0"/>
+                                </a:rPr>
+                                <m:t>𝐬</m:t>
+                              </m:r>
+                            </m:sub>
+                            <m:sup>
+                              <m:r>
+                                <a:rPr lang="tr-TR" b="1" i="0">
+                                  <a:solidFill>
+                                    <a:schemeClr val="accent1"/>
+                                  </a:solidFill>
+                                  <a:latin typeface="Cambria Math" panose="02040503050406030204" pitchFamily="18" charset="0"/>
+                                </a:rPr>
+                                <m:t>𝟐</m:t>
+                              </m:r>
+                            </m:sup>
+                          </m:sSubSup>
+                        </m:den>
+                      </m:f>
+                    </m:oMath>
+                  </m:oMathPara>
+                </a14:m>
+                <a:endParaRPr lang="tr-TR" b="1" dirty="0"/>
+              </a:p>
+            </p:txBody>
+          </p:sp>
+        </mc:Choice>
+        <mc:Fallback>
+          <p:sp>
+            <p:nvSpPr>
+              <p:cNvPr id="9" name="Rectangle 8">
+                <a:extLst>
+                  <a:ext uri="{FF2B5EF4-FFF2-40B4-BE49-F238E27FC236}">
+                    <a16:creationId xmlns:a16="http://schemas.microsoft.com/office/drawing/2014/main" id="{CF778292-AB59-4E9D-B0E5-950F3E4300F4}"/>
+                  </a:ext>
+                </a:extLst>
+              </p:cNvPr>
+              <p:cNvSpPr>
+                <a:spLocks noRot="1" noChangeAspect="1" noMove="1" noResize="1" noEditPoints="1" noAdjustHandles="1" noChangeArrowheads="1" noChangeShapeType="1" noTextEdit="1"/>
+              </p:cNvSpPr>
+              <p:nvPr/>
+            </p:nvSpPr>
+            <p:spPr>
+              <a:xfrm>
+                <a:off x="1404871" y="4053437"/>
+                <a:ext cx="7353167" cy="736740"/>
+              </a:xfrm>
+              <a:prstGeom prst="rect">
+                <a:avLst/>
+              </a:prstGeom>
+              <a:blipFill>
+                <a:blip r:embed="rId5"/>
+                <a:stretch>
+                  <a:fillRect/>
+                </a:stretch>
+              </a:blipFill>
+            </p:spPr>
+            <p:txBody>
+              <a:bodyPr/>
+              <a:lstStyle/>
+              <a:p>
+                <a:r>
+                  <a:rPr lang="en-US">
+                    <a:noFill/>
+                  </a:rPr>
+                  <a:t> </a:t>
+                </a:r>
+              </a:p>
+            </p:txBody>
+          </p:sp>
+        </mc:Fallback>
+      </mc:AlternateContent>
+      <mc:AlternateContent xmlns:mc="http://schemas.openxmlformats.org/markup-compatibility/2006">
+        <mc:Choice xmlns:a14="http://schemas.microsoft.com/office/drawing/2010/main" Requires="a14">
+          <p:sp>
+            <p:nvSpPr>
+              <p:cNvPr id="10" name="TextBox 9">
+                <a:extLst>
+                  <a:ext uri="{FF2B5EF4-FFF2-40B4-BE49-F238E27FC236}">
+                    <a16:creationId xmlns:a16="http://schemas.microsoft.com/office/drawing/2014/main" id="{363AA4DB-AC0A-404D-B029-456441D70B97}"/>
+                  </a:ext>
+                </a:extLst>
+              </p:cNvPr>
+              <p:cNvSpPr txBox="1"/>
+              <p:nvPr/>
+            </p:nvSpPr>
+            <p:spPr>
+              <a:xfrm>
+                <a:off x="3369515" y="5125207"/>
+                <a:ext cx="2945358" cy="276999"/>
+              </a:xfrm>
+              <a:prstGeom prst="rect">
+                <a:avLst/>
+              </a:prstGeom>
+              <a:noFill/>
+            </p:spPr>
+            <p:txBody>
+              <a:bodyPr wrap="none" lIns="0" tIns="0" rIns="0" bIns="0" rtlCol="0">
+                <a:spAutoFit/>
+              </a:bodyPr>
+              <a:lstStyle/>
+              <a:p>
+                <a:pPr/>
+                <a14:m>
+                  <m:oMathPara xmlns:m="http://schemas.openxmlformats.org/officeDocument/2006/math">
+                    <m:oMathParaPr>
+                      <m:jc m:val="centerGroup"/>
+                    </m:oMathParaPr>
+                    <m:oMath xmlns:m="http://schemas.openxmlformats.org/officeDocument/2006/math">
+                      <m:sSup>
+                        <m:sSupPr>
+                          <m:ctrlPr>
+                            <a:rPr lang="tr-TR" b="0" i="1" smtClean="0">
+                              <a:latin typeface="Cambria Math" panose="02040503050406030204" pitchFamily="18" charset="0"/>
+                            </a:rPr>
+                          </m:ctrlPr>
+                        </m:sSupPr>
+                        <m:e>
+                          <m:r>
+                            <a:rPr lang="tr-TR" b="0" i="1" smtClean="0">
+                              <a:latin typeface="Cambria Math" panose="02040503050406030204" pitchFamily="18" charset="0"/>
+                            </a:rPr>
+                            <m:t>∠</m:t>
+                          </m:r>
+                        </m:e>
+                        <m:sup>
+                          <m:sSub>
+                            <m:sSubPr>
+                              <m:ctrlPr>
+                                <a:rPr lang="tr-TR" i="1">
+                                  <a:latin typeface="Cambria Math" panose="02040503050406030204" pitchFamily="18" charset="0"/>
+                                </a:rPr>
+                              </m:ctrlPr>
+                            </m:sSubPr>
+                            <m:e>
+                              <m:r>
+                                <a:rPr lang="tr-TR" i="1">
+                                  <a:latin typeface="Cambria Math" panose="02040503050406030204" pitchFamily="18" charset="0"/>
+                                </a:rPr>
+                                <m:t>𝑍</m:t>
+                              </m:r>
+                            </m:e>
+                            <m:sub>
+                              <m:r>
+                                <a:rPr lang="tr-TR" i="1">
+                                  <a:latin typeface="Cambria Math" panose="02040503050406030204" pitchFamily="18" charset="0"/>
+                                </a:rPr>
+                                <m:t>𝑖𝑛</m:t>
+                              </m:r>
+                            </m:sub>
+                          </m:sSub>
+                        </m:sup>
+                      </m:sSup>
+                      <m:r>
+                        <a:rPr lang="tr-TR" b="0" i="1" smtClean="0">
+                          <a:latin typeface="Cambria Math" panose="02040503050406030204" pitchFamily="18" charset="0"/>
+                        </a:rPr>
+                        <m:t>=0 </m:t>
+                      </m:r>
+                      <m:r>
+                        <a:rPr lang="tr-TR" b="0" i="1" smtClean="0">
+                          <a:latin typeface="Cambria Math" panose="02040503050406030204" pitchFamily="18" charset="0"/>
+                        </a:rPr>
+                        <m:t>𝑓𝑜𝑟</m:t>
+                      </m:r>
+                      <m:r>
+                        <a:rPr lang="tr-TR" b="0" i="1" smtClean="0">
+                          <a:latin typeface="Cambria Math" panose="02040503050406030204" pitchFamily="18" charset="0"/>
+                        </a:rPr>
+                        <m:t> </m:t>
+                      </m:r>
+                      <m:r>
+                        <a:rPr lang="tr-TR" b="0" i="1" smtClean="0">
+                          <a:latin typeface="Cambria Math" panose="02040503050406030204" pitchFamily="18" charset="0"/>
+                        </a:rPr>
+                        <m:t>𝑤h𝑖𝑐h</m:t>
+                      </m:r>
+                      <m:r>
+                        <a:rPr lang="tr-TR" b="0" i="1" smtClean="0">
+                          <a:latin typeface="Cambria Math" panose="02040503050406030204" pitchFamily="18" charset="0"/>
+                        </a:rPr>
+                        <m:t> </m:t>
+                      </m:r>
+                      <m:r>
+                        <a:rPr lang="tr-TR" b="0" i="1" smtClean="0">
+                          <a:latin typeface="Cambria Math" panose="02040503050406030204" pitchFamily="18" charset="0"/>
+                        </a:rPr>
+                        <m:t>𝜔</m:t>
+                      </m:r>
+                      <m:r>
+                        <a:rPr lang="tr-TR" b="0" i="1" smtClean="0">
+                          <a:latin typeface="Cambria Math" panose="02040503050406030204" pitchFamily="18" charset="0"/>
+                        </a:rPr>
+                        <m:t> </m:t>
+                      </m:r>
+                      <m:r>
+                        <a:rPr lang="tr-TR" b="0" i="1" smtClean="0">
+                          <a:latin typeface="Cambria Math" panose="02040503050406030204" pitchFamily="18" charset="0"/>
+                        </a:rPr>
+                        <m:t>𝑣𝑎𝑙𝑢𝑒𝑠</m:t>
+                      </m:r>
+                    </m:oMath>
+                  </m:oMathPara>
+                </a14:m>
+                <a:endParaRPr lang="en-US" dirty="0"/>
+              </a:p>
+            </p:txBody>
+          </p:sp>
+        </mc:Choice>
+        <mc:Fallback>
+          <p:sp>
+            <p:nvSpPr>
+              <p:cNvPr id="10" name="TextBox 9">
+                <a:extLst>
+                  <a:ext uri="{FF2B5EF4-FFF2-40B4-BE49-F238E27FC236}">
+                    <a16:creationId xmlns:a16="http://schemas.microsoft.com/office/drawing/2014/main" id="{363AA4DB-AC0A-404D-B029-456441D70B97}"/>
+                  </a:ext>
+                </a:extLst>
+              </p:cNvPr>
+              <p:cNvSpPr txBox="1">
+                <a:spLocks noRot="1" noChangeAspect="1" noMove="1" noResize="1" noEditPoints="1" noAdjustHandles="1" noChangeArrowheads="1" noChangeShapeType="1" noTextEdit="1"/>
+              </p:cNvSpPr>
+              <p:nvPr/>
+            </p:nvSpPr>
+            <p:spPr>
+              <a:xfrm>
+                <a:off x="3369515" y="5125207"/>
+                <a:ext cx="2945358" cy="276999"/>
+              </a:xfrm>
+              <a:prstGeom prst="rect">
+                <a:avLst/>
+              </a:prstGeom>
+              <a:blipFill>
+                <a:blip r:embed="rId6"/>
+                <a:stretch>
+                  <a:fillRect l="-1035" t="-4444" r="-1656" b="-35556"/>
+                </a:stretch>
+              </a:blipFill>
+            </p:spPr>
+            <p:txBody>
+              <a:bodyPr/>
+              <a:lstStyle/>
+              <a:p>
+                <a:r>
+                  <a:rPr lang="en-US">
+                    <a:noFill/>
+                  </a:rPr>
+                  <a:t> </a:t>
+                </a:r>
+              </a:p>
+            </p:txBody>
+          </p:sp>
+        </mc:Fallback>
+      </mc:AlternateContent>
     </p:spTree>
     <p:extLst>
       <p:ext uri="{BB962C8B-B14F-4D97-AF65-F5344CB8AC3E}">
         <p14:creationId xmlns:p14="http://schemas.microsoft.com/office/powerpoint/2010/main" val="1604831237"/>
+      </p:ext>
+    </p:extLst>
+  </p:cSld>
+  <p:clrMapOvr>
+    <a:masterClrMapping/>
+  </p:clrMapOvr>
+</p:sld>
+</file>
+
+<file path=ppt/slides/slide7.xml><?xml version="1.0" encoding="utf-8"?>
+<p:sld xmlns:a="http://schemas.openxmlformats.org/drawingml/2006/main" xmlns:r="http://schemas.openxmlformats.org/officeDocument/2006/relationships" xmlns:p="http://schemas.openxmlformats.org/presentationml/2006/main">
+  <p:cSld>
+    <p:spTree>
+      <p:nvGrpSpPr>
+        <p:cNvPr id="1" name=""/>
+        <p:cNvGrpSpPr/>
+        <p:nvPr/>
+      </p:nvGrpSpPr>
+      <p:grpSpPr>
+        <a:xfrm>
+          <a:off x="0" y="0"/>
+          <a:ext cx="0" cy="0"/>
+          <a:chOff x="0" y="0"/>
+          <a:chExt cx="0" cy="0"/>
+        </a:xfrm>
+      </p:grpSpPr>
+      <p:pic>
+        <p:nvPicPr>
+          <p:cNvPr id="8" name="Picture 7">
+            <a:extLst>
+              <a:ext uri="{FF2B5EF4-FFF2-40B4-BE49-F238E27FC236}">
+                <a16:creationId xmlns:a16="http://schemas.microsoft.com/office/drawing/2014/main" id="{87451378-990F-499B-A944-72882D680DBA}"/>
+              </a:ext>
+            </a:extLst>
+          </p:cNvPr>
+          <p:cNvPicPr>
+            <a:picLocks noChangeAspect="1"/>
+          </p:cNvPicPr>
+          <p:nvPr/>
+        </p:nvPicPr>
+        <p:blipFill>
+          <a:blip r:embed="rId2"/>
+          <a:stretch>
+            <a:fillRect/>
+          </a:stretch>
+        </p:blipFill>
+        <p:spPr>
+          <a:xfrm>
+            <a:off x="457200" y="482958"/>
+            <a:ext cx="10874276" cy="5634731"/>
+          </a:xfrm>
+          <a:prstGeom prst="rect">
+            <a:avLst/>
+          </a:prstGeom>
+        </p:spPr>
+      </p:pic>
+    </p:spTree>
+    <p:extLst>
+      <p:ext uri="{BB962C8B-B14F-4D97-AF65-F5344CB8AC3E}">
+        <p14:creationId xmlns:p14="http://schemas.microsoft.com/office/powerpoint/2010/main" val="2218299414"/>
+      </p:ext>
+    </p:extLst>
+  </p:cSld>
+  <p:clrMapOvr>
+    <a:masterClrMapping/>
+  </p:clrMapOvr>
+</p:sld>
+</file>
+
+<file path=ppt/slides/slide8.xml><?xml version="1.0" encoding="utf-8"?>
+<p:sld xmlns:a="http://schemas.openxmlformats.org/drawingml/2006/main" xmlns:r="http://schemas.openxmlformats.org/officeDocument/2006/relationships" xmlns:p="http://schemas.openxmlformats.org/presentationml/2006/main">
+  <p:cSld>
+    <p:spTree>
+      <p:nvGrpSpPr>
+        <p:cNvPr id="1" name=""/>
+        <p:cNvGrpSpPr/>
+        <p:nvPr/>
+      </p:nvGrpSpPr>
+      <p:grpSpPr>
+        <a:xfrm>
+          <a:off x="0" y="0"/>
+          <a:ext cx="0" cy="0"/>
+          <a:chOff x="0" y="0"/>
+          <a:chExt cx="0" cy="0"/>
+        </a:xfrm>
+      </p:grpSpPr>
+      <p:pic>
+        <p:nvPicPr>
+          <p:cNvPr id="7" name="Picture 6">
+            <a:extLst>
+              <a:ext uri="{FF2B5EF4-FFF2-40B4-BE49-F238E27FC236}">
+                <a16:creationId xmlns:a16="http://schemas.microsoft.com/office/drawing/2014/main" id="{553AEE72-81C7-49CC-A6E5-142A1479AFA5}"/>
+              </a:ext>
+            </a:extLst>
+          </p:cNvPr>
+          <p:cNvPicPr>
+            <a:picLocks noChangeAspect="1"/>
+          </p:cNvPicPr>
+          <p:nvPr/>
+        </p:nvPicPr>
+        <p:blipFill>
+          <a:blip r:embed="rId2"/>
+          <a:stretch>
+            <a:fillRect/>
+          </a:stretch>
+        </p:blipFill>
+        <p:spPr>
+          <a:xfrm>
+            <a:off x="6173273" y="57954"/>
+            <a:ext cx="5410995" cy="3052293"/>
+          </a:xfrm>
+          <a:prstGeom prst="rect">
+            <a:avLst/>
+          </a:prstGeom>
+        </p:spPr>
+      </p:pic>
+      <p:pic>
+        <p:nvPicPr>
+          <p:cNvPr id="8" name="Picture 7">
+            <a:extLst>
+              <a:ext uri="{FF2B5EF4-FFF2-40B4-BE49-F238E27FC236}">
+                <a16:creationId xmlns:a16="http://schemas.microsoft.com/office/drawing/2014/main" id="{A7819938-DD8C-4E09-9A31-C9FE69011883}"/>
+              </a:ext>
+            </a:extLst>
+          </p:cNvPr>
+          <p:cNvPicPr>
+            <a:picLocks noChangeAspect="1"/>
+          </p:cNvPicPr>
+          <p:nvPr/>
+        </p:nvPicPr>
+        <p:blipFill>
+          <a:blip r:embed="rId3"/>
+          <a:stretch>
+            <a:fillRect/>
+          </a:stretch>
+        </p:blipFill>
+        <p:spPr>
+          <a:xfrm>
+            <a:off x="281667" y="3429000"/>
+            <a:ext cx="5423415" cy="2926849"/>
+          </a:xfrm>
+          <a:prstGeom prst="rect">
+            <a:avLst/>
+          </a:prstGeom>
+        </p:spPr>
+      </p:pic>
+      <p:pic>
+        <p:nvPicPr>
+          <p:cNvPr id="9" name="Picture 8">
+            <a:extLst>
+              <a:ext uri="{FF2B5EF4-FFF2-40B4-BE49-F238E27FC236}">
+                <a16:creationId xmlns:a16="http://schemas.microsoft.com/office/drawing/2014/main" id="{24AF1BA6-8ED0-4DA1-AB4D-70D0A453C5E2}"/>
+              </a:ext>
+            </a:extLst>
+          </p:cNvPr>
+          <p:cNvPicPr>
+            <a:picLocks noChangeAspect="1"/>
+          </p:cNvPicPr>
+          <p:nvPr/>
+        </p:nvPicPr>
+        <p:blipFill>
+          <a:blip r:embed="rId4"/>
+          <a:stretch>
+            <a:fillRect/>
+          </a:stretch>
+        </p:blipFill>
+        <p:spPr>
+          <a:xfrm>
+            <a:off x="6173273" y="3438042"/>
+            <a:ext cx="5423415" cy="2917807"/>
+          </a:xfrm>
+          <a:prstGeom prst="rect">
+            <a:avLst/>
+          </a:prstGeom>
+        </p:spPr>
+      </p:pic>
+      <p:pic>
+        <p:nvPicPr>
+          <p:cNvPr id="10" name="Picture 9">
+            <a:extLst>
+              <a:ext uri="{FF2B5EF4-FFF2-40B4-BE49-F238E27FC236}">
+                <a16:creationId xmlns:a16="http://schemas.microsoft.com/office/drawing/2014/main" id="{00D201DB-1F83-4AA0-B5BE-430B321711D9}"/>
+              </a:ext>
+            </a:extLst>
+          </p:cNvPr>
+          <p:cNvPicPr>
+            <a:picLocks noChangeAspect="1"/>
+          </p:cNvPicPr>
+          <p:nvPr/>
+        </p:nvPicPr>
+        <p:blipFill>
+          <a:blip r:embed="rId5"/>
+          <a:stretch>
+            <a:fillRect/>
+          </a:stretch>
+        </p:blipFill>
+        <p:spPr>
+          <a:xfrm>
+            <a:off x="281667" y="57954"/>
+            <a:ext cx="5569094" cy="3052293"/>
+          </a:xfrm>
+          <a:prstGeom prst="rect">
+            <a:avLst/>
+          </a:prstGeom>
+        </p:spPr>
+      </p:pic>
+    </p:spTree>
+    <p:extLst>
+      <p:ext uri="{BB962C8B-B14F-4D97-AF65-F5344CB8AC3E}">
+        <p14:creationId xmlns:p14="http://schemas.microsoft.com/office/powerpoint/2010/main" val="3210254201"/>
+      </p:ext>
+    </p:extLst>
+  </p:cSld>
+  <p:clrMapOvr>
+    <a:masterClrMapping/>
+  </p:clrMapOvr>
+</p:sld>
+</file>
+
+<file path=ppt/slides/slide9.xml><?xml version="1.0" encoding="utf-8"?>
+<p:sld xmlns:a="http://schemas.openxmlformats.org/drawingml/2006/main" xmlns:r="http://schemas.openxmlformats.org/officeDocument/2006/relationships" xmlns:p="http://schemas.openxmlformats.org/presentationml/2006/main">
+  <p:cSld>
+    <p:spTree>
+      <p:nvGrpSpPr>
+        <p:cNvPr id="1" name=""/>
+        <p:cNvGrpSpPr/>
+        <p:nvPr/>
+      </p:nvGrpSpPr>
+      <p:grpSpPr>
+        <a:xfrm>
+          <a:off x="0" y="0"/>
+          <a:ext cx="0" cy="0"/>
+          <a:chOff x="0" y="0"/>
+          <a:chExt cx="0" cy="0"/>
+        </a:xfrm>
+      </p:grpSpPr>
+      <p:pic>
+        <p:nvPicPr>
+          <p:cNvPr id="4" name="Picture 3">
+            <a:extLst>
+              <a:ext uri="{FF2B5EF4-FFF2-40B4-BE49-F238E27FC236}">
+                <a16:creationId xmlns:a16="http://schemas.microsoft.com/office/drawing/2014/main" id="{0D155136-2375-46EA-86D6-F4D12BB43076}"/>
+              </a:ext>
+            </a:extLst>
+          </p:cNvPr>
+          <p:cNvPicPr>
+            <a:picLocks noChangeAspect="1"/>
+          </p:cNvPicPr>
+          <p:nvPr/>
+        </p:nvPicPr>
+        <p:blipFill>
+          <a:blip r:embed="rId2"/>
+          <a:stretch>
+            <a:fillRect/>
+          </a:stretch>
+        </p:blipFill>
+        <p:spPr>
+          <a:xfrm>
+            <a:off x="244699" y="207863"/>
+            <a:ext cx="5151549" cy="2776816"/>
+          </a:xfrm>
+          <a:prstGeom prst="rect">
+            <a:avLst/>
+          </a:prstGeom>
+        </p:spPr>
+      </p:pic>
+      <p:pic>
+        <p:nvPicPr>
+          <p:cNvPr id="5" name="Picture 4">
+            <a:extLst>
+              <a:ext uri="{FF2B5EF4-FFF2-40B4-BE49-F238E27FC236}">
+                <a16:creationId xmlns:a16="http://schemas.microsoft.com/office/drawing/2014/main" id="{5D4F608C-6DCD-49C8-8035-A11852D314A3}"/>
+              </a:ext>
+            </a:extLst>
+          </p:cNvPr>
+          <p:cNvPicPr>
+            <a:picLocks noChangeAspect="1"/>
+          </p:cNvPicPr>
+          <p:nvPr/>
+        </p:nvPicPr>
+        <p:blipFill>
+          <a:blip r:embed="rId3"/>
+          <a:stretch>
+            <a:fillRect/>
+          </a:stretch>
+        </p:blipFill>
+        <p:spPr>
+          <a:xfrm>
+            <a:off x="6096000" y="207863"/>
+            <a:ext cx="5005589" cy="2761931"/>
+          </a:xfrm>
+          <a:prstGeom prst="rect">
+            <a:avLst/>
+          </a:prstGeom>
+        </p:spPr>
+      </p:pic>
+      <p:pic>
+        <p:nvPicPr>
+          <p:cNvPr id="6" name="Picture 5">
+            <a:extLst>
+              <a:ext uri="{FF2B5EF4-FFF2-40B4-BE49-F238E27FC236}">
+                <a16:creationId xmlns:a16="http://schemas.microsoft.com/office/drawing/2014/main" id="{7550007E-BC0B-43D2-B04B-702E89F8BB5F}"/>
+              </a:ext>
+            </a:extLst>
+          </p:cNvPr>
+          <p:cNvPicPr>
+            <a:picLocks noChangeAspect="1"/>
+          </p:cNvPicPr>
+          <p:nvPr/>
+        </p:nvPicPr>
+        <p:blipFill>
+          <a:blip r:embed="rId4"/>
+          <a:stretch>
+            <a:fillRect/>
+          </a:stretch>
+        </p:blipFill>
+        <p:spPr>
+          <a:xfrm>
+            <a:off x="0" y="3801410"/>
+            <a:ext cx="5396248" cy="2871902"/>
+          </a:xfrm>
+          <a:prstGeom prst="rect">
+            <a:avLst/>
+          </a:prstGeom>
+        </p:spPr>
+      </p:pic>
+      <p:pic>
+        <p:nvPicPr>
+          <p:cNvPr id="7" name="Picture 6">
+            <a:extLst>
+              <a:ext uri="{FF2B5EF4-FFF2-40B4-BE49-F238E27FC236}">
+                <a16:creationId xmlns:a16="http://schemas.microsoft.com/office/drawing/2014/main" id="{EEB92158-79D1-4FA6-9181-CC16DEC0EDE2}"/>
+              </a:ext>
+            </a:extLst>
+          </p:cNvPr>
+          <p:cNvPicPr>
+            <a:picLocks noChangeAspect="1"/>
+          </p:cNvPicPr>
+          <p:nvPr/>
+        </p:nvPicPr>
+        <p:blipFill>
+          <a:blip r:embed="rId5"/>
+          <a:stretch>
+            <a:fillRect/>
+          </a:stretch>
+        </p:blipFill>
+        <p:spPr>
+          <a:xfrm>
+            <a:off x="6096000" y="3768934"/>
+            <a:ext cx="5396248" cy="2881203"/>
+          </a:xfrm>
+          <a:prstGeom prst="rect">
+            <a:avLst/>
+          </a:prstGeom>
+        </p:spPr>
+      </p:pic>
+    </p:spTree>
+    <p:extLst>
+      <p:ext uri="{BB962C8B-B14F-4D97-AF65-F5344CB8AC3E}">
+        <p14:creationId xmlns:p14="http://schemas.microsoft.com/office/powerpoint/2010/main" val="629149102"/>
       </p:ext>
     </p:extLst>
   </p:cSld>
